--- a/5.pptx
+++ b/5.pptx
@@ -6,6 +6,44 @@
   </p:sldMasterIdLst>
   <p:sldIdLst>
     <p:sldId id="256" r:id="rId2"/>
+    <p:sldId id="257" r:id="rId3"/>
+    <p:sldId id="258" r:id="rId4"/>
+    <p:sldId id="259" r:id="rId5"/>
+    <p:sldId id="260" r:id="rId6"/>
+    <p:sldId id="261" r:id="rId7"/>
+    <p:sldId id="262" r:id="rId8"/>
+    <p:sldId id="263" r:id="rId9"/>
+    <p:sldId id="264" r:id="rId10"/>
+    <p:sldId id="265" r:id="rId11"/>
+    <p:sldId id="266" r:id="rId12"/>
+    <p:sldId id="267" r:id="rId13"/>
+    <p:sldId id="268" r:id="rId14"/>
+    <p:sldId id="269" r:id="rId15"/>
+    <p:sldId id="270" r:id="rId16"/>
+    <p:sldId id="271" r:id="rId17"/>
+    <p:sldId id="273" r:id="rId18"/>
+    <p:sldId id="274" r:id="rId19"/>
+    <p:sldId id="275" r:id="rId20"/>
+    <p:sldId id="276" r:id="rId21"/>
+    <p:sldId id="277" r:id="rId22"/>
+    <p:sldId id="278" r:id="rId23"/>
+    <p:sldId id="279" r:id="rId24"/>
+    <p:sldId id="280" r:id="rId25"/>
+    <p:sldId id="281" r:id="rId26"/>
+    <p:sldId id="282" r:id="rId27"/>
+    <p:sldId id="283" r:id="rId28"/>
+    <p:sldId id="284" r:id="rId29"/>
+    <p:sldId id="285" r:id="rId30"/>
+    <p:sldId id="286" r:id="rId31"/>
+    <p:sldId id="287" r:id="rId32"/>
+    <p:sldId id="288" r:id="rId33"/>
+    <p:sldId id="289" r:id="rId34"/>
+    <p:sldId id="290" r:id="rId35"/>
+    <p:sldId id="291" r:id="rId36"/>
+    <p:sldId id="292" r:id="rId37"/>
+    <p:sldId id="293" r:id="rId38"/>
+    <p:sldId id="294" r:id="rId39"/>
+    <p:sldId id="295" r:id="rId40"/>
   </p:sldIdLst>
   <p:sldSz cx="12192000" cy="6858000"/>
   <p:notesSz cx="6858000" cy="9144000"/>
@@ -104,6 +142,11 @@
       </a:defRPr>
     </a:lvl9pPr>
   </p:defaultTextStyle>
+  <p:extLst>
+    <p:ext uri="{EFAFB233-063F-42B5-8137-9DF3F51BA10A}">
+      <p15:sldGuideLst xmlns:p15="http://schemas.microsoft.com/office/powerpoint/2012/main"/>
+    </p:ext>
+  </p:extLst>
 </p:presentation>
 </file>
 
@@ -3413,6 +3456,5174 @@
 </p:sld>
 </file>
 
+<file path=ppt/slides/slide10.xml><?xml version="1.0" encoding="utf-8"?>
+<p:sld xmlns:a="http://schemas.openxmlformats.org/drawingml/2006/main" xmlns:r="http://schemas.openxmlformats.org/officeDocument/2006/relationships" xmlns:p="http://schemas.openxmlformats.org/presentationml/2006/main">
+  <p:cSld>
+    <p:spTree>
+      <p:nvGrpSpPr>
+        <p:cNvPr id="1" name=""/>
+        <p:cNvGrpSpPr/>
+        <p:nvPr/>
+      </p:nvGrpSpPr>
+      <p:grpSpPr>
+        <a:xfrm>
+          <a:off x="0" y="0"/>
+          <a:ext cx="0" cy="0"/>
+          <a:chOff x="0" y="0"/>
+          <a:chExt cx="0" cy="0"/>
+        </a:xfrm>
+      </p:grpSpPr>
+      <p:sp>
+        <p:nvSpPr>
+          <p:cNvPr id="2" name="Title 1">
+            <a:extLst>
+              <a:ext uri="{FF2B5EF4-FFF2-40B4-BE49-F238E27FC236}">
+                <a16:creationId xmlns:a16="http://schemas.microsoft.com/office/drawing/2014/main" id="{64ED3AE9-7EE3-4150-9FA5-3AB0CF5E62A7}"/>
+              </a:ext>
+            </a:extLst>
+          </p:cNvPr>
+          <p:cNvSpPr>
+            <a:spLocks noGrp="1"/>
+          </p:cNvSpPr>
+          <p:nvPr>
+            <p:ph type="title"/>
+          </p:nvPr>
+        </p:nvSpPr>
+        <p:spPr/>
+        <p:txBody>
+          <a:bodyPr/>
+          <a:lstStyle/>
+          <a:p>
+            <a:endParaRPr lang="zh-TW" altLang="en-US"/>
+          </a:p>
+        </p:txBody>
+      </p:sp>
+      <p:sp>
+        <p:nvSpPr>
+          <p:cNvPr id="3" name="Content Placeholder 2">
+            <a:extLst>
+              <a:ext uri="{FF2B5EF4-FFF2-40B4-BE49-F238E27FC236}">
+                <a16:creationId xmlns:a16="http://schemas.microsoft.com/office/drawing/2014/main" id="{37D5C0D6-1B7A-4CE2-9AE7-3813E69847EC}"/>
+              </a:ext>
+            </a:extLst>
+          </p:cNvPr>
+          <p:cNvSpPr>
+            <a:spLocks noGrp="1"/>
+          </p:cNvSpPr>
+          <p:nvPr>
+            <p:ph idx="1"/>
+          </p:nvPr>
+        </p:nvSpPr>
+        <p:spPr/>
+        <p:txBody>
+          <a:bodyPr/>
+          <a:lstStyle/>
+          <a:p>
+            <a:r>
+              <a:rPr lang="en-GB" altLang="zh-TW" dirty="0"/>
+              <a:t>Likewise, an algorithm sorting N values can be considered as a big decision tree, where each node represents a comparison, and each leaf represents a permutation</a:t>
+            </a:r>
+          </a:p>
+          <a:p>
+            <a:endParaRPr lang="en-GB" altLang="zh-TW" dirty="0"/>
+          </a:p>
+          <a:p>
+            <a:r>
+              <a:rPr lang="en-GB" altLang="zh-TW" dirty="0"/>
+              <a:t>How many permutations for N numbers?</a:t>
+            </a:r>
+          </a:p>
+          <a:p>
+            <a:endParaRPr lang="en-GB" altLang="zh-TW" dirty="0"/>
+          </a:p>
+          <a:p>
+            <a:r>
+              <a:rPr lang="en-GB" altLang="zh-TW" dirty="0"/>
+              <a:t>What’s the least height for a such tree?</a:t>
+            </a:r>
+            <a:endParaRPr lang="zh-TW" altLang="en-US" dirty="0"/>
+          </a:p>
+        </p:txBody>
+      </p:sp>
+    </p:spTree>
+    <p:extLst>
+      <p:ext uri="{BB962C8B-B14F-4D97-AF65-F5344CB8AC3E}">
+        <p14:creationId xmlns:p14="http://schemas.microsoft.com/office/powerpoint/2010/main" val="2941376290"/>
+      </p:ext>
+    </p:extLst>
+  </p:cSld>
+  <p:clrMapOvr>
+    <a:masterClrMapping/>
+  </p:clrMapOvr>
+</p:sld>
+</file>
+
+<file path=ppt/slides/slide11.xml><?xml version="1.0" encoding="utf-8"?>
+<p:sld xmlns:a="http://schemas.openxmlformats.org/drawingml/2006/main" xmlns:r="http://schemas.openxmlformats.org/officeDocument/2006/relationships" xmlns:p="http://schemas.openxmlformats.org/presentationml/2006/main">
+  <p:cSld>
+    <p:spTree>
+      <p:nvGrpSpPr>
+        <p:cNvPr id="1" name=""/>
+        <p:cNvGrpSpPr/>
+        <p:nvPr/>
+      </p:nvGrpSpPr>
+      <p:grpSpPr>
+        <a:xfrm>
+          <a:off x="0" y="0"/>
+          <a:ext cx="0" cy="0"/>
+          <a:chOff x="0" y="0"/>
+          <a:chExt cx="0" cy="0"/>
+        </a:xfrm>
+      </p:grpSpPr>
+      <p:sp>
+        <p:nvSpPr>
+          <p:cNvPr id="2" name="Title 1">
+            <a:extLst>
+              <a:ext uri="{FF2B5EF4-FFF2-40B4-BE49-F238E27FC236}">
+                <a16:creationId xmlns:a16="http://schemas.microsoft.com/office/drawing/2014/main" id="{A5CE5BDC-C82B-4E0F-B1E3-6B57FF6EA6E8}"/>
+              </a:ext>
+            </a:extLst>
+          </p:cNvPr>
+          <p:cNvSpPr>
+            <a:spLocks noGrp="1"/>
+          </p:cNvSpPr>
+          <p:nvPr>
+            <p:ph type="title"/>
+          </p:nvPr>
+        </p:nvSpPr>
+        <p:spPr/>
+        <p:txBody>
+          <a:bodyPr/>
+          <a:lstStyle/>
+          <a:p>
+            <a:endParaRPr lang="zh-TW" altLang="en-US"/>
+          </a:p>
+        </p:txBody>
+      </p:sp>
+      <mc:AlternateContent xmlns:mc="http://schemas.openxmlformats.org/markup-compatibility/2006">
+        <mc:Choice xmlns:a14="http://schemas.microsoft.com/office/drawing/2010/main" Requires="a14">
+          <p:sp>
+            <p:nvSpPr>
+              <p:cNvPr id="3" name="Content Placeholder 2">
+                <a:extLst>
+                  <a:ext uri="{FF2B5EF4-FFF2-40B4-BE49-F238E27FC236}">
+                    <a16:creationId xmlns:a16="http://schemas.microsoft.com/office/drawing/2014/main" id="{B24F1451-4A32-420C-879C-F58DFEF151E7}"/>
+                  </a:ext>
+                </a:extLst>
+              </p:cNvPr>
+              <p:cNvSpPr>
+                <a:spLocks noGrp="1"/>
+              </p:cNvSpPr>
+              <p:nvPr>
+                <p:ph idx="1"/>
+              </p:nvPr>
+            </p:nvSpPr>
+            <p:spPr/>
+            <p:txBody>
+              <a:bodyPr/>
+              <a:lstStyle/>
+              <a:p>
+                <a14:m>
+                  <m:oMath xmlns:m="http://schemas.openxmlformats.org/officeDocument/2006/math">
+                    <m:r>
+                      <a:rPr lang="en-GB" altLang="zh-TW" b="0" i="1" smtClean="0">
+                        <a:latin typeface="Cambria Math" panose="02040503050406030204" pitchFamily="18" charset="0"/>
+                      </a:rPr>
+                      <m:t>𝑙𝑜𝑔𝑁</m:t>
+                    </m:r>
+                    <m:r>
+                      <a:rPr lang="en-GB" altLang="zh-TW" b="0" i="1" smtClean="0">
+                        <a:latin typeface="Cambria Math" panose="02040503050406030204" pitchFamily="18" charset="0"/>
+                      </a:rPr>
+                      <m:t>!~</m:t>
+                    </m:r>
+                    <m:r>
+                      <a:rPr lang="en-GB" altLang="zh-TW" b="0" i="1" smtClean="0">
+                        <a:solidFill>
+                          <a:srgbClr val="FF0000"/>
+                        </a:solidFill>
+                        <a:latin typeface="Cambria Math" panose="02040503050406030204" pitchFamily="18" charset="0"/>
+                        <a:ea typeface="Cambria Math" panose="02040503050406030204" pitchFamily="18" charset="0"/>
+                      </a:rPr>
+                      <m:t>𝑁𝑙𝑜𝑔𝑁</m:t>
+                    </m:r>
+                  </m:oMath>
+                </a14:m>
+                <a:r>
+                  <a:rPr lang="zh-TW" altLang="en-US" dirty="0"/>
+                  <a:t> </a:t>
+                </a:r>
+                <a:r>
+                  <a:rPr lang="en-GB" altLang="zh-TW" dirty="0"/>
+                  <a:t>using Stirling’s formula</a:t>
+                </a:r>
+              </a:p>
+              <a:p>
+                <a:endParaRPr lang="en-GB" altLang="zh-TW" dirty="0"/>
+              </a:p>
+              <a:p>
+                <a:endParaRPr lang="en-GB" altLang="zh-TW" dirty="0"/>
+              </a:p>
+              <a:p>
+                <a:r>
+                  <a:rPr lang="en-GB" altLang="zh-TW" dirty="0"/>
+                  <a:t>Conclusion : No algorithm, processing by only comparisons, can sort N elements in doing fewer than </a:t>
+                </a:r>
+                <a14:m>
+                  <m:oMath xmlns:m="http://schemas.openxmlformats.org/officeDocument/2006/math">
+                    <m:r>
+                      <a:rPr lang="en-GB" altLang="zh-TW" i="1">
+                        <a:solidFill>
+                          <a:srgbClr val="FF0000"/>
+                        </a:solidFill>
+                        <a:latin typeface="Cambria Math" panose="02040503050406030204" pitchFamily="18" charset="0"/>
+                        <a:ea typeface="Cambria Math" panose="02040503050406030204" pitchFamily="18" charset="0"/>
+                      </a:rPr>
+                      <m:t>𝑁𝑙𝑜𝑔𝑁</m:t>
+                    </m:r>
+                  </m:oMath>
+                </a14:m>
+                <a:r>
+                  <a:rPr lang="zh-TW" altLang="en-US" dirty="0"/>
+                  <a:t> </a:t>
+                </a:r>
+                <a:r>
+                  <a:rPr lang="en-GB" altLang="zh-TW" dirty="0"/>
+                  <a:t>comparisons.</a:t>
+                </a:r>
+              </a:p>
+              <a:p>
+                <a:endParaRPr lang="zh-TW" altLang="en-US" dirty="0"/>
+              </a:p>
+            </p:txBody>
+          </p:sp>
+        </mc:Choice>
+        <mc:Fallback>
+          <p:sp>
+            <p:nvSpPr>
+              <p:cNvPr id="3" name="Content Placeholder 2">
+                <a:extLst>
+                  <a:ext uri="{FF2B5EF4-FFF2-40B4-BE49-F238E27FC236}">
+                    <a16:creationId xmlns:a16="http://schemas.microsoft.com/office/drawing/2014/main" id="{B24F1451-4A32-420C-879C-F58DFEF151E7}"/>
+                  </a:ext>
+                </a:extLst>
+              </p:cNvPr>
+              <p:cNvSpPr>
+                <a:spLocks noGrp="1" noRot="1" noChangeAspect="1" noMove="1" noResize="1" noEditPoints="1" noAdjustHandles="1" noChangeArrowheads="1" noChangeShapeType="1" noTextEdit="1"/>
+              </p:cNvSpPr>
+              <p:nvPr>
+                <p:ph idx="1"/>
+              </p:nvPr>
+            </p:nvSpPr>
+            <p:spPr>
+              <a:blipFill>
+                <a:blip r:embed="rId2"/>
+                <a:stretch>
+                  <a:fillRect l="-1043" t="-2241"/>
+                </a:stretch>
+              </a:blipFill>
+            </p:spPr>
+            <p:txBody>
+              <a:bodyPr/>
+              <a:lstStyle/>
+              <a:p>
+                <a:r>
+                  <a:rPr lang="zh-TW" altLang="en-US">
+                    <a:noFill/>
+                  </a:rPr>
+                  <a:t> </a:t>
+                </a:r>
+              </a:p>
+            </p:txBody>
+          </p:sp>
+        </mc:Fallback>
+      </mc:AlternateContent>
+    </p:spTree>
+    <p:extLst>
+      <p:ext uri="{BB962C8B-B14F-4D97-AF65-F5344CB8AC3E}">
+        <p14:creationId xmlns:p14="http://schemas.microsoft.com/office/powerpoint/2010/main" val="3143579019"/>
+      </p:ext>
+    </p:extLst>
+  </p:cSld>
+  <p:clrMapOvr>
+    <a:masterClrMapping/>
+  </p:clrMapOvr>
+</p:sld>
+</file>
+
+<file path=ppt/slides/slide12.xml><?xml version="1.0" encoding="utf-8"?>
+<p:sld xmlns:a="http://schemas.openxmlformats.org/drawingml/2006/main" xmlns:r="http://schemas.openxmlformats.org/officeDocument/2006/relationships" xmlns:p="http://schemas.openxmlformats.org/presentationml/2006/main">
+  <p:cSld>
+    <p:spTree>
+      <p:nvGrpSpPr>
+        <p:cNvPr id="1" name=""/>
+        <p:cNvGrpSpPr/>
+        <p:nvPr/>
+      </p:nvGrpSpPr>
+      <p:grpSpPr>
+        <a:xfrm>
+          <a:off x="0" y="0"/>
+          <a:ext cx="0" cy="0"/>
+          <a:chOff x="0" y="0"/>
+          <a:chExt cx="0" cy="0"/>
+        </a:xfrm>
+      </p:grpSpPr>
+      <p:sp>
+        <p:nvSpPr>
+          <p:cNvPr id="2" name="Title 1">
+            <a:extLst>
+              <a:ext uri="{FF2B5EF4-FFF2-40B4-BE49-F238E27FC236}">
+                <a16:creationId xmlns:a16="http://schemas.microsoft.com/office/drawing/2014/main" id="{26B0211A-7A98-4A0B-83EE-9D34B5CD9D6B}"/>
+              </a:ext>
+            </a:extLst>
+          </p:cNvPr>
+          <p:cNvSpPr>
+            <a:spLocks noGrp="1"/>
+          </p:cNvSpPr>
+          <p:nvPr>
+            <p:ph type="title"/>
+          </p:nvPr>
+        </p:nvSpPr>
+        <p:spPr/>
+        <p:txBody>
+          <a:bodyPr/>
+          <a:lstStyle/>
+          <a:p>
+            <a:endParaRPr lang="zh-TW" altLang="en-US"/>
+          </a:p>
+        </p:txBody>
+      </p:sp>
+      <p:sp>
+        <p:nvSpPr>
+          <p:cNvPr id="3" name="Content Placeholder 2">
+            <a:extLst>
+              <a:ext uri="{FF2B5EF4-FFF2-40B4-BE49-F238E27FC236}">
+                <a16:creationId xmlns:a16="http://schemas.microsoft.com/office/drawing/2014/main" id="{234EFE78-B972-4253-827A-4E76A7F1CC46}"/>
+              </a:ext>
+            </a:extLst>
+          </p:cNvPr>
+          <p:cNvSpPr>
+            <a:spLocks noGrp="1"/>
+          </p:cNvSpPr>
+          <p:nvPr>
+            <p:ph idx="1"/>
+          </p:nvPr>
+        </p:nvSpPr>
+        <p:spPr/>
+        <p:txBody>
+          <a:bodyPr/>
+          <a:lstStyle/>
+          <a:p>
+            <a:r>
+              <a:rPr lang="en-GB" altLang="zh-TW" dirty="0"/>
+              <a:t>Heapsort, executed with a heap, is an example.</a:t>
+            </a:r>
+            <a:endParaRPr lang="zh-TW" altLang="en-US" dirty="0"/>
+          </a:p>
+        </p:txBody>
+      </p:sp>
+    </p:spTree>
+    <p:extLst>
+      <p:ext uri="{BB962C8B-B14F-4D97-AF65-F5344CB8AC3E}">
+        <p14:creationId xmlns:p14="http://schemas.microsoft.com/office/powerpoint/2010/main" val="2573728499"/>
+      </p:ext>
+    </p:extLst>
+  </p:cSld>
+  <p:clrMapOvr>
+    <a:masterClrMapping/>
+  </p:clrMapOvr>
+</p:sld>
+</file>
+
+<file path=ppt/slides/slide13.xml><?xml version="1.0" encoding="utf-8"?>
+<p:sld xmlns:a="http://schemas.openxmlformats.org/drawingml/2006/main" xmlns:r="http://schemas.openxmlformats.org/officeDocument/2006/relationships" xmlns:p="http://schemas.openxmlformats.org/presentationml/2006/main">
+  <p:cSld>
+    <p:spTree>
+      <p:nvGrpSpPr>
+        <p:cNvPr id="1" name=""/>
+        <p:cNvGrpSpPr/>
+        <p:nvPr/>
+      </p:nvGrpSpPr>
+      <p:grpSpPr>
+        <a:xfrm>
+          <a:off x="0" y="0"/>
+          <a:ext cx="0" cy="0"/>
+          <a:chOff x="0" y="0"/>
+          <a:chExt cx="0" cy="0"/>
+        </a:xfrm>
+      </p:grpSpPr>
+      <p:sp>
+        <p:nvSpPr>
+          <p:cNvPr id="2" name="Title 1">
+            <a:extLst>
+              <a:ext uri="{FF2B5EF4-FFF2-40B4-BE49-F238E27FC236}">
+                <a16:creationId xmlns:a16="http://schemas.microsoft.com/office/drawing/2014/main" id="{DBA6E307-660A-44C6-898F-D5CBC0FC27B1}"/>
+              </a:ext>
+            </a:extLst>
+          </p:cNvPr>
+          <p:cNvSpPr>
+            <a:spLocks noGrp="1"/>
+          </p:cNvSpPr>
+          <p:nvPr>
+            <p:ph type="title"/>
+          </p:nvPr>
+        </p:nvSpPr>
+        <p:spPr/>
+        <p:txBody>
+          <a:bodyPr/>
+          <a:lstStyle/>
+          <a:p>
+            <a:r>
+              <a:rPr lang="en-GB" altLang="zh-TW" dirty="0"/>
+              <a:t>Special cases</a:t>
+            </a:r>
+            <a:endParaRPr lang="zh-TW" altLang="en-US" dirty="0"/>
+          </a:p>
+        </p:txBody>
+      </p:sp>
+      <p:sp>
+        <p:nvSpPr>
+          <p:cNvPr id="3" name="Content Placeholder 2">
+            <a:extLst>
+              <a:ext uri="{FF2B5EF4-FFF2-40B4-BE49-F238E27FC236}">
+                <a16:creationId xmlns:a16="http://schemas.microsoft.com/office/drawing/2014/main" id="{F6F9B66A-D1A9-455B-A82F-78AF1468613D}"/>
+              </a:ext>
+            </a:extLst>
+          </p:cNvPr>
+          <p:cNvSpPr>
+            <a:spLocks noGrp="1"/>
+          </p:cNvSpPr>
+          <p:nvPr>
+            <p:ph idx="1"/>
+          </p:nvPr>
+        </p:nvSpPr>
+        <p:spPr/>
+        <p:txBody>
+          <a:bodyPr/>
+          <a:lstStyle/>
+          <a:p>
+            <a:r>
+              <a:rPr lang="en-GB" altLang="zh-TW" dirty="0"/>
+              <a:t>When we have additional information on the distribution of the elements.</a:t>
+            </a:r>
+          </a:p>
+          <a:p>
+            <a:endParaRPr lang="en-GB" altLang="zh-TW" dirty="0"/>
+          </a:p>
+          <a:p>
+            <a:r>
+              <a:rPr lang="en-GB" altLang="zh-TW" dirty="0"/>
+              <a:t>Homework:</a:t>
+            </a:r>
+          </a:p>
+          <a:p>
+            <a:r>
+              <a:rPr lang="en-GB" altLang="zh-TW" dirty="0"/>
+              <a:t>Dutch national flag problem: the elements are only from the set {red, white, blue}, and we want to sort the array in the order red-&gt;white-&gt;blue</a:t>
+            </a:r>
+          </a:p>
+          <a:p>
+            <a:endParaRPr lang="en-GB" altLang="zh-TW" dirty="0"/>
+          </a:p>
+          <a:p>
+            <a:r>
+              <a:rPr lang="en-GB" altLang="zh-TW" dirty="0"/>
+              <a:t>The complexity should be in O(N)</a:t>
+            </a:r>
+          </a:p>
+          <a:p>
+            <a:endParaRPr lang="en-GB" altLang="zh-TW" dirty="0"/>
+          </a:p>
+          <a:p>
+            <a:endParaRPr lang="en-GB" altLang="zh-TW" dirty="0"/>
+          </a:p>
+          <a:p>
+            <a:endParaRPr lang="en-GB" altLang="zh-TW" dirty="0"/>
+          </a:p>
+          <a:p>
+            <a:endParaRPr lang="zh-TW" altLang="en-US" dirty="0"/>
+          </a:p>
+        </p:txBody>
+      </p:sp>
+    </p:spTree>
+    <p:extLst>
+      <p:ext uri="{BB962C8B-B14F-4D97-AF65-F5344CB8AC3E}">
+        <p14:creationId xmlns:p14="http://schemas.microsoft.com/office/powerpoint/2010/main" val="3715965449"/>
+      </p:ext>
+    </p:extLst>
+  </p:cSld>
+  <p:clrMapOvr>
+    <a:masterClrMapping/>
+  </p:clrMapOvr>
+</p:sld>
+</file>
+
+<file path=ppt/slides/slide14.xml><?xml version="1.0" encoding="utf-8"?>
+<p:sld xmlns:a="http://schemas.openxmlformats.org/drawingml/2006/main" xmlns:r="http://schemas.openxmlformats.org/officeDocument/2006/relationships" xmlns:p="http://schemas.openxmlformats.org/presentationml/2006/main">
+  <p:cSld>
+    <p:spTree>
+      <p:nvGrpSpPr>
+        <p:cNvPr id="1" name=""/>
+        <p:cNvGrpSpPr/>
+        <p:nvPr/>
+      </p:nvGrpSpPr>
+      <p:grpSpPr>
+        <a:xfrm>
+          <a:off x="0" y="0"/>
+          <a:ext cx="0" cy="0"/>
+          <a:chOff x="0" y="0"/>
+          <a:chExt cx="0" cy="0"/>
+        </a:xfrm>
+      </p:grpSpPr>
+      <p:sp>
+        <p:nvSpPr>
+          <p:cNvPr id="2" name="Title 1">
+            <a:extLst>
+              <a:ext uri="{FF2B5EF4-FFF2-40B4-BE49-F238E27FC236}">
+                <a16:creationId xmlns:a16="http://schemas.microsoft.com/office/drawing/2014/main" id="{FB5947F4-2F41-4431-A0ED-D141393A5AFD}"/>
+              </a:ext>
+            </a:extLst>
+          </p:cNvPr>
+          <p:cNvSpPr>
+            <a:spLocks noGrp="1"/>
+          </p:cNvSpPr>
+          <p:nvPr>
+            <p:ph type="title"/>
+          </p:nvPr>
+        </p:nvSpPr>
+        <p:spPr/>
+        <p:txBody>
+          <a:bodyPr/>
+          <a:lstStyle/>
+          <a:p>
+            <a:r>
+              <a:rPr lang="en-GB" altLang="zh-TW" dirty="0"/>
+              <a:t>Homework</a:t>
+            </a:r>
+            <a:endParaRPr lang="zh-TW" altLang="en-US" dirty="0"/>
+          </a:p>
+        </p:txBody>
+      </p:sp>
+      <p:sp>
+        <p:nvSpPr>
+          <p:cNvPr id="3" name="Content Placeholder 2">
+            <a:extLst>
+              <a:ext uri="{FF2B5EF4-FFF2-40B4-BE49-F238E27FC236}">
+                <a16:creationId xmlns:a16="http://schemas.microsoft.com/office/drawing/2014/main" id="{C6CAC95D-375F-435F-A29D-9AB7C04CAE08}"/>
+              </a:ext>
+            </a:extLst>
+          </p:cNvPr>
+          <p:cNvSpPr>
+            <a:spLocks noGrp="1"/>
+          </p:cNvSpPr>
+          <p:nvPr>
+            <p:ph idx="1"/>
+          </p:nvPr>
+        </p:nvSpPr>
+        <p:spPr/>
+        <p:txBody>
+          <a:bodyPr/>
+          <a:lstStyle/>
+          <a:p>
+            <a:r>
+              <a:rPr lang="en-GB" altLang="zh-TW" dirty="0"/>
+              <a:t>More generally, suppose the elements are from set {0, 1,…, k-1} of size k, sort the array such that the order is 0-&gt;1-&gt;…-&gt;k-1.</a:t>
+            </a:r>
+          </a:p>
+          <a:p>
+            <a:endParaRPr lang="en-GB" altLang="zh-TW" dirty="0"/>
+          </a:p>
+          <a:p>
+            <a:r>
+              <a:rPr lang="en-GB" altLang="zh-TW" dirty="0"/>
+              <a:t>The complexity should be O(max(</a:t>
+            </a:r>
+            <a:r>
+              <a:rPr lang="en-GB" altLang="zh-TW" dirty="0" err="1"/>
+              <a:t>k,N</a:t>
+            </a:r>
+            <a:r>
+              <a:rPr lang="en-GB" altLang="zh-TW" dirty="0"/>
+              <a:t>))</a:t>
+            </a:r>
+            <a:endParaRPr lang="zh-TW" altLang="en-US" dirty="0"/>
+          </a:p>
+        </p:txBody>
+      </p:sp>
+    </p:spTree>
+    <p:extLst>
+      <p:ext uri="{BB962C8B-B14F-4D97-AF65-F5344CB8AC3E}">
+        <p14:creationId xmlns:p14="http://schemas.microsoft.com/office/powerpoint/2010/main" val="404910242"/>
+      </p:ext>
+    </p:extLst>
+  </p:cSld>
+  <p:clrMapOvr>
+    <a:masterClrMapping/>
+  </p:clrMapOvr>
+</p:sld>
+</file>
+
+<file path=ppt/slides/slide15.xml><?xml version="1.0" encoding="utf-8"?>
+<p:sld xmlns:a="http://schemas.openxmlformats.org/drawingml/2006/main" xmlns:r="http://schemas.openxmlformats.org/officeDocument/2006/relationships" xmlns:p="http://schemas.openxmlformats.org/presentationml/2006/main">
+  <p:cSld>
+    <p:spTree>
+      <p:nvGrpSpPr>
+        <p:cNvPr id="1" name=""/>
+        <p:cNvGrpSpPr/>
+        <p:nvPr/>
+      </p:nvGrpSpPr>
+      <p:grpSpPr>
+        <a:xfrm>
+          <a:off x="0" y="0"/>
+          <a:ext cx="0" cy="0"/>
+          <a:chOff x="0" y="0"/>
+          <a:chExt cx="0" cy="0"/>
+        </a:xfrm>
+      </p:grpSpPr>
+      <p:sp>
+        <p:nvSpPr>
+          <p:cNvPr id="2" name="Title 1">
+            <a:extLst>
+              <a:ext uri="{FF2B5EF4-FFF2-40B4-BE49-F238E27FC236}">
+                <a16:creationId xmlns:a16="http://schemas.microsoft.com/office/drawing/2014/main" id="{FE723886-0FA4-4324-8440-E43626082EA8}"/>
+              </a:ext>
+            </a:extLst>
+          </p:cNvPr>
+          <p:cNvSpPr>
+            <a:spLocks noGrp="1"/>
+          </p:cNvSpPr>
+          <p:nvPr>
+            <p:ph type="title"/>
+          </p:nvPr>
+        </p:nvSpPr>
+        <p:spPr/>
+        <p:txBody>
+          <a:bodyPr/>
+          <a:lstStyle/>
+          <a:p>
+            <a:r>
+              <a:rPr lang="en-GB" altLang="zh-TW" dirty="0"/>
+              <a:t>Insertion sort</a:t>
+            </a:r>
+            <a:endParaRPr lang="zh-TW" altLang="en-US" dirty="0"/>
+          </a:p>
+        </p:txBody>
+      </p:sp>
+      <p:sp>
+        <p:nvSpPr>
+          <p:cNvPr id="3" name="Content Placeholder 2">
+            <a:extLst>
+              <a:ext uri="{FF2B5EF4-FFF2-40B4-BE49-F238E27FC236}">
+                <a16:creationId xmlns:a16="http://schemas.microsoft.com/office/drawing/2014/main" id="{4C5DB2AB-69CD-443C-9243-6E2C1B307EDA}"/>
+              </a:ext>
+            </a:extLst>
+          </p:cNvPr>
+          <p:cNvSpPr>
+            <a:spLocks noGrp="1"/>
+          </p:cNvSpPr>
+          <p:nvPr>
+            <p:ph idx="1"/>
+          </p:nvPr>
+        </p:nvSpPr>
+        <p:spPr>
+          <a:xfrm>
+            <a:off x="838200" y="1825625"/>
+            <a:ext cx="10515600" cy="4351338"/>
+          </a:xfrm>
+        </p:spPr>
+        <p:txBody>
+          <a:bodyPr/>
+          <a:lstStyle/>
+          <a:p>
+            <a:r>
+              <a:rPr lang="en-GB" altLang="zh-TW" dirty="0"/>
+              <a:t>We successively insert elements to the sorted part of the array:</a:t>
+            </a:r>
+            <a:endParaRPr lang="zh-TW" altLang="en-US" dirty="0"/>
+          </a:p>
+        </p:txBody>
+      </p:sp>
+      <p:pic>
+        <p:nvPicPr>
+          <p:cNvPr id="1028" name="Picture 4" descr="Array after the insertion of x">
+            <a:extLst>
+              <a:ext uri="{FF2B5EF4-FFF2-40B4-BE49-F238E27FC236}">
+                <a16:creationId xmlns:a16="http://schemas.microsoft.com/office/drawing/2014/main" id="{736FA60F-7C2E-4F31-877B-2B221A371893}"/>
+              </a:ext>
+            </a:extLst>
+          </p:cNvPr>
+          <p:cNvPicPr>
+            <a:picLocks noChangeAspect="1" noChangeArrowheads="1"/>
+          </p:cNvPicPr>
+          <p:nvPr/>
+        </p:nvPicPr>
+        <p:blipFill>
+          <a:blip r:embed="rId2">
+            <a:extLst>
+              <a:ext uri="{28A0092B-C50C-407E-A947-70E740481C1C}">
+                <a14:useLocalDpi xmlns:a14="http://schemas.microsoft.com/office/drawing/2010/main" val="0"/>
+              </a:ext>
+            </a:extLst>
+          </a:blip>
+          <a:srcRect/>
+          <a:stretch>
+            <a:fillRect/>
+          </a:stretch>
+        </p:blipFill>
+        <p:spPr bwMode="auto">
+          <a:xfrm>
+            <a:off x="3701105" y="3135865"/>
+            <a:ext cx="4026633" cy="727218"/>
+          </a:xfrm>
+          <a:prstGeom prst="rect">
+            <a:avLst/>
+          </a:prstGeom>
+          <a:noFill/>
+          <a:extLst>
+            <a:ext uri="{909E8E84-426E-40DD-AFC4-6F175D3DCCD1}">
+              <a14:hiddenFill xmlns:a14="http://schemas.microsoft.com/office/drawing/2010/main">
+                <a:solidFill>
+                  <a:srgbClr val="FFFFFF"/>
+                </a:solidFill>
+              </a14:hiddenFill>
+            </a:ext>
+          </a:extLst>
+        </p:spPr>
+      </p:pic>
+    </p:spTree>
+    <p:extLst>
+      <p:ext uri="{BB962C8B-B14F-4D97-AF65-F5344CB8AC3E}">
+        <p14:creationId xmlns:p14="http://schemas.microsoft.com/office/powerpoint/2010/main" val="2456484578"/>
+      </p:ext>
+    </p:extLst>
+  </p:cSld>
+  <p:clrMapOvr>
+    <a:masterClrMapping/>
+  </p:clrMapOvr>
+</p:sld>
+</file>
+
+<file path=ppt/slides/slide16.xml><?xml version="1.0" encoding="utf-8"?>
+<p:sld xmlns:a="http://schemas.openxmlformats.org/drawingml/2006/main" xmlns:r="http://schemas.openxmlformats.org/officeDocument/2006/relationships" xmlns:p="http://schemas.openxmlformats.org/presentationml/2006/main">
+  <p:cSld>
+    <p:spTree>
+      <p:nvGrpSpPr>
+        <p:cNvPr id="1" name=""/>
+        <p:cNvGrpSpPr/>
+        <p:nvPr/>
+      </p:nvGrpSpPr>
+      <p:grpSpPr>
+        <a:xfrm>
+          <a:off x="0" y="0"/>
+          <a:ext cx="0" cy="0"/>
+          <a:chOff x="0" y="0"/>
+          <a:chExt cx="0" cy="0"/>
+        </a:xfrm>
+      </p:grpSpPr>
+      <p:sp>
+        <p:nvSpPr>
+          <p:cNvPr id="2" name="Title 1">
+            <a:extLst>
+              <a:ext uri="{FF2B5EF4-FFF2-40B4-BE49-F238E27FC236}">
+                <a16:creationId xmlns:a16="http://schemas.microsoft.com/office/drawing/2014/main" id="{0B12B9BF-A7E9-4BA1-B3E5-68EC103FB327}"/>
+              </a:ext>
+            </a:extLst>
+          </p:cNvPr>
+          <p:cNvSpPr>
+            <a:spLocks noGrp="1"/>
+          </p:cNvSpPr>
+          <p:nvPr>
+            <p:ph type="title"/>
+          </p:nvPr>
+        </p:nvSpPr>
+        <p:spPr/>
+        <p:txBody>
+          <a:bodyPr/>
+          <a:lstStyle/>
+          <a:p>
+            <a:r>
+              <a:rPr lang="en-GB" altLang="zh-TW" dirty="0"/>
+              <a:t>C++ implementation</a:t>
+            </a:r>
+            <a:endParaRPr lang="zh-TW" altLang="en-US" dirty="0"/>
+          </a:p>
+        </p:txBody>
+      </p:sp>
+      <p:sp>
+        <p:nvSpPr>
+          <p:cNvPr id="3" name="Content Placeholder 2">
+            <a:extLst>
+              <a:ext uri="{FF2B5EF4-FFF2-40B4-BE49-F238E27FC236}">
+                <a16:creationId xmlns:a16="http://schemas.microsoft.com/office/drawing/2014/main" id="{0BA86696-1747-4BF5-95B6-A525BF23DFEE}"/>
+              </a:ext>
+            </a:extLst>
+          </p:cNvPr>
+          <p:cNvSpPr>
+            <a:spLocks noGrp="1"/>
+          </p:cNvSpPr>
+          <p:nvPr>
+            <p:ph idx="1"/>
+          </p:nvPr>
+        </p:nvSpPr>
+        <p:spPr/>
+        <p:txBody>
+          <a:bodyPr/>
+          <a:lstStyle/>
+          <a:p>
+            <a:endParaRPr lang="zh-TW" altLang="en-US"/>
+          </a:p>
+        </p:txBody>
+      </p:sp>
+      <p:pic>
+        <p:nvPicPr>
+          <p:cNvPr id="4" name="Picture 3">
+            <a:extLst>
+              <a:ext uri="{FF2B5EF4-FFF2-40B4-BE49-F238E27FC236}">
+                <a16:creationId xmlns:a16="http://schemas.microsoft.com/office/drawing/2014/main" id="{F5452200-C68A-44D8-BF0F-2E427873688D}"/>
+              </a:ext>
+            </a:extLst>
+          </p:cNvPr>
+          <p:cNvPicPr>
+            <a:picLocks noChangeAspect="1"/>
+          </p:cNvPicPr>
+          <p:nvPr/>
+        </p:nvPicPr>
+        <p:blipFill>
+          <a:blip r:embed="rId2"/>
+          <a:stretch>
+            <a:fillRect/>
+          </a:stretch>
+        </p:blipFill>
+        <p:spPr>
+          <a:xfrm>
+            <a:off x="3950937" y="2382531"/>
+            <a:ext cx="3806698" cy="1300754"/>
+          </a:xfrm>
+          <a:prstGeom prst="rect">
+            <a:avLst/>
+          </a:prstGeom>
+        </p:spPr>
+      </p:pic>
+    </p:spTree>
+    <p:extLst>
+      <p:ext uri="{BB962C8B-B14F-4D97-AF65-F5344CB8AC3E}">
+        <p14:creationId xmlns:p14="http://schemas.microsoft.com/office/powerpoint/2010/main" val="4020144687"/>
+      </p:ext>
+    </p:extLst>
+  </p:cSld>
+  <p:clrMapOvr>
+    <a:masterClrMapping/>
+  </p:clrMapOvr>
+</p:sld>
+</file>
+
+<file path=ppt/slides/slide17.xml><?xml version="1.0" encoding="utf-8"?>
+<p:sld xmlns:a="http://schemas.openxmlformats.org/drawingml/2006/main" xmlns:r="http://schemas.openxmlformats.org/officeDocument/2006/relationships" xmlns:p="http://schemas.openxmlformats.org/presentationml/2006/main">
+  <p:cSld>
+    <p:spTree>
+      <p:nvGrpSpPr>
+        <p:cNvPr id="1" name=""/>
+        <p:cNvGrpSpPr/>
+        <p:nvPr/>
+      </p:nvGrpSpPr>
+      <p:grpSpPr>
+        <a:xfrm>
+          <a:off x="0" y="0"/>
+          <a:ext cx="0" cy="0"/>
+          <a:chOff x="0" y="0"/>
+          <a:chExt cx="0" cy="0"/>
+        </a:xfrm>
+      </p:grpSpPr>
+      <p:sp>
+        <p:nvSpPr>
+          <p:cNvPr id="2" name="Title 1">
+            <a:extLst>
+              <a:ext uri="{FF2B5EF4-FFF2-40B4-BE49-F238E27FC236}">
+                <a16:creationId xmlns:a16="http://schemas.microsoft.com/office/drawing/2014/main" id="{EDC6A26C-900A-438C-94AD-3EFBD777D633}"/>
+              </a:ext>
+            </a:extLst>
+          </p:cNvPr>
+          <p:cNvSpPr>
+            <a:spLocks noGrp="1"/>
+          </p:cNvSpPr>
+          <p:nvPr>
+            <p:ph type="title"/>
+          </p:nvPr>
+        </p:nvSpPr>
+        <p:spPr/>
+        <p:txBody>
+          <a:bodyPr/>
+          <a:lstStyle/>
+          <a:p>
+            <a:r>
+              <a:rPr lang="en-GB" altLang="zh-TW" dirty="0"/>
+              <a:t>Complexity</a:t>
+            </a:r>
+            <a:endParaRPr lang="zh-TW" altLang="en-US" dirty="0"/>
+          </a:p>
+        </p:txBody>
+      </p:sp>
+      <mc:AlternateContent xmlns:mc="http://schemas.openxmlformats.org/markup-compatibility/2006">
+        <mc:Choice xmlns:a14="http://schemas.microsoft.com/office/drawing/2010/main" Requires="a14">
+          <p:sp>
+            <p:nvSpPr>
+              <p:cNvPr id="3" name="Content Placeholder 2">
+                <a:extLst>
+                  <a:ext uri="{FF2B5EF4-FFF2-40B4-BE49-F238E27FC236}">
+                    <a16:creationId xmlns:a16="http://schemas.microsoft.com/office/drawing/2014/main" id="{DDBD286E-AC51-4769-B8C0-93D78F1D2462}"/>
+                  </a:ext>
+                </a:extLst>
+              </p:cNvPr>
+              <p:cNvSpPr>
+                <a:spLocks noGrp="1"/>
+              </p:cNvSpPr>
+              <p:nvPr>
+                <p:ph idx="1"/>
+              </p:nvPr>
+            </p:nvSpPr>
+            <p:spPr/>
+            <p:txBody>
+              <a:bodyPr/>
+              <a:lstStyle/>
+              <a:p>
+                <a:r>
+                  <a:rPr lang="en-GB" altLang="zh-TW" dirty="0"/>
+                  <a:t>In the worst case, each insertion of a[</a:t>
+                </a:r>
+                <a:r>
+                  <a:rPr lang="en-GB" altLang="zh-TW" dirty="0" err="1"/>
+                  <a:t>i</a:t>
+                </a:r>
+                <a:r>
+                  <a:rPr lang="en-GB" altLang="zh-TW" dirty="0"/>
+                  <a:t>] requires </a:t>
+                </a:r>
+                <a:r>
+                  <a:rPr lang="en-GB" altLang="zh-TW" dirty="0" err="1"/>
+                  <a:t>i</a:t>
+                </a:r>
+                <a:r>
+                  <a:rPr lang="en-GB" altLang="zh-TW" dirty="0"/>
+                  <a:t> comparisons (array in reversed order), so in total</a:t>
+                </a:r>
+              </a:p>
+              <a:p>
+                <a:endParaRPr lang="en-GB" altLang="zh-TW" dirty="0"/>
+              </a:p>
+              <a:p>
+                <a14:m>
+                  <m:oMath xmlns:m="http://schemas.openxmlformats.org/officeDocument/2006/math">
+                    <m:r>
+                      <a:rPr lang="en-GB" altLang="zh-TW" b="0" i="1" smtClean="0">
+                        <a:latin typeface="Cambria Math" panose="02040503050406030204" pitchFamily="18" charset="0"/>
+                      </a:rPr>
+                      <m:t>1+2+…+</m:t>
+                    </m:r>
+                    <m:r>
+                      <a:rPr lang="en-GB" altLang="zh-TW" b="0" i="1" smtClean="0">
+                        <a:latin typeface="Cambria Math" panose="02040503050406030204" pitchFamily="18" charset="0"/>
+                      </a:rPr>
+                      <m:t>𝑁</m:t>
+                    </m:r>
+                    <m:r>
+                      <a:rPr lang="en-GB" altLang="zh-TW" b="0" i="1" smtClean="0">
+                        <a:latin typeface="Cambria Math" panose="02040503050406030204" pitchFamily="18" charset="0"/>
+                      </a:rPr>
+                      <m:t>−1=</m:t>
+                    </m:r>
+                    <m:r>
+                      <a:rPr lang="en-GB" altLang="zh-TW" b="0" i="1" smtClean="0">
+                        <a:latin typeface="Cambria Math" panose="02040503050406030204" pitchFamily="18" charset="0"/>
+                      </a:rPr>
+                      <m:t>𝑂</m:t>
+                    </m:r>
+                    <m:r>
+                      <a:rPr lang="en-GB" altLang="zh-TW" b="0" i="1" smtClean="0">
+                        <a:latin typeface="Cambria Math" panose="02040503050406030204" pitchFamily="18" charset="0"/>
+                      </a:rPr>
+                      <m:t>(</m:t>
+                    </m:r>
+                    <m:sSup>
+                      <m:sSupPr>
+                        <m:ctrlPr>
+                          <a:rPr lang="en-GB" altLang="zh-TW" b="0" i="1" smtClean="0">
+                            <a:latin typeface="Cambria Math" panose="02040503050406030204" pitchFamily="18" charset="0"/>
+                          </a:rPr>
+                        </m:ctrlPr>
+                      </m:sSupPr>
+                      <m:e>
+                        <m:r>
+                          <a:rPr lang="en-GB" altLang="zh-TW" b="0" i="1" smtClean="0">
+                            <a:latin typeface="Cambria Math" panose="02040503050406030204" pitchFamily="18" charset="0"/>
+                          </a:rPr>
+                          <m:t>𝑁</m:t>
+                        </m:r>
+                      </m:e>
+                      <m:sup>
+                        <m:r>
+                          <a:rPr lang="en-GB" altLang="zh-TW" b="0" i="1" smtClean="0">
+                            <a:latin typeface="Cambria Math" panose="02040503050406030204" pitchFamily="18" charset="0"/>
+                          </a:rPr>
+                          <m:t>2</m:t>
+                        </m:r>
+                      </m:sup>
+                    </m:sSup>
+                    <m:r>
+                      <a:rPr lang="en-GB" altLang="zh-TW" b="0" i="1" smtClean="0">
+                        <a:latin typeface="Cambria Math" panose="02040503050406030204" pitchFamily="18" charset="0"/>
+                      </a:rPr>
+                      <m:t>)</m:t>
+                    </m:r>
+                  </m:oMath>
+                </a14:m>
+                <a:endParaRPr lang="en-GB" altLang="zh-TW" dirty="0"/>
+              </a:p>
+              <a:p>
+                <a:endParaRPr lang="en-GB" altLang="zh-TW" dirty="0"/>
+              </a:p>
+              <a:p>
+                <a:r>
+                  <a:rPr lang="en-GB" altLang="zh-TW" dirty="0"/>
+                  <a:t>In the best case, each insertion of a[</a:t>
+                </a:r>
+                <a:r>
+                  <a:rPr lang="en-GB" altLang="zh-TW" dirty="0" err="1"/>
+                  <a:t>i</a:t>
+                </a:r>
+                <a:r>
+                  <a:rPr lang="en-GB" altLang="zh-TW" dirty="0"/>
+                  <a:t>] requires 1 comparison (array already sorted), so in total O(N)</a:t>
+                </a:r>
+                <a:endParaRPr lang="zh-TW" altLang="en-US" dirty="0"/>
+              </a:p>
+            </p:txBody>
+          </p:sp>
+        </mc:Choice>
+        <mc:Fallback>
+          <p:sp>
+            <p:nvSpPr>
+              <p:cNvPr id="3" name="Content Placeholder 2">
+                <a:extLst>
+                  <a:ext uri="{FF2B5EF4-FFF2-40B4-BE49-F238E27FC236}">
+                    <a16:creationId xmlns:a16="http://schemas.microsoft.com/office/drawing/2014/main" id="{DDBD286E-AC51-4769-B8C0-93D78F1D2462}"/>
+                  </a:ext>
+                </a:extLst>
+              </p:cNvPr>
+              <p:cNvSpPr>
+                <a:spLocks noGrp="1" noRot="1" noChangeAspect="1" noMove="1" noResize="1" noEditPoints="1" noAdjustHandles="1" noChangeArrowheads="1" noChangeShapeType="1" noTextEdit="1"/>
+              </p:cNvSpPr>
+              <p:nvPr>
+                <p:ph idx="1"/>
+              </p:nvPr>
+            </p:nvSpPr>
+            <p:spPr>
+              <a:blipFill>
+                <a:blip r:embed="rId2"/>
+                <a:stretch>
+                  <a:fillRect l="-1043" t="-2241"/>
+                </a:stretch>
+              </a:blipFill>
+            </p:spPr>
+            <p:txBody>
+              <a:bodyPr/>
+              <a:lstStyle/>
+              <a:p>
+                <a:r>
+                  <a:rPr lang="zh-TW" altLang="en-US">
+                    <a:noFill/>
+                  </a:rPr>
+                  <a:t> </a:t>
+                </a:r>
+              </a:p>
+            </p:txBody>
+          </p:sp>
+        </mc:Fallback>
+      </mc:AlternateContent>
+    </p:spTree>
+    <p:extLst>
+      <p:ext uri="{BB962C8B-B14F-4D97-AF65-F5344CB8AC3E}">
+        <p14:creationId xmlns:p14="http://schemas.microsoft.com/office/powerpoint/2010/main" val="1439773677"/>
+      </p:ext>
+    </p:extLst>
+  </p:cSld>
+  <p:clrMapOvr>
+    <a:masterClrMapping/>
+  </p:clrMapOvr>
+</p:sld>
+</file>
+
+<file path=ppt/slides/slide18.xml><?xml version="1.0" encoding="utf-8"?>
+<p:sld xmlns:a="http://schemas.openxmlformats.org/drawingml/2006/main" xmlns:r="http://schemas.openxmlformats.org/officeDocument/2006/relationships" xmlns:p="http://schemas.openxmlformats.org/presentationml/2006/main">
+  <p:cSld>
+    <p:spTree>
+      <p:nvGrpSpPr>
+        <p:cNvPr id="1" name=""/>
+        <p:cNvGrpSpPr/>
+        <p:nvPr/>
+      </p:nvGrpSpPr>
+      <p:grpSpPr>
+        <a:xfrm>
+          <a:off x="0" y="0"/>
+          <a:ext cx="0" cy="0"/>
+          <a:chOff x="0" y="0"/>
+          <a:chExt cx="0" cy="0"/>
+        </a:xfrm>
+      </p:grpSpPr>
+      <p:sp>
+        <p:nvSpPr>
+          <p:cNvPr id="2" name="Title 1">
+            <a:extLst>
+              <a:ext uri="{FF2B5EF4-FFF2-40B4-BE49-F238E27FC236}">
+                <a16:creationId xmlns:a16="http://schemas.microsoft.com/office/drawing/2014/main" id="{2AB5C54B-E2FE-4ED9-BA36-B0491655559E}"/>
+              </a:ext>
+            </a:extLst>
+          </p:cNvPr>
+          <p:cNvSpPr>
+            <a:spLocks noGrp="1"/>
+          </p:cNvSpPr>
+          <p:nvPr>
+            <p:ph type="title"/>
+          </p:nvPr>
+        </p:nvSpPr>
+        <p:spPr/>
+        <p:txBody>
+          <a:bodyPr/>
+          <a:lstStyle/>
+          <a:p>
+            <a:r>
+              <a:rPr lang="en-GB" altLang="zh-TW" dirty="0"/>
+              <a:t>Merge sort</a:t>
+            </a:r>
+            <a:endParaRPr lang="zh-TW" altLang="en-US" dirty="0"/>
+          </a:p>
+        </p:txBody>
+      </p:sp>
+      <p:sp>
+        <p:nvSpPr>
+          <p:cNvPr id="3" name="Content Placeholder 2">
+            <a:extLst>
+              <a:ext uri="{FF2B5EF4-FFF2-40B4-BE49-F238E27FC236}">
+                <a16:creationId xmlns:a16="http://schemas.microsoft.com/office/drawing/2014/main" id="{50B8A1F7-6C58-4679-8E1A-C6F19D0B59B7}"/>
+              </a:ext>
+            </a:extLst>
+          </p:cNvPr>
+          <p:cNvSpPr>
+            <a:spLocks noGrp="1"/>
+          </p:cNvSpPr>
+          <p:nvPr>
+            <p:ph idx="1"/>
+          </p:nvPr>
+        </p:nvSpPr>
+        <p:spPr/>
+        <p:txBody>
+          <a:bodyPr/>
+          <a:lstStyle/>
+          <a:p>
+            <a:r>
+              <a:rPr lang="en-GB" altLang="zh-TW" dirty="0"/>
+              <a:t>Divide and conquer:</a:t>
+            </a:r>
+          </a:p>
+          <a:p>
+            <a:endParaRPr lang="en-GB" altLang="zh-TW" dirty="0"/>
+          </a:p>
+          <a:p>
+            <a:r>
+              <a:rPr lang="en-GB" altLang="zh-TW" dirty="0"/>
+              <a:t>1. cut the array into two subarrays</a:t>
+            </a:r>
+          </a:p>
+          <a:p>
+            <a:r>
+              <a:rPr lang="en-GB" altLang="zh-TW" dirty="0"/>
+              <a:t>2. sort them recursively</a:t>
+            </a:r>
+          </a:p>
+          <a:p>
+            <a:r>
+              <a:rPr lang="en-GB" altLang="zh-TW" dirty="0"/>
+              <a:t>3. merge the results</a:t>
+            </a:r>
+            <a:endParaRPr lang="zh-TW" altLang="en-US" dirty="0"/>
+          </a:p>
+        </p:txBody>
+      </p:sp>
+    </p:spTree>
+    <p:extLst>
+      <p:ext uri="{BB962C8B-B14F-4D97-AF65-F5344CB8AC3E}">
+        <p14:creationId xmlns:p14="http://schemas.microsoft.com/office/powerpoint/2010/main" val="3422761418"/>
+      </p:ext>
+    </p:extLst>
+  </p:cSld>
+  <p:clrMapOvr>
+    <a:masterClrMapping/>
+  </p:clrMapOvr>
+</p:sld>
+</file>
+
+<file path=ppt/slides/slide19.xml><?xml version="1.0" encoding="utf-8"?>
+<p:sld xmlns:a="http://schemas.openxmlformats.org/drawingml/2006/main" xmlns:r="http://schemas.openxmlformats.org/officeDocument/2006/relationships" xmlns:p="http://schemas.openxmlformats.org/presentationml/2006/main">
+  <p:cSld>
+    <p:spTree>
+      <p:nvGrpSpPr>
+        <p:cNvPr id="1" name=""/>
+        <p:cNvGrpSpPr/>
+        <p:nvPr/>
+      </p:nvGrpSpPr>
+      <p:grpSpPr>
+        <a:xfrm>
+          <a:off x="0" y="0"/>
+          <a:ext cx="0" cy="0"/>
+          <a:chOff x="0" y="0"/>
+          <a:chExt cx="0" cy="0"/>
+        </a:xfrm>
+      </p:grpSpPr>
+      <p:sp>
+        <p:nvSpPr>
+          <p:cNvPr id="2" name="Title 1">
+            <a:extLst>
+              <a:ext uri="{FF2B5EF4-FFF2-40B4-BE49-F238E27FC236}">
+                <a16:creationId xmlns:a16="http://schemas.microsoft.com/office/drawing/2014/main" id="{418CDF7E-8095-4969-B9A1-7192061FA536}"/>
+              </a:ext>
+            </a:extLst>
+          </p:cNvPr>
+          <p:cNvSpPr>
+            <a:spLocks noGrp="1"/>
+          </p:cNvSpPr>
+          <p:nvPr>
+            <p:ph type="title"/>
+          </p:nvPr>
+        </p:nvSpPr>
+        <p:spPr/>
+        <p:txBody>
+          <a:bodyPr/>
+          <a:lstStyle/>
+          <a:p>
+            <a:endParaRPr lang="zh-TW" altLang="en-US"/>
+          </a:p>
+        </p:txBody>
+      </p:sp>
+      <p:sp>
+        <p:nvSpPr>
+          <p:cNvPr id="3" name="Content Placeholder 2">
+            <a:extLst>
+              <a:ext uri="{FF2B5EF4-FFF2-40B4-BE49-F238E27FC236}">
+                <a16:creationId xmlns:a16="http://schemas.microsoft.com/office/drawing/2014/main" id="{A57BDF97-6D2A-44BE-867D-E5D867320EF0}"/>
+              </a:ext>
+            </a:extLst>
+          </p:cNvPr>
+          <p:cNvSpPr>
+            <a:spLocks noGrp="1"/>
+          </p:cNvSpPr>
+          <p:nvPr>
+            <p:ph idx="1"/>
+          </p:nvPr>
+        </p:nvSpPr>
+        <p:spPr>
+          <a:xfrm>
+            <a:off x="838200" y="1820488"/>
+            <a:ext cx="10515600" cy="4351338"/>
+          </a:xfrm>
+        </p:spPr>
+        <p:txBody>
+          <a:bodyPr/>
+          <a:lstStyle/>
+          <a:p>
+            <a:r>
+              <a:rPr lang="en-GB" altLang="zh-TW" dirty="0"/>
+              <a:t>We need to generalize to a[</a:t>
+            </a:r>
+            <a:r>
+              <a:rPr lang="en-GB" altLang="zh-TW" dirty="0" err="1"/>
+              <a:t>l..r</a:t>
+            </a:r>
+            <a:r>
+              <a:rPr lang="en-GB" altLang="zh-TW" dirty="0"/>
+              <a:t>[</a:t>
+            </a:r>
+          </a:p>
+          <a:p>
+            <a:r>
+              <a:rPr lang="en-GB" altLang="zh-TW" dirty="0"/>
+              <a:t>1. cut the array into two equal parts</a:t>
+            </a:r>
+          </a:p>
+          <a:p>
+            <a:endParaRPr lang="en-GB" altLang="zh-TW" dirty="0"/>
+          </a:p>
+          <a:p>
+            <a:endParaRPr lang="en-GB" altLang="zh-TW" dirty="0"/>
+          </a:p>
+          <a:p>
+            <a:r>
+              <a:rPr lang="en-GB" altLang="zh-TW" dirty="0"/>
+              <a:t>2. Sort recursively a[</a:t>
+            </a:r>
+            <a:r>
+              <a:rPr lang="en-GB" altLang="zh-TW" dirty="0" err="1"/>
+              <a:t>l..m</a:t>
+            </a:r>
+            <a:r>
+              <a:rPr lang="en-GB" altLang="zh-TW" dirty="0"/>
+              <a:t>[ and a[</a:t>
+            </a:r>
+            <a:r>
+              <a:rPr lang="en-GB" altLang="zh-TW" dirty="0" err="1"/>
+              <a:t>m..r</a:t>
+            </a:r>
+            <a:r>
+              <a:rPr lang="en-GB" altLang="zh-TW" dirty="0"/>
+              <a:t>[</a:t>
+            </a:r>
+          </a:p>
+          <a:p>
+            <a:endParaRPr lang="en-GB" altLang="zh-TW" dirty="0"/>
+          </a:p>
+          <a:p>
+            <a:endParaRPr lang="en-GB" altLang="zh-TW" dirty="0"/>
+          </a:p>
+          <a:p>
+            <a:r>
+              <a:rPr lang="en-GB" altLang="zh-TW" dirty="0"/>
+              <a:t>3. merge the results</a:t>
+            </a:r>
+            <a:endParaRPr lang="zh-TW" altLang="en-US" dirty="0"/>
+          </a:p>
+        </p:txBody>
+      </p:sp>
+      <p:pic>
+        <p:nvPicPr>
+          <p:cNvPr id="4" name="Picture 3">
+            <a:extLst>
+              <a:ext uri="{FF2B5EF4-FFF2-40B4-BE49-F238E27FC236}">
+                <a16:creationId xmlns:a16="http://schemas.microsoft.com/office/drawing/2014/main" id="{D2358D75-18B5-4BD4-8F54-971475F67B05}"/>
+              </a:ext>
+            </a:extLst>
+          </p:cNvPr>
+          <p:cNvPicPr>
+            <a:picLocks noChangeAspect="1"/>
+          </p:cNvPicPr>
+          <p:nvPr/>
+        </p:nvPicPr>
+        <p:blipFill>
+          <a:blip r:embed="rId2"/>
+          <a:stretch>
+            <a:fillRect/>
+          </a:stretch>
+        </p:blipFill>
+        <p:spPr>
+          <a:xfrm>
+            <a:off x="3611317" y="2999864"/>
+            <a:ext cx="3611822" cy="606365"/>
+          </a:xfrm>
+          <a:prstGeom prst="rect">
+            <a:avLst/>
+          </a:prstGeom>
+        </p:spPr>
+      </p:pic>
+      <p:pic>
+        <p:nvPicPr>
+          <p:cNvPr id="5" name="Picture 4">
+            <a:extLst>
+              <a:ext uri="{FF2B5EF4-FFF2-40B4-BE49-F238E27FC236}">
+                <a16:creationId xmlns:a16="http://schemas.microsoft.com/office/drawing/2014/main" id="{15255C5D-EFA4-408F-95F9-0B7F673A306B}"/>
+              </a:ext>
+            </a:extLst>
+          </p:cNvPr>
+          <p:cNvPicPr>
+            <a:picLocks noChangeAspect="1"/>
+          </p:cNvPicPr>
+          <p:nvPr/>
+        </p:nvPicPr>
+        <p:blipFill>
+          <a:blip r:embed="rId3"/>
+          <a:stretch>
+            <a:fillRect/>
+          </a:stretch>
+        </p:blipFill>
+        <p:spPr>
+          <a:xfrm>
+            <a:off x="6684518" y="2271895"/>
+            <a:ext cx="1222980" cy="532950"/>
+          </a:xfrm>
+          <a:prstGeom prst="rect">
+            <a:avLst/>
+          </a:prstGeom>
+        </p:spPr>
+      </p:pic>
+      <p:pic>
+        <p:nvPicPr>
+          <p:cNvPr id="6" name="Picture 5">
+            <a:extLst>
+              <a:ext uri="{FF2B5EF4-FFF2-40B4-BE49-F238E27FC236}">
+                <a16:creationId xmlns:a16="http://schemas.microsoft.com/office/drawing/2014/main" id="{9283C055-5602-4FD1-8D7D-623F6B120831}"/>
+              </a:ext>
+            </a:extLst>
+          </p:cNvPr>
+          <p:cNvPicPr>
+            <a:picLocks noChangeAspect="1"/>
+          </p:cNvPicPr>
+          <p:nvPr/>
+        </p:nvPicPr>
+        <p:blipFill>
+          <a:blip r:embed="rId4"/>
+          <a:stretch>
+            <a:fillRect/>
+          </a:stretch>
+        </p:blipFill>
+        <p:spPr>
+          <a:xfrm>
+            <a:off x="3638316" y="4482422"/>
+            <a:ext cx="3478618" cy="606365"/>
+          </a:xfrm>
+          <a:prstGeom prst="rect">
+            <a:avLst/>
+          </a:prstGeom>
+        </p:spPr>
+      </p:pic>
+      <p:pic>
+        <p:nvPicPr>
+          <p:cNvPr id="7" name="Picture 6">
+            <a:extLst>
+              <a:ext uri="{FF2B5EF4-FFF2-40B4-BE49-F238E27FC236}">
+                <a16:creationId xmlns:a16="http://schemas.microsoft.com/office/drawing/2014/main" id="{D636479C-0F2F-497F-AF4E-49F2DFD3E63F}"/>
+              </a:ext>
+            </a:extLst>
+          </p:cNvPr>
+          <p:cNvPicPr>
+            <a:picLocks noChangeAspect="1"/>
+          </p:cNvPicPr>
+          <p:nvPr/>
+        </p:nvPicPr>
+        <p:blipFill>
+          <a:blip r:embed="rId5"/>
+          <a:stretch>
+            <a:fillRect/>
+          </a:stretch>
+        </p:blipFill>
+        <p:spPr>
+          <a:xfrm>
+            <a:off x="3584318" y="5875560"/>
+            <a:ext cx="3532616" cy="731794"/>
+          </a:xfrm>
+          <a:prstGeom prst="rect">
+            <a:avLst/>
+          </a:prstGeom>
+        </p:spPr>
+      </p:pic>
+    </p:spTree>
+    <p:extLst>
+      <p:ext uri="{BB962C8B-B14F-4D97-AF65-F5344CB8AC3E}">
+        <p14:creationId xmlns:p14="http://schemas.microsoft.com/office/powerpoint/2010/main" val="429084219"/>
+      </p:ext>
+    </p:extLst>
+  </p:cSld>
+  <p:clrMapOvr>
+    <a:masterClrMapping/>
+  </p:clrMapOvr>
+</p:sld>
+</file>
+
+<file path=ppt/slides/slide2.xml><?xml version="1.0" encoding="utf-8"?>
+<p:sld xmlns:a="http://schemas.openxmlformats.org/drawingml/2006/main" xmlns:r="http://schemas.openxmlformats.org/officeDocument/2006/relationships" xmlns:p="http://schemas.openxmlformats.org/presentationml/2006/main">
+  <p:cSld>
+    <p:spTree>
+      <p:nvGrpSpPr>
+        <p:cNvPr id="1" name=""/>
+        <p:cNvGrpSpPr/>
+        <p:nvPr/>
+      </p:nvGrpSpPr>
+      <p:grpSpPr>
+        <a:xfrm>
+          <a:off x="0" y="0"/>
+          <a:ext cx="0" cy="0"/>
+          <a:chOff x="0" y="0"/>
+          <a:chExt cx="0" cy="0"/>
+        </a:xfrm>
+      </p:grpSpPr>
+      <p:sp>
+        <p:nvSpPr>
+          <p:cNvPr id="2" name="Title 1">
+            <a:extLst>
+              <a:ext uri="{FF2B5EF4-FFF2-40B4-BE49-F238E27FC236}">
+                <a16:creationId xmlns:a16="http://schemas.microsoft.com/office/drawing/2014/main" id="{F9002108-95FF-4247-B6DA-DBB8D43D0D8C}"/>
+              </a:ext>
+            </a:extLst>
+          </p:cNvPr>
+          <p:cNvSpPr>
+            <a:spLocks noGrp="1"/>
+          </p:cNvSpPr>
+          <p:nvPr>
+            <p:ph type="title"/>
+          </p:nvPr>
+        </p:nvSpPr>
+        <p:spPr/>
+        <p:txBody>
+          <a:bodyPr/>
+          <a:lstStyle/>
+          <a:p>
+            <a:r>
+              <a:rPr lang="en-GB" altLang="zh-TW" dirty="0"/>
+              <a:t>Today’s problem </a:t>
+            </a:r>
+            <a:endParaRPr lang="zh-TW" altLang="en-US" dirty="0"/>
+          </a:p>
+        </p:txBody>
+      </p:sp>
+      <p:sp>
+        <p:nvSpPr>
+          <p:cNvPr id="3" name="Content Placeholder 2">
+            <a:extLst>
+              <a:ext uri="{FF2B5EF4-FFF2-40B4-BE49-F238E27FC236}">
+                <a16:creationId xmlns:a16="http://schemas.microsoft.com/office/drawing/2014/main" id="{5799C704-89BE-4B99-8059-D5C673488A9E}"/>
+              </a:ext>
+            </a:extLst>
+          </p:cNvPr>
+          <p:cNvSpPr>
+            <a:spLocks noGrp="1"/>
+          </p:cNvSpPr>
+          <p:nvPr>
+            <p:ph idx="1"/>
+          </p:nvPr>
+        </p:nvSpPr>
+        <p:spPr/>
+        <p:txBody>
+          <a:bodyPr/>
+          <a:lstStyle/>
+          <a:p>
+            <a:r>
+              <a:rPr lang="en-GB" altLang="zh-TW" dirty="0"/>
+              <a:t>Sorting!!!!</a:t>
+            </a:r>
+            <a:endParaRPr lang="zh-TW" altLang="en-US" dirty="0"/>
+          </a:p>
+        </p:txBody>
+      </p:sp>
+    </p:spTree>
+    <p:extLst>
+      <p:ext uri="{BB962C8B-B14F-4D97-AF65-F5344CB8AC3E}">
+        <p14:creationId xmlns:p14="http://schemas.microsoft.com/office/powerpoint/2010/main" val="1799532251"/>
+      </p:ext>
+    </p:extLst>
+  </p:cSld>
+  <p:clrMapOvr>
+    <a:masterClrMapping/>
+  </p:clrMapOvr>
+</p:sld>
+</file>
+
+<file path=ppt/slides/slide20.xml><?xml version="1.0" encoding="utf-8"?>
+<p:sld xmlns:a="http://schemas.openxmlformats.org/drawingml/2006/main" xmlns:r="http://schemas.openxmlformats.org/officeDocument/2006/relationships" xmlns:p="http://schemas.openxmlformats.org/presentationml/2006/main">
+  <p:cSld>
+    <p:spTree>
+      <p:nvGrpSpPr>
+        <p:cNvPr id="1" name=""/>
+        <p:cNvGrpSpPr/>
+        <p:nvPr/>
+      </p:nvGrpSpPr>
+      <p:grpSpPr>
+        <a:xfrm>
+          <a:off x="0" y="0"/>
+          <a:ext cx="0" cy="0"/>
+          <a:chOff x="0" y="0"/>
+          <a:chExt cx="0" cy="0"/>
+        </a:xfrm>
+      </p:grpSpPr>
+      <p:sp>
+        <p:nvSpPr>
+          <p:cNvPr id="2" name="Title 1">
+            <a:extLst>
+              <a:ext uri="{FF2B5EF4-FFF2-40B4-BE49-F238E27FC236}">
+                <a16:creationId xmlns:a16="http://schemas.microsoft.com/office/drawing/2014/main" id="{37C26A19-DD42-48EA-8EF5-7F93713CB7A3}"/>
+              </a:ext>
+            </a:extLst>
+          </p:cNvPr>
+          <p:cNvSpPr>
+            <a:spLocks noGrp="1"/>
+          </p:cNvSpPr>
+          <p:nvPr>
+            <p:ph type="title"/>
+          </p:nvPr>
+        </p:nvSpPr>
+        <p:spPr/>
+        <p:txBody>
+          <a:bodyPr/>
+          <a:lstStyle/>
+          <a:p>
+            <a:r>
+              <a:rPr lang="en-GB" altLang="zh-TW" dirty="0"/>
+              <a:t>example</a:t>
+            </a:r>
+            <a:endParaRPr lang="zh-TW" altLang="en-US" dirty="0"/>
+          </a:p>
+        </p:txBody>
+      </p:sp>
+      <p:sp>
+        <p:nvSpPr>
+          <p:cNvPr id="3" name="Content Placeholder 2">
+            <a:extLst>
+              <a:ext uri="{FF2B5EF4-FFF2-40B4-BE49-F238E27FC236}">
+                <a16:creationId xmlns:a16="http://schemas.microsoft.com/office/drawing/2014/main" id="{26AD344C-422D-4716-98CF-BE1E63D1F5CD}"/>
+              </a:ext>
+            </a:extLst>
+          </p:cNvPr>
+          <p:cNvSpPr>
+            <a:spLocks noGrp="1"/>
+          </p:cNvSpPr>
+          <p:nvPr>
+            <p:ph idx="1"/>
+          </p:nvPr>
+        </p:nvSpPr>
+        <p:spPr/>
+        <p:txBody>
+          <a:bodyPr/>
+          <a:lstStyle/>
+          <a:p>
+            <a:endParaRPr lang="zh-TW" altLang="en-US"/>
+          </a:p>
+        </p:txBody>
+      </p:sp>
+      <p:pic>
+        <p:nvPicPr>
+          <p:cNvPr id="4" name="Picture 3">
+            <a:extLst>
+              <a:ext uri="{FF2B5EF4-FFF2-40B4-BE49-F238E27FC236}">
+                <a16:creationId xmlns:a16="http://schemas.microsoft.com/office/drawing/2014/main" id="{F35A44D3-B8E4-473B-81CD-517571E848A3}"/>
+              </a:ext>
+            </a:extLst>
+          </p:cNvPr>
+          <p:cNvPicPr>
+            <a:picLocks noChangeAspect="1"/>
+          </p:cNvPicPr>
+          <p:nvPr/>
+        </p:nvPicPr>
+        <p:blipFill>
+          <a:blip r:embed="rId2"/>
+          <a:stretch>
+            <a:fillRect/>
+          </a:stretch>
+        </p:blipFill>
+        <p:spPr>
+          <a:xfrm>
+            <a:off x="3767210" y="1825625"/>
+            <a:ext cx="4559994" cy="4130988"/>
+          </a:xfrm>
+          <a:prstGeom prst="rect">
+            <a:avLst/>
+          </a:prstGeom>
+        </p:spPr>
+      </p:pic>
+    </p:spTree>
+    <p:extLst>
+      <p:ext uri="{BB962C8B-B14F-4D97-AF65-F5344CB8AC3E}">
+        <p14:creationId xmlns:p14="http://schemas.microsoft.com/office/powerpoint/2010/main" val="2889737965"/>
+      </p:ext>
+    </p:extLst>
+  </p:cSld>
+  <p:clrMapOvr>
+    <a:masterClrMapping/>
+  </p:clrMapOvr>
+</p:sld>
+</file>
+
+<file path=ppt/slides/slide21.xml><?xml version="1.0" encoding="utf-8"?>
+<p:sld xmlns:a="http://schemas.openxmlformats.org/drawingml/2006/main" xmlns:r="http://schemas.openxmlformats.org/officeDocument/2006/relationships" xmlns:p="http://schemas.openxmlformats.org/presentationml/2006/main">
+  <p:cSld>
+    <p:spTree>
+      <p:nvGrpSpPr>
+        <p:cNvPr id="1" name=""/>
+        <p:cNvGrpSpPr/>
+        <p:nvPr/>
+      </p:nvGrpSpPr>
+      <p:grpSpPr>
+        <a:xfrm>
+          <a:off x="0" y="0"/>
+          <a:ext cx="0" cy="0"/>
+          <a:chOff x="0" y="0"/>
+          <a:chExt cx="0" cy="0"/>
+        </a:xfrm>
+      </p:grpSpPr>
+      <p:sp>
+        <p:nvSpPr>
+          <p:cNvPr id="2" name="Title 1">
+            <a:extLst>
+              <a:ext uri="{FF2B5EF4-FFF2-40B4-BE49-F238E27FC236}">
+                <a16:creationId xmlns:a16="http://schemas.microsoft.com/office/drawing/2014/main" id="{42B29B15-795C-44C0-BB7D-A6BC20D8542B}"/>
+              </a:ext>
+            </a:extLst>
+          </p:cNvPr>
+          <p:cNvSpPr>
+            <a:spLocks noGrp="1"/>
+          </p:cNvSpPr>
+          <p:nvPr>
+            <p:ph type="title"/>
+          </p:nvPr>
+        </p:nvSpPr>
+        <p:spPr/>
+        <p:txBody>
+          <a:bodyPr/>
+          <a:lstStyle/>
+          <a:p>
+            <a:r>
+              <a:rPr lang="en-GB" altLang="zh-TW" dirty="0"/>
+              <a:t>C++ implementation</a:t>
+            </a:r>
+            <a:endParaRPr lang="zh-TW" altLang="en-US" dirty="0"/>
+          </a:p>
+        </p:txBody>
+      </p:sp>
+      <p:sp>
+        <p:nvSpPr>
+          <p:cNvPr id="3" name="Content Placeholder 2">
+            <a:extLst>
+              <a:ext uri="{FF2B5EF4-FFF2-40B4-BE49-F238E27FC236}">
+                <a16:creationId xmlns:a16="http://schemas.microsoft.com/office/drawing/2014/main" id="{92221E42-90F4-40C1-9442-B936D08F2F8F}"/>
+              </a:ext>
+            </a:extLst>
+          </p:cNvPr>
+          <p:cNvSpPr>
+            <a:spLocks noGrp="1"/>
+          </p:cNvSpPr>
+          <p:nvPr>
+            <p:ph idx="1"/>
+          </p:nvPr>
+        </p:nvSpPr>
+        <p:spPr/>
+        <p:txBody>
+          <a:bodyPr/>
+          <a:lstStyle/>
+          <a:p>
+            <a:endParaRPr lang="zh-TW" altLang="en-US"/>
+          </a:p>
+        </p:txBody>
+      </p:sp>
+    </p:spTree>
+    <p:extLst>
+      <p:ext uri="{BB962C8B-B14F-4D97-AF65-F5344CB8AC3E}">
+        <p14:creationId xmlns:p14="http://schemas.microsoft.com/office/powerpoint/2010/main" val="3271427518"/>
+      </p:ext>
+    </p:extLst>
+  </p:cSld>
+  <p:clrMapOvr>
+    <a:masterClrMapping/>
+  </p:clrMapOvr>
+</p:sld>
+</file>
+
+<file path=ppt/slides/slide22.xml><?xml version="1.0" encoding="utf-8"?>
+<p:sld xmlns:a="http://schemas.openxmlformats.org/drawingml/2006/main" xmlns:r="http://schemas.openxmlformats.org/officeDocument/2006/relationships" xmlns:p="http://schemas.openxmlformats.org/presentationml/2006/main">
+  <p:cSld>
+    <p:spTree>
+      <p:nvGrpSpPr>
+        <p:cNvPr id="1" name=""/>
+        <p:cNvGrpSpPr/>
+        <p:nvPr/>
+      </p:nvGrpSpPr>
+      <p:grpSpPr>
+        <a:xfrm>
+          <a:off x="0" y="0"/>
+          <a:ext cx="0" cy="0"/>
+          <a:chOff x="0" y="0"/>
+          <a:chExt cx="0" cy="0"/>
+        </a:xfrm>
+      </p:grpSpPr>
+      <p:sp>
+        <p:nvSpPr>
+          <p:cNvPr id="2" name="Title 1">
+            <a:extLst>
+              <a:ext uri="{FF2B5EF4-FFF2-40B4-BE49-F238E27FC236}">
+                <a16:creationId xmlns:a16="http://schemas.microsoft.com/office/drawing/2014/main" id="{575F5908-E322-4DBF-81B6-DBF415A4AA4F}"/>
+              </a:ext>
+            </a:extLst>
+          </p:cNvPr>
+          <p:cNvSpPr>
+            <a:spLocks noGrp="1"/>
+          </p:cNvSpPr>
+          <p:nvPr>
+            <p:ph type="title"/>
+          </p:nvPr>
+        </p:nvSpPr>
+        <p:spPr/>
+        <p:txBody>
+          <a:bodyPr/>
+          <a:lstStyle/>
+          <a:p>
+            <a:r>
+              <a:rPr lang="en-GB" altLang="zh-TW" dirty="0"/>
+              <a:t>Complexity</a:t>
+            </a:r>
+            <a:endParaRPr lang="zh-TW" altLang="en-US" dirty="0"/>
+          </a:p>
+        </p:txBody>
+      </p:sp>
+      <mc:AlternateContent xmlns:mc="http://schemas.openxmlformats.org/markup-compatibility/2006">
+        <mc:Choice xmlns:a14="http://schemas.microsoft.com/office/drawing/2010/main" Requires="a14">
+          <p:sp>
+            <p:nvSpPr>
+              <p:cNvPr id="3" name="Content Placeholder 2">
+                <a:extLst>
+                  <a:ext uri="{FF2B5EF4-FFF2-40B4-BE49-F238E27FC236}">
+                    <a16:creationId xmlns:a16="http://schemas.microsoft.com/office/drawing/2014/main" id="{805AC791-E780-4CFE-A1C8-C7E61A206BA3}"/>
+                  </a:ext>
+                </a:extLst>
+              </p:cNvPr>
+              <p:cNvSpPr>
+                <a:spLocks noGrp="1"/>
+              </p:cNvSpPr>
+              <p:nvPr>
+                <p:ph idx="1"/>
+              </p:nvPr>
+            </p:nvSpPr>
+            <p:spPr/>
+            <p:txBody>
+              <a:bodyPr/>
+              <a:lstStyle/>
+              <a:p>
+                <a:r>
+                  <a:rPr lang="en-GB" altLang="zh-TW" dirty="0"/>
+                  <a:t>Let </a:t>
+                </a:r>
+                <a14:m>
+                  <m:oMath xmlns:m="http://schemas.openxmlformats.org/officeDocument/2006/math">
+                    <m:sSub>
+                      <m:sSubPr>
+                        <m:ctrlPr>
+                          <a:rPr lang="en-GB" altLang="zh-TW" i="1" smtClean="0">
+                            <a:latin typeface="Cambria Math" panose="02040503050406030204" pitchFamily="18" charset="0"/>
+                          </a:rPr>
+                        </m:ctrlPr>
+                      </m:sSubPr>
+                      <m:e>
+                        <m:r>
+                          <a:rPr lang="en-GB" altLang="zh-TW" b="0" i="1" smtClean="0">
+                            <a:latin typeface="Cambria Math" panose="02040503050406030204" pitchFamily="18" charset="0"/>
+                          </a:rPr>
+                          <m:t>𝐶</m:t>
+                        </m:r>
+                      </m:e>
+                      <m:sub>
+                        <m:r>
+                          <a:rPr lang="en-GB" altLang="zh-TW" b="0" i="1" smtClean="0">
+                            <a:latin typeface="Cambria Math" panose="02040503050406030204" pitchFamily="18" charset="0"/>
+                          </a:rPr>
+                          <m:t>𝑁</m:t>
+                        </m:r>
+                      </m:sub>
+                    </m:sSub>
+                  </m:oMath>
+                </a14:m>
+                <a:r>
+                  <a:rPr lang="zh-TW" altLang="en-US" dirty="0"/>
+                  <a:t> </a:t>
+                </a:r>
+                <a:r>
+                  <a:rPr lang="en-GB" altLang="zh-TW" dirty="0"/>
+                  <a:t>be the number of comparisons to sort N elements</a:t>
+                </a:r>
+              </a:p>
+              <a:p>
+                <a14:m>
+                  <m:oMath xmlns:m="http://schemas.openxmlformats.org/officeDocument/2006/math">
+                    <m:sSub>
+                      <m:sSubPr>
+                        <m:ctrlPr>
+                          <a:rPr lang="en-GB" altLang="zh-TW" i="1" smtClean="0">
+                            <a:latin typeface="Cambria Math" panose="02040503050406030204" pitchFamily="18" charset="0"/>
+                          </a:rPr>
+                        </m:ctrlPr>
+                      </m:sSubPr>
+                      <m:e>
+                        <m:r>
+                          <a:rPr lang="en-GB" altLang="zh-TW" b="0" i="1" smtClean="0">
+                            <a:latin typeface="Cambria Math" panose="02040503050406030204" pitchFamily="18" charset="0"/>
+                          </a:rPr>
+                          <m:t>𝑓</m:t>
+                        </m:r>
+                      </m:e>
+                      <m:sub>
+                        <m:r>
+                          <a:rPr lang="en-GB" altLang="zh-TW" b="0" i="1" smtClean="0">
+                            <a:latin typeface="Cambria Math" panose="02040503050406030204" pitchFamily="18" charset="0"/>
+                          </a:rPr>
+                          <m:t>𝑁</m:t>
+                        </m:r>
+                      </m:sub>
+                    </m:sSub>
+                  </m:oMath>
+                </a14:m>
+                <a:r>
+                  <a:rPr lang="en-GB" altLang="zh-TW" dirty="0"/>
+                  <a:t> the cost to merge two arrays of total length N</a:t>
+                </a:r>
+              </a:p>
+              <a:p>
+                <a:endParaRPr lang="zh-TW" altLang="en-US" dirty="0"/>
+              </a:p>
+            </p:txBody>
+          </p:sp>
+        </mc:Choice>
+        <mc:Fallback>
+          <p:sp>
+            <p:nvSpPr>
+              <p:cNvPr id="3" name="Content Placeholder 2">
+                <a:extLst>
+                  <a:ext uri="{FF2B5EF4-FFF2-40B4-BE49-F238E27FC236}">
+                    <a16:creationId xmlns:a16="http://schemas.microsoft.com/office/drawing/2014/main" id="{805AC791-E780-4CFE-A1C8-C7E61A206BA3}"/>
+                  </a:ext>
+                </a:extLst>
+              </p:cNvPr>
+              <p:cNvSpPr>
+                <a:spLocks noGrp="1" noRot="1" noChangeAspect="1" noMove="1" noResize="1" noEditPoints="1" noAdjustHandles="1" noChangeArrowheads="1" noChangeShapeType="1" noTextEdit="1"/>
+              </p:cNvSpPr>
+              <p:nvPr>
+                <p:ph idx="1"/>
+              </p:nvPr>
+            </p:nvSpPr>
+            <p:spPr>
+              <a:blipFill>
+                <a:blip r:embed="rId2"/>
+                <a:stretch>
+                  <a:fillRect l="-1043" t="-2241"/>
+                </a:stretch>
+              </a:blipFill>
+            </p:spPr>
+            <p:txBody>
+              <a:bodyPr/>
+              <a:lstStyle/>
+              <a:p>
+                <a:r>
+                  <a:rPr lang="zh-TW" altLang="en-US">
+                    <a:noFill/>
+                  </a:rPr>
+                  <a:t> </a:t>
+                </a:r>
+              </a:p>
+            </p:txBody>
+          </p:sp>
+        </mc:Fallback>
+      </mc:AlternateContent>
+      <p:pic>
+        <p:nvPicPr>
+          <p:cNvPr id="4" name="Picture 3">
+            <a:extLst>
+              <a:ext uri="{FF2B5EF4-FFF2-40B4-BE49-F238E27FC236}">
+                <a16:creationId xmlns:a16="http://schemas.microsoft.com/office/drawing/2014/main" id="{6D9E29A3-0659-4BB3-B70D-82753C2A4FF5}"/>
+              </a:ext>
+            </a:extLst>
+          </p:cNvPr>
+          <p:cNvPicPr>
+            <a:picLocks noChangeAspect="1"/>
+          </p:cNvPicPr>
+          <p:nvPr/>
+        </p:nvPicPr>
+        <p:blipFill>
+          <a:blip r:embed="rId3"/>
+          <a:stretch>
+            <a:fillRect/>
+          </a:stretch>
+        </p:blipFill>
+        <p:spPr>
+          <a:xfrm>
+            <a:off x="3420563" y="3526605"/>
+            <a:ext cx="4373790" cy="1646434"/>
+          </a:xfrm>
+          <a:prstGeom prst="rect">
+            <a:avLst/>
+          </a:prstGeom>
+        </p:spPr>
+      </p:pic>
+    </p:spTree>
+    <p:extLst>
+      <p:ext uri="{BB962C8B-B14F-4D97-AF65-F5344CB8AC3E}">
+        <p14:creationId xmlns:p14="http://schemas.microsoft.com/office/powerpoint/2010/main" val="2420260092"/>
+      </p:ext>
+    </p:extLst>
+  </p:cSld>
+  <p:clrMapOvr>
+    <a:masterClrMapping/>
+  </p:clrMapOvr>
+</p:sld>
+</file>
+
+<file path=ppt/slides/slide23.xml><?xml version="1.0" encoding="utf-8"?>
+<p:sld xmlns:a="http://schemas.openxmlformats.org/drawingml/2006/main" xmlns:r="http://schemas.openxmlformats.org/officeDocument/2006/relationships" xmlns:p="http://schemas.openxmlformats.org/presentationml/2006/main">
+  <p:cSld>
+    <p:spTree>
+      <p:nvGrpSpPr>
+        <p:cNvPr id="1" name=""/>
+        <p:cNvGrpSpPr/>
+        <p:nvPr/>
+      </p:nvGrpSpPr>
+      <p:grpSpPr>
+        <a:xfrm>
+          <a:off x="0" y="0"/>
+          <a:ext cx="0" cy="0"/>
+          <a:chOff x="0" y="0"/>
+          <a:chExt cx="0" cy="0"/>
+        </a:xfrm>
+      </p:grpSpPr>
+      <p:sp>
+        <p:nvSpPr>
+          <p:cNvPr id="2" name="Title 1">
+            <a:extLst>
+              <a:ext uri="{FF2B5EF4-FFF2-40B4-BE49-F238E27FC236}">
+                <a16:creationId xmlns:a16="http://schemas.microsoft.com/office/drawing/2014/main" id="{1C8F9DBF-351D-4CA3-8AB2-825C6F43B53E}"/>
+              </a:ext>
+            </a:extLst>
+          </p:cNvPr>
+          <p:cNvSpPr>
+            <a:spLocks noGrp="1"/>
+          </p:cNvSpPr>
+          <p:nvPr>
+            <p:ph type="title"/>
+          </p:nvPr>
+        </p:nvSpPr>
+        <p:spPr/>
+        <p:txBody>
+          <a:bodyPr/>
+          <a:lstStyle/>
+          <a:p>
+            <a:endParaRPr lang="zh-TW" altLang="en-US"/>
+          </a:p>
+        </p:txBody>
+      </p:sp>
+      <mc:AlternateContent xmlns:mc="http://schemas.openxmlformats.org/markup-compatibility/2006">
+        <mc:Choice xmlns:a14="http://schemas.microsoft.com/office/drawing/2010/main" Requires="a14">
+          <p:sp>
+            <p:nvSpPr>
+              <p:cNvPr id="3" name="Content Placeholder 2">
+                <a:extLst>
+                  <a:ext uri="{FF2B5EF4-FFF2-40B4-BE49-F238E27FC236}">
+                    <a16:creationId xmlns:a16="http://schemas.microsoft.com/office/drawing/2014/main" id="{1D85BD7D-A52D-49A6-9917-167DDB9361AF}"/>
+                  </a:ext>
+                </a:extLst>
+              </p:cNvPr>
+              <p:cNvSpPr>
+                <a:spLocks noGrp="1"/>
+              </p:cNvSpPr>
+              <p:nvPr>
+                <p:ph idx="1"/>
+              </p:nvPr>
+            </p:nvSpPr>
+            <p:spPr/>
+            <p:txBody>
+              <a:bodyPr/>
+              <a:lstStyle/>
+              <a:p>
+                <a:r>
+                  <a:rPr lang="en-GB" altLang="zh-TW" dirty="0"/>
+                  <a:t>Let </a:t>
+                </a:r>
+                <a14:m>
+                  <m:oMath xmlns:m="http://schemas.openxmlformats.org/officeDocument/2006/math">
+                    <m:r>
+                      <a:rPr lang="en-GB" altLang="zh-TW" b="0" i="1" smtClean="0">
+                        <a:latin typeface="Cambria Math" panose="02040503050406030204" pitchFamily="18" charset="0"/>
+                      </a:rPr>
+                      <m:t>𝑁</m:t>
+                    </m:r>
+                    <m:r>
+                      <a:rPr lang="en-GB" altLang="zh-TW" b="0" i="1" smtClean="0">
+                        <a:latin typeface="Cambria Math" panose="02040503050406030204" pitchFamily="18" charset="0"/>
+                      </a:rPr>
+                      <m:t>= </m:t>
+                    </m:r>
+                    <m:sSup>
+                      <m:sSupPr>
+                        <m:ctrlPr>
+                          <a:rPr lang="en-GB" altLang="zh-TW" b="0" i="1" smtClean="0">
+                            <a:latin typeface="Cambria Math" panose="02040503050406030204" pitchFamily="18" charset="0"/>
+                          </a:rPr>
+                        </m:ctrlPr>
+                      </m:sSupPr>
+                      <m:e>
+                        <m:r>
+                          <a:rPr lang="en-GB" altLang="zh-TW" b="0" i="1" smtClean="0">
+                            <a:latin typeface="Cambria Math" panose="02040503050406030204" pitchFamily="18" charset="0"/>
+                          </a:rPr>
+                          <m:t>2</m:t>
+                        </m:r>
+                      </m:e>
+                      <m:sup>
+                        <m:r>
+                          <a:rPr lang="en-GB" altLang="zh-TW" b="0" i="1" smtClean="0">
+                            <a:latin typeface="Cambria Math" panose="02040503050406030204" pitchFamily="18" charset="0"/>
+                          </a:rPr>
+                          <m:t>𝑛</m:t>
+                        </m:r>
+                      </m:sup>
+                    </m:sSup>
+                  </m:oMath>
+                </a14:m>
+                <a:r>
+                  <a:rPr lang="zh-TW" altLang="en-US" dirty="0"/>
+                  <a:t> </a:t>
+                </a:r>
+                <a:r>
+                  <a:rPr lang="en-GB" altLang="zh-TW" dirty="0"/>
+                  <a:t>(more specifically, we need to bound </a:t>
+                </a:r>
+                <a14:m>
+                  <m:oMath xmlns:m="http://schemas.openxmlformats.org/officeDocument/2006/math">
+                    <m:sSup>
+                      <m:sSupPr>
+                        <m:ctrlPr>
+                          <a:rPr lang="en-GB" altLang="zh-TW" i="1" smtClean="0">
+                            <a:latin typeface="Cambria Math" panose="02040503050406030204" pitchFamily="18" charset="0"/>
+                          </a:rPr>
+                        </m:ctrlPr>
+                      </m:sSupPr>
+                      <m:e>
+                        <m:r>
+                          <a:rPr lang="en-GB" altLang="zh-TW" b="0" i="1" smtClean="0">
+                            <a:latin typeface="Cambria Math" panose="02040503050406030204" pitchFamily="18" charset="0"/>
+                          </a:rPr>
+                          <m:t>2</m:t>
+                        </m:r>
+                      </m:e>
+                      <m:sup>
+                        <m:r>
+                          <a:rPr lang="en-GB" altLang="zh-TW" b="0" i="1" smtClean="0">
+                            <a:latin typeface="Cambria Math" panose="02040503050406030204" pitchFamily="18" charset="0"/>
+                          </a:rPr>
+                          <m:t>𝑘</m:t>
+                        </m:r>
+                      </m:sup>
+                    </m:sSup>
+                    <m:r>
+                      <a:rPr lang="en-GB" altLang="zh-TW" b="0" i="1" smtClean="0">
+                        <a:latin typeface="Cambria Math" panose="02040503050406030204" pitchFamily="18" charset="0"/>
+                      </a:rPr>
+                      <m:t>≤</m:t>
+                    </m:r>
+                    <m:r>
+                      <a:rPr lang="en-GB" altLang="zh-TW" b="0" i="1" smtClean="0">
+                        <a:latin typeface="Cambria Math" panose="02040503050406030204" pitchFamily="18" charset="0"/>
+                      </a:rPr>
+                      <m:t>𝑁</m:t>
+                    </m:r>
+                    <m:r>
+                      <a:rPr lang="en-GB" altLang="zh-TW" b="0" i="1" smtClean="0">
+                        <a:latin typeface="Cambria Math" panose="02040503050406030204" pitchFamily="18" charset="0"/>
+                      </a:rPr>
+                      <m:t>&lt;</m:t>
+                    </m:r>
+                    <m:sSup>
+                      <m:sSupPr>
+                        <m:ctrlPr>
+                          <a:rPr lang="en-GB" altLang="zh-TW" b="0" i="1" smtClean="0">
+                            <a:latin typeface="Cambria Math" panose="02040503050406030204" pitchFamily="18" charset="0"/>
+                          </a:rPr>
+                        </m:ctrlPr>
+                      </m:sSupPr>
+                      <m:e>
+                        <m:r>
+                          <a:rPr lang="en-GB" altLang="zh-TW" b="0" i="1" smtClean="0">
+                            <a:latin typeface="Cambria Math" panose="02040503050406030204" pitchFamily="18" charset="0"/>
+                          </a:rPr>
+                          <m:t>2</m:t>
+                        </m:r>
+                      </m:e>
+                      <m:sup>
+                        <m:r>
+                          <a:rPr lang="en-GB" altLang="zh-TW" b="0" i="1" smtClean="0">
+                            <a:latin typeface="Cambria Math" panose="02040503050406030204" pitchFamily="18" charset="0"/>
+                          </a:rPr>
+                          <m:t>𝑘</m:t>
+                        </m:r>
+                        <m:r>
+                          <a:rPr lang="en-GB" altLang="zh-TW" b="0" i="1" smtClean="0">
+                            <a:latin typeface="Cambria Math" panose="02040503050406030204" pitchFamily="18" charset="0"/>
+                          </a:rPr>
+                          <m:t>+1</m:t>
+                        </m:r>
+                      </m:sup>
+                    </m:sSup>
+                  </m:oMath>
+                </a14:m>
+                <a:r>
+                  <a:rPr lang="en-GB" altLang="zh-TW" dirty="0"/>
+                  <a:t>)</a:t>
+                </a:r>
+              </a:p>
+              <a:p>
+                <a:r>
+                  <a:rPr lang="en-GB" altLang="zh-TW" dirty="0"/>
+                  <a:t>In the worst case </a:t>
+                </a:r>
+                <a14:m>
+                  <m:oMath xmlns:m="http://schemas.openxmlformats.org/officeDocument/2006/math">
+                    <m:sSub>
+                      <m:sSubPr>
+                        <m:ctrlPr>
+                          <a:rPr lang="en-GB" altLang="zh-TW" i="1" smtClean="0">
+                            <a:latin typeface="Cambria Math" panose="02040503050406030204" pitchFamily="18" charset="0"/>
+                          </a:rPr>
+                        </m:ctrlPr>
+                      </m:sSubPr>
+                      <m:e>
+                        <m:r>
+                          <a:rPr lang="en-GB" altLang="zh-TW" b="0" i="1" smtClean="0">
+                            <a:latin typeface="Cambria Math" panose="02040503050406030204" pitchFamily="18" charset="0"/>
+                          </a:rPr>
+                          <m:t>𝑓</m:t>
+                        </m:r>
+                      </m:e>
+                      <m:sub>
+                        <m:r>
+                          <a:rPr lang="en-GB" altLang="zh-TW" b="0" i="1" smtClean="0">
+                            <a:latin typeface="Cambria Math" panose="02040503050406030204" pitchFamily="18" charset="0"/>
+                          </a:rPr>
+                          <m:t>𝑁</m:t>
+                        </m:r>
+                      </m:sub>
+                    </m:sSub>
+                    <m:r>
+                      <a:rPr lang="en-GB" altLang="zh-TW" b="0" i="1" smtClean="0">
+                        <a:latin typeface="Cambria Math" panose="02040503050406030204" pitchFamily="18" charset="0"/>
+                      </a:rPr>
+                      <m:t>=</m:t>
+                    </m:r>
+                    <m:r>
+                      <a:rPr lang="en-GB" altLang="zh-TW" b="0" i="1" smtClean="0">
+                        <a:latin typeface="Cambria Math" panose="02040503050406030204" pitchFamily="18" charset="0"/>
+                      </a:rPr>
+                      <m:t>𝑁</m:t>
+                    </m:r>
+                  </m:oMath>
+                </a14:m>
+                <a:endParaRPr lang="en-GB" altLang="zh-TW" dirty="0"/>
+              </a:p>
+              <a:p>
+                <a:r>
+                  <a:rPr lang="en-GB" altLang="zh-TW" dirty="0"/>
+                  <a:t>So</a:t>
+                </a:r>
+                <a:endParaRPr lang="zh-TW" altLang="en-US" dirty="0"/>
+              </a:p>
+            </p:txBody>
+          </p:sp>
+        </mc:Choice>
+        <mc:Fallback>
+          <p:sp>
+            <p:nvSpPr>
+              <p:cNvPr id="3" name="Content Placeholder 2">
+                <a:extLst>
+                  <a:ext uri="{FF2B5EF4-FFF2-40B4-BE49-F238E27FC236}">
+                    <a16:creationId xmlns:a16="http://schemas.microsoft.com/office/drawing/2014/main" id="{1D85BD7D-A52D-49A6-9917-167DDB9361AF}"/>
+                  </a:ext>
+                </a:extLst>
+              </p:cNvPr>
+              <p:cNvSpPr>
+                <a:spLocks noGrp="1" noRot="1" noChangeAspect="1" noMove="1" noResize="1" noEditPoints="1" noAdjustHandles="1" noChangeArrowheads="1" noChangeShapeType="1" noTextEdit="1"/>
+              </p:cNvSpPr>
+              <p:nvPr>
+                <p:ph idx="1"/>
+              </p:nvPr>
+            </p:nvSpPr>
+            <p:spPr>
+              <a:blipFill>
+                <a:blip r:embed="rId2"/>
+                <a:stretch>
+                  <a:fillRect l="-1043" t="-2101"/>
+                </a:stretch>
+              </a:blipFill>
+            </p:spPr>
+            <p:txBody>
+              <a:bodyPr/>
+              <a:lstStyle/>
+              <a:p>
+                <a:r>
+                  <a:rPr lang="zh-TW" altLang="en-US">
+                    <a:noFill/>
+                  </a:rPr>
+                  <a:t> </a:t>
+                </a:r>
+              </a:p>
+            </p:txBody>
+          </p:sp>
+        </mc:Fallback>
+      </mc:AlternateContent>
+      <p:pic>
+        <p:nvPicPr>
+          <p:cNvPr id="4" name="Picture 3">
+            <a:extLst>
+              <a:ext uri="{FF2B5EF4-FFF2-40B4-BE49-F238E27FC236}">
+                <a16:creationId xmlns:a16="http://schemas.microsoft.com/office/drawing/2014/main" id="{3A1B65CE-DA68-487A-9C68-21464F757D1B}"/>
+              </a:ext>
+            </a:extLst>
+          </p:cNvPr>
+          <p:cNvPicPr>
+            <a:picLocks noChangeAspect="1"/>
+          </p:cNvPicPr>
+          <p:nvPr/>
+        </p:nvPicPr>
+        <p:blipFill>
+          <a:blip r:embed="rId3"/>
+          <a:stretch>
+            <a:fillRect/>
+          </a:stretch>
+        </p:blipFill>
+        <p:spPr>
+          <a:xfrm>
+            <a:off x="3870022" y="2835667"/>
+            <a:ext cx="4278951" cy="3476233"/>
+          </a:xfrm>
+          <a:prstGeom prst="rect">
+            <a:avLst/>
+          </a:prstGeom>
+        </p:spPr>
+      </p:pic>
+    </p:spTree>
+    <p:extLst>
+      <p:ext uri="{BB962C8B-B14F-4D97-AF65-F5344CB8AC3E}">
+        <p14:creationId xmlns:p14="http://schemas.microsoft.com/office/powerpoint/2010/main" val="2336855642"/>
+      </p:ext>
+    </p:extLst>
+  </p:cSld>
+  <p:clrMapOvr>
+    <a:masterClrMapping/>
+  </p:clrMapOvr>
+</p:sld>
+</file>
+
+<file path=ppt/slides/slide24.xml><?xml version="1.0" encoding="utf-8"?>
+<p:sld xmlns:a="http://schemas.openxmlformats.org/drawingml/2006/main" xmlns:r="http://schemas.openxmlformats.org/officeDocument/2006/relationships" xmlns:p="http://schemas.openxmlformats.org/presentationml/2006/main">
+  <p:cSld>
+    <p:spTree>
+      <p:nvGrpSpPr>
+        <p:cNvPr id="1" name=""/>
+        <p:cNvGrpSpPr/>
+        <p:nvPr/>
+      </p:nvGrpSpPr>
+      <p:grpSpPr>
+        <a:xfrm>
+          <a:off x="0" y="0"/>
+          <a:ext cx="0" cy="0"/>
+          <a:chOff x="0" y="0"/>
+          <a:chExt cx="0" cy="0"/>
+        </a:xfrm>
+      </p:grpSpPr>
+      <p:sp>
+        <p:nvSpPr>
+          <p:cNvPr id="2" name="Title 1">
+            <a:extLst>
+              <a:ext uri="{FF2B5EF4-FFF2-40B4-BE49-F238E27FC236}">
+                <a16:creationId xmlns:a16="http://schemas.microsoft.com/office/drawing/2014/main" id="{5D3CE762-E760-441C-853A-D5BF6D729CB3}"/>
+              </a:ext>
+            </a:extLst>
+          </p:cNvPr>
+          <p:cNvSpPr>
+            <a:spLocks noGrp="1"/>
+          </p:cNvSpPr>
+          <p:nvPr>
+            <p:ph type="title"/>
+          </p:nvPr>
+        </p:nvSpPr>
+        <p:spPr/>
+        <p:txBody>
+          <a:bodyPr/>
+          <a:lstStyle/>
+          <a:p>
+            <a:endParaRPr lang="zh-TW" altLang="en-US"/>
+          </a:p>
+        </p:txBody>
+      </p:sp>
+      <p:sp>
+        <p:nvSpPr>
+          <p:cNvPr id="3" name="Content Placeholder 2">
+            <a:extLst>
+              <a:ext uri="{FF2B5EF4-FFF2-40B4-BE49-F238E27FC236}">
+                <a16:creationId xmlns:a16="http://schemas.microsoft.com/office/drawing/2014/main" id="{96A77F16-C270-4453-99C7-B54763615562}"/>
+              </a:ext>
+            </a:extLst>
+          </p:cNvPr>
+          <p:cNvSpPr>
+            <a:spLocks noGrp="1"/>
+          </p:cNvSpPr>
+          <p:nvPr>
+            <p:ph idx="1"/>
+          </p:nvPr>
+        </p:nvSpPr>
+        <p:spPr/>
+        <p:txBody>
+          <a:bodyPr/>
+          <a:lstStyle/>
+          <a:p>
+            <a:r>
+              <a:rPr lang="en-GB" altLang="zh-TW" dirty="0"/>
+              <a:t>Therefore</a:t>
+            </a:r>
+            <a:endParaRPr lang="zh-TW" altLang="en-US" dirty="0"/>
+          </a:p>
+        </p:txBody>
+      </p:sp>
+      <p:pic>
+        <p:nvPicPr>
+          <p:cNvPr id="4" name="Picture 3">
+            <a:extLst>
+              <a:ext uri="{FF2B5EF4-FFF2-40B4-BE49-F238E27FC236}">
+                <a16:creationId xmlns:a16="http://schemas.microsoft.com/office/drawing/2014/main" id="{62535979-F53E-4271-B790-99319EF3A135}"/>
+              </a:ext>
+            </a:extLst>
+          </p:cNvPr>
+          <p:cNvPicPr>
+            <a:picLocks noChangeAspect="1"/>
+          </p:cNvPicPr>
+          <p:nvPr/>
+        </p:nvPicPr>
+        <p:blipFill>
+          <a:blip r:embed="rId2"/>
+          <a:stretch>
+            <a:fillRect/>
+          </a:stretch>
+        </p:blipFill>
+        <p:spPr>
+          <a:xfrm>
+            <a:off x="2904523" y="2466071"/>
+            <a:ext cx="2553868" cy="718918"/>
+          </a:xfrm>
+          <a:prstGeom prst="rect">
+            <a:avLst/>
+          </a:prstGeom>
+        </p:spPr>
+      </p:pic>
+    </p:spTree>
+    <p:extLst>
+      <p:ext uri="{BB962C8B-B14F-4D97-AF65-F5344CB8AC3E}">
+        <p14:creationId xmlns:p14="http://schemas.microsoft.com/office/powerpoint/2010/main" val="1774510040"/>
+      </p:ext>
+    </p:extLst>
+  </p:cSld>
+  <p:clrMapOvr>
+    <a:masterClrMapping/>
+  </p:clrMapOvr>
+</p:sld>
+</file>
+
+<file path=ppt/slides/slide25.xml><?xml version="1.0" encoding="utf-8"?>
+<p:sld xmlns:a="http://schemas.openxmlformats.org/drawingml/2006/main" xmlns:r="http://schemas.openxmlformats.org/officeDocument/2006/relationships" xmlns:p="http://schemas.openxmlformats.org/presentationml/2006/main">
+  <p:cSld>
+    <p:spTree>
+      <p:nvGrpSpPr>
+        <p:cNvPr id="1" name=""/>
+        <p:cNvGrpSpPr/>
+        <p:nvPr/>
+      </p:nvGrpSpPr>
+      <p:grpSpPr>
+        <a:xfrm>
+          <a:off x="0" y="0"/>
+          <a:ext cx="0" cy="0"/>
+          <a:chOff x="0" y="0"/>
+          <a:chExt cx="0" cy="0"/>
+        </a:xfrm>
+      </p:grpSpPr>
+      <p:sp>
+        <p:nvSpPr>
+          <p:cNvPr id="2" name="Title 1">
+            <a:extLst>
+              <a:ext uri="{FF2B5EF4-FFF2-40B4-BE49-F238E27FC236}">
+                <a16:creationId xmlns:a16="http://schemas.microsoft.com/office/drawing/2014/main" id="{C8D00872-F66B-4F56-8DDC-2F454ED8D9AE}"/>
+              </a:ext>
+            </a:extLst>
+          </p:cNvPr>
+          <p:cNvSpPr>
+            <a:spLocks noGrp="1"/>
+          </p:cNvSpPr>
+          <p:nvPr>
+            <p:ph type="title"/>
+          </p:nvPr>
+        </p:nvSpPr>
+        <p:spPr/>
+        <p:txBody>
+          <a:bodyPr/>
+          <a:lstStyle/>
+          <a:p>
+            <a:r>
+              <a:rPr lang="en-GB" altLang="zh-TW" dirty="0"/>
+              <a:t>Exercise : merge sort for lists</a:t>
+            </a:r>
+            <a:endParaRPr lang="zh-TW" altLang="en-US" dirty="0"/>
+          </a:p>
+        </p:txBody>
+      </p:sp>
+      <p:sp>
+        <p:nvSpPr>
+          <p:cNvPr id="3" name="Content Placeholder 2">
+            <a:extLst>
+              <a:ext uri="{FF2B5EF4-FFF2-40B4-BE49-F238E27FC236}">
+                <a16:creationId xmlns:a16="http://schemas.microsoft.com/office/drawing/2014/main" id="{EC51055D-816F-4EF3-ACC8-1AA0BAFECA67}"/>
+              </a:ext>
+            </a:extLst>
+          </p:cNvPr>
+          <p:cNvSpPr>
+            <a:spLocks noGrp="1"/>
+          </p:cNvSpPr>
+          <p:nvPr>
+            <p:ph idx="1"/>
+          </p:nvPr>
+        </p:nvSpPr>
+        <p:spPr/>
+        <p:txBody>
+          <a:bodyPr/>
+          <a:lstStyle/>
+          <a:p>
+            <a:r>
+              <a:rPr lang="en-GB" altLang="zh-TW" dirty="0"/>
+              <a:t>Write a method void split() that takes three arguments, l1, l2, l3, and split half of the elements of l1 to l2, and the other half to l3.</a:t>
+            </a:r>
+          </a:p>
+          <a:p>
+            <a:endParaRPr lang="en-GB" altLang="zh-TW" dirty="0"/>
+          </a:p>
+          <a:p>
+            <a:r>
+              <a:rPr lang="en-GB" altLang="zh-TW" dirty="0"/>
+              <a:t>Write a method merge() that takes two sorted list, and return the merged list.</a:t>
+            </a:r>
+          </a:p>
+          <a:p>
+            <a:endParaRPr lang="en-GB" altLang="zh-TW" dirty="0"/>
+          </a:p>
+          <a:p>
+            <a:r>
+              <a:rPr lang="en-GB" altLang="zh-TW" dirty="0"/>
+              <a:t>Write a method </a:t>
+            </a:r>
+            <a:r>
+              <a:rPr lang="en-GB" altLang="zh-TW" dirty="0" err="1"/>
+              <a:t>mergeSort</a:t>
+            </a:r>
+            <a:r>
+              <a:rPr lang="en-GB" altLang="zh-TW" dirty="0"/>
+              <a:t>() that takes a list, a return a sorted list, by recursively calling merge().</a:t>
+            </a:r>
+            <a:endParaRPr lang="zh-TW" altLang="en-US" dirty="0"/>
+          </a:p>
+        </p:txBody>
+      </p:sp>
+    </p:spTree>
+    <p:extLst>
+      <p:ext uri="{BB962C8B-B14F-4D97-AF65-F5344CB8AC3E}">
+        <p14:creationId xmlns:p14="http://schemas.microsoft.com/office/powerpoint/2010/main" val="2766020093"/>
+      </p:ext>
+    </p:extLst>
+  </p:cSld>
+  <p:clrMapOvr>
+    <a:masterClrMapping/>
+  </p:clrMapOvr>
+</p:sld>
+</file>
+
+<file path=ppt/slides/slide26.xml><?xml version="1.0" encoding="utf-8"?>
+<p:sld xmlns:a="http://schemas.openxmlformats.org/drawingml/2006/main" xmlns:r="http://schemas.openxmlformats.org/officeDocument/2006/relationships" xmlns:p="http://schemas.openxmlformats.org/presentationml/2006/main">
+  <p:cSld>
+    <p:spTree>
+      <p:nvGrpSpPr>
+        <p:cNvPr id="1" name=""/>
+        <p:cNvGrpSpPr/>
+        <p:nvPr/>
+      </p:nvGrpSpPr>
+      <p:grpSpPr>
+        <a:xfrm>
+          <a:off x="0" y="0"/>
+          <a:ext cx="0" cy="0"/>
+          <a:chOff x="0" y="0"/>
+          <a:chExt cx="0" cy="0"/>
+        </a:xfrm>
+      </p:grpSpPr>
+      <p:sp>
+        <p:nvSpPr>
+          <p:cNvPr id="2" name="Title 1">
+            <a:extLst>
+              <a:ext uri="{FF2B5EF4-FFF2-40B4-BE49-F238E27FC236}">
+                <a16:creationId xmlns:a16="http://schemas.microsoft.com/office/drawing/2014/main" id="{887BCEFC-5FBE-42E7-A3A0-696A1C5F27FF}"/>
+              </a:ext>
+            </a:extLst>
+          </p:cNvPr>
+          <p:cNvSpPr>
+            <a:spLocks noGrp="1"/>
+          </p:cNvSpPr>
+          <p:nvPr>
+            <p:ph type="title"/>
+          </p:nvPr>
+        </p:nvSpPr>
+        <p:spPr/>
+        <p:txBody>
+          <a:bodyPr/>
+          <a:lstStyle/>
+          <a:p>
+            <a:r>
+              <a:rPr lang="en-GB" altLang="zh-TW" dirty="0"/>
+              <a:t>Quick sort</a:t>
+            </a:r>
+            <a:endParaRPr lang="zh-TW" altLang="en-US" dirty="0"/>
+          </a:p>
+        </p:txBody>
+      </p:sp>
+      <p:sp>
+        <p:nvSpPr>
+          <p:cNvPr id="3" name="Content Placeholder 2">
+            <a:extLst>
+              <a:ext uri="{FF2B5EF4-FFF2-40B4-BE49-F238E27FC236}">
+                <a16:creationId xmlns:a16="http://schemas.microsoft.com/office/drawing/2014/main" id="{CFD1C288-9BA0-41CC-80FF-62F0DC49BC31}"/>
+              </a:ext>
+            </a:extLst>
+          </p:cNvPr>
+          <p:cNvSpPr>
+            <a:spLocks noGrp="1"/>
+          </p:cNvSpPr>
+          <p:nvPr>
+            <p:ph idx="1"/>
+          </p:nvPr>
+        </p:nvSpPr>
+        <p:spPr/>
+        <p:txBody>
+          <a:bodyPr/>
+          <a:lstStyle/>
+          <a:p>
+            <a:r>
+              <a:rPr lang="en-GB" altLang="zh-TW" dirty="0"/>
+              <a:t>We saw that in </a:t>
+            </a:r>
+            <a:r>
+              <a:rPr lang="en-GB" altLang="zh-TW" dirty="0" err="1"/>
+              <a:t>mergeSort</a:t>
+            </a:r>
+            <a:r>
+              <a:rPr lang="en-GB" altLang="zh-TW" dirty="0"/>
+              <a:t>, we need to allocate another array of the same size.</a:t>
+            </a:r>
+          </a:p>
+          <a:p>
+            <a:endParaRPr lang="en-GB" altLang="zh-TW" dirty="0"/>
+          </a:p>
+          <a:p>
+            <a:r>
+              <a:rPr lang="en-GB" altLang="zh-TW" dirty="0"/>
+              <a:t>We can avoid this by using quick sort.</a:t>
+            </a:r>
+            <a:endParaRPr lang="zh-TW" altLang="en-US" dirty="0"/>
+          </a:p>
+        </p:txBody>
+      </p:sp>
+    </p:spTree>
+    <p:extLst>
+      <p:ext uri="{BB962C8B-B14F-4D97-AF65-F5344CB8AC3E}">
+        <p14:creationId xmlns:p14="http://schemas.microsoft.com/office/powerpoint/2010/main" val="2735446411"/>
+      </p:ext>
+    </p:extLst>
+  </p:cSld>
+  <p:clrMapOvr>
+    <a:masterClrMapping/>
+  </p:clrMapOvr>
+</p:sld>
+</file>
+
+<file path=ppt/slides/slide27.xml><?xml version="1.0" encoding="utf-8"?>
+<p:sld xmlns:a="http://schemas.openxmlformats.org/drawingml/2006/main" xmlns:r="http://schemas.openxmlformats.org/officeDocument/2006/relationships" xmlns:p="http://schemas.openxmlformats.org/presentationml/2006/main">
+  <p:cSld>
+    <p:spTree>
+      <p:nvGrpSpPr>
+        <p:cNvPr id="1" name=""/>
+        <p:cNvGrpSpPr/>
+        <p:nvPr/>
+      </p:nvGrpSpPr>
+      <p:grpSpPr>
+        <a:xfrm>
+          <a:off x="0" y="0"/>
+          <a:ext cx="0" cy="0"/>
+          <a:chOff x="0" y="0"/>
+          <a:chExt cx="0" cy="0"/>
+        </a:xfrm>
+      </p:grpSpPr>
+      <p:sp>
+        <p:nvSpPr>
+          <p:cNvPr id="2" name="Title 1">
+            <a:extLst>
+              <a:ext uri="{FF2B5EF4-FFF2-40B4-BE49-F238E27FC236}">
+                <a16:creationId xmlns:a16="http://schemas.microsoft.com/office/drawing/2014/main" id="{24A4831C-C3F7-4660-88C0-B07087F4526A}"/>
+              </a:ext>
+            </a:extLst>
+          </p:cNvPr>
+          <p:cNvSpPr>
+            <a:spLocks noGrp="1"/>
+          </p:cNvSpPr>
+          <p:nvPr>
+            <p:ph type="title"/>
+          </p:nvPr>
+        </p:nvSpPr>
+        <p:spPr/>
+        <p:txBody>
+          <a:bodyPr/>
+          <a:lstStyle/>
+          <a:p>
+            <a:endParaRPr lang="zh-TW" altLang="en-US"/>
+          </a:p>
+        </p:txBody>
+      </p:sp>
+      <p:sp>
+        <p:nvSpPr>
+          <p:cNvPr id="3" name="Content Placeholder 2">
+            <a:extLst>
+              <a:ext uri="{FF2B5EF4-FFF2-40B4-BE49-F238E27FC236}">
+                <a16:creationId xmlns:a16="http://schemas.microsoft.com/office/drawing/2014/main" id="{BF315DFA-FCBB-4CB5-87EF-257795DABD88}"/>
+              </a:ext>
+            </a:extLst>
+          </p:cNvPr>
+          <p:cNvSpPr>
+            <a:spLocks noGrp="1"/>
+          </p:cNvSpPr>
+          <p:nvPr>
+            <p:ph idx="1"/>
+          </p:nvPr>
+        </p:nvSpPr>
+        <p:spPr/>
+        <p:txBody>
+          <a:bodyPr/>
+          <a:lstStyle/>
+          <a:p>
+            <a:r>
+              <a:rPr lang="en-GB" altLang="zh-TW" dirty="0"/>
+              <a:t>Choose a pivot p</a:t>
+            </a:r>
+          </a:p>
+          <a:p>
+            <a:endParaRPr lang="en-GB" altLang="zh-TW" dirty="0"/>
+          </a:p>
+          <a:p>
+            <a:endParaRPr lang="en-GB" altLang="zh-TW" dirty="0"/>
+          </a:p>
+          <a:p>
+            <a:endParaRPr lang="en-GB" altLang="zh-TW" dirty="0"/>
+          </a:p>
+          <a:p>
+            <a:r>
+              <a:rPr lang="en-GB" altLang="zh-TW" dirty="0"/>
+              <a:t>Sort recursively</a:t>
+            </a:r>
+            <a:endParaRPr lang="zh-TW" altLang="en-US" dirty="0"/>
+          </a:p>
+        </p:txBody>
+      </p:sp>
+      <p:pic>
+        <p:nvPicPr>
+          <p:cNvPr id="4" name="Picture 3">
+            <a:extLst>
+              <a:ext uri="{FF2B5EF4-FFF2-40B4-BE49-F238E27FC236}">
+                <a16:creationId xmlns:a16="http://schemas.microsoft.com/office/drawing/2014/main" id="{5CEFA49B-7C90-45D3-8274-480E1B859E05}"/>
+              </a:ext>
+            </a:extLst>
+          </p:cNvPr>
+          <p:cNvPicPr>
+            <a:picLocks noChangeAspect="1"/>
+          </p:cNvPicPr>
+          <p:nvPr/>
+        </p:nvPicPr>
+        <p:blipFill>
+          <a:blip r:embed="rId2"/>
+          <a:stretch>
+            <a:fillRect/>
+          </a:stretch>
+        </p:blipFill>
+        <p:spPr>
+          <a:xfrm>
+            <a:off x="3384734" y="2685201"/>
+            <a:ext cx="4664524" cy="869658"/>
+          </a:xfrm>
+          <a:prstGeom prst="rect">
+            <a:avLst/>
+          </a:prstGeom>
+        </p:spPr>
+      </p:pic>
+      <p:pic>
+        <p:nvPicPr>
+          <p:cNvPr id="5" name="Picture 4">
+            <a:extLst>
+              <a:ext uri="{FF2B5EF4-FFF2-40B4-BE49-F238E27FC236}">
+                <a16:creationId xmlns:a16="http://schemas.microsoft.com/office/drawing/2014/main" id="{FC2A2007-EBA8-4D55-B966-9E8C414B5C40}"/>
+              </a:ext>
+            </a:extLst>
+          </p:cNvPr>
+          <p:cNvPicPr>
+            <a:picLocks noChangeAspect="1"/>
+          </p:cNvPicPr>
+          <p:nvPr/>
+        </p:nvPicPr>
+        <p:blipFill>
+          <a:blip r:embed="rId3"/>
+          <a:stretch>
+            <a:fillRect/>
+          </a:stretch>
+        </p:blipFill>
+        <p:spPr>
+          <a:xfrm>
+            <a:off x="3520163" y="4836880"/>
+            <a:ext cx="4433480" cy="772809"/>
+          </a:xfrm>
+          <a:prstGeom prst="rect">
+            <a:avLst/>
+          </a:prstGeom>
+        </p:spPr>
+      </p:pic>
+    </p:spTree>
+    <p:extLst>
+      <p:ext uri="{BB962C8B-B14F-4D97-AF65-F5344CB8AC3E}">
+        <p14:creationId xmlns:p14="http://schemas.microsoft.com/office/powerpoint/2010/main" val="367710083"/>
+      </p:ext>
+    </p:extLst>
+  </p:cSld>
+  <p:clrMapOvr>
+    <a:masterClrMapping/>
+  </p:clrMapOvr>
+</p:sld>
+</file>
+
+<file path=ppt/slides/slide28.xml><?xml version="1.0" encoding="utf-8"?>
+<p:sld xmlns:a="http://schemas.openxmlformats.org/drawingml/2006/main" xmlns:r="http://schemas.openxmlformats.org/officeDocument/2006/relationships" xmlns:p="http://schemas.openxmlformats.org/presentationml/2006/main">
+  <p:cSld>
+    <p:spTree>
+      <p:nvGrpSpPr>
+        <p:cNvPr id="1" name=""/>
+        <p:cNvGrpSpPr/>
+        <p:nvPr/>
+      </p:nvGrpSpPr>
+      <p:grpSpPr>
+        <a:xfrm>
+          <a:off x="0" y="0"/>
+          <a:ext cx="0" cy="0"/>
+          <a:chOff x="0" y="0"/>
+          <a:chExt cx="0" cy="0"/>
+        </a:xfrm>
+      </p:grpSpPr>
+      <p:sp>
+        <p:nvSpPr>
+          <p:cNvPr id="2" name="Title 1">
+            <a:extLst>
+              <a:ext uri="{FF2B5EF4-FFF2-40B4-BE49-F238E27FC236}">
+                <a16:creationId xmlns:a16="http://schemas.microsoft.com/office/drawing/2014/main" id="{9BFD7429-ECC2-4895-8606-BE9568A795C3}"/>
+              </a:ext>
+            </a:extLst>
+          </p:cNvPr>
+          <p:cNvSpPr>
+            <a:spLocks noGrp="1"/>
+          </p:cNvSpPr>
+          <p:nvPr>
+            <p:ph type="title"/>
+          </p:nvPr>
+        </p:nvSpPr>
+        <p:spPr/>
+        <p:txBody>
+          <a:bodyPr/>
+          <a:lstStyle/>
+          <a:p>
+            <a:r>
+              <a:rPr lang="en-GB" altLang="zh-TW" dirty="0"/>
+              <a:t>Example</a:t>
+            </a:r>
+            <a:endParaRPr lang="zh-TW" altLang="en-US" dirty="0"/>
+          </a:p>
+        </p:txBody>
+      </p:sp>
+      <p:sp>
+        <p:nvSpPr>
+          <p:cNvPr id="3" name="Content Placeholder 2">
+            <a:extLst>
+              <a:ext uri="{FF2B5EF4-FFF2-40B4-BE49-F238E27FC236}">
+                <a16:creationId xmlns:a16="http://schemas.microsoft.com/office/drawing/2014/main" id="{16804DD4-C4AC-4DA0-988C-8DCE470F8879}"/>
+              </a:ext>
+            </a:extLst>
+          </p:cNvPr>
+          <p:cNvSpPr>
+            <a:spLocks noGrp="1"/>
+          </p:cNvSpPr>
+          <p:nvPr>
+            <p:ph idx="1"/>
+          </p:nvPr>
+        </p:nvSpPr>
+        <p:spPr/>
+        <p:txBody>
+          <a:bodyPr/>
+          <a:lstStyle/>
+          <a:p>
+            <a:endParaRPr lang="zh-TW" altLang="en-US"/>
+          </a:p>
+        </p:txBody>
+      </p:sp>
+      <p:pic>
+        <p:nvPicPr>
+          <p:cNvPr id="4" name="Picture 3">
+            <a:extLst>
+              <a:ext uri="{FF2B5EF4-FFF2-40B4-BE49-F238E27FC236}">
+                <a16:creationId xmlns:a16="http://schemas.microsoft.com/office/drawing/2014/main" id="{CE027D4E-B476-4220-9961-D480B2A36E9A}"/>
+              </a:ext>
+            </a:extLst>
+          </p:cNvPr>
+          <p:cNvPicPr>
+            <a:picLocks noChangeAspect="1"/>
+          </p:cNvPicPr>
+          <p:nvPr/>
+        </p:nvPicPr>
+        <p:blipFill>
+          <a:blip r:embed="rId2"/>
+          <a:stretch>
+            <a:fillRect/>
+          </a:stretch>
+        </p:blipFill>
+        <p:spPr>
+          <a:xfrm>
+            <a:off x="4191213" y="1870292"/>
+            <a:ext cx="3935645" cy="4396340"/>
+          </a:xfrm>
+          <a:prstGeom prst="rect">
+            <a:avLst/>
+          </a:prstGeom>
+        </p:spPr>
+      </p:pic>
+    </p:spTree>
+    <p:extLst>
+      <p:ext uri="{BB962C8B-B14F-4D97-AF65-F5344CB8AC3E}">
+        <p14:creationId xmlns:p14="http://schemas.microsoft.com/office/powerpoint/2010/main" val="4281743296"/>
+      </p:ext>
+    </p:extLst>
+  </p:cSld>
+  <p:clrMapOvr>
+    <a:masterClrMapping/>
+  </p:clrMapOvr>
+</p:sld>
+</file>
+
+<file path=ppt/slides/slide29.xml><?xml version="1.0" encoding="utf-8"?>
+<p:sld xmlns:a="http://schemas.openxmlformats.org/drawingml/2006/main" xmlns:r="http://schemas.openxmlformats.org/officeDocument/2006/relationships" xmlns:p="http://schemas.openxmlformats.org/presentationml/2006/main">
+  <p:cSld>
+    <p:spTree>
+      <p:nvGrpSpPr>
+        <p:cNvPr id="1" name=""/>
+        <p:cNvGrpSpPr/>
+        <p:nvPr/>
+      </p:nvGrpSpPr>
+      <p:grpSpPr>
+        <a:xfrm>
+          <a:off x="0" y="0"/>
+          <a:ext cx="0" cy="0"/>
+          <a:chOff x="0" y="0"/>
+          <a:chExt cx="0" cy="0"/>
+        </a:xfrm>
+      </p:grpSpPr>
+      <p:sp>
+        <p:nvSpPr>
+          <p:cNvPr id="2" name="Title 1">
+            <a:extLst>
+              <a:ext uri="{FF2B5EF4-FFF2-40B4-BE49-F238E27FC236}">
+                <a16:creationId xmlns:a16="http://schemas.microsoft.com/office/drawing/2014/main" id="{FC16537E-2A1B-47E2-934C-90E7029A0AC9}"/>
+              </a:ext>
+            </a:extLst>
+          </p:cNvPr>
+          <p:cNvSpPr>
+            <a:spLocks noGrp="1"/>
+          </p:cNvSpPr>
+          <p:nvPr>
+            <p:ph type="title"/>
+          </p:nvPr>
+        </p:nvSpPr>
+        <p:spPr/>
+        <p:txBody>
+          <a:bodyPr/>
+          <a:lstStyle/>
+          <a:p>
+            <a:r>
+              <a:rPr lang="en-GB" altLang="zh-TW" dirty="0"/>
+              <a:t>C++ implementation</a:t>
+            </a:r>
+            <a:endParaRPr lang="zh-TW" altLang="en-US" dirty="0"/>
+          </a:p>
+        </p:txBody>
+      </p:sp>
+      <p:sp>
+        <p:nvSpPr>
+          <p:cNvPr id="3" name="Content Placeholder 2">
+            <a:extLst>
+              <a:ext uri="{FF2B5EF4-FFF2-40B4-BE49-F238E27FC236}">
+                <a16:creationId xmlns:a16="http://schemas.microsoft.com/office/drawing/2014/main" id="{DA6C42CD-D242-4674-A43D-F293793D5BA4}"/>
+              </a:ext>
+            </a:extLst>
+          </p:cNvPr>
+          <p:cNvSpPr>
+            <a:spLocks noGrp="1"/>
+          </p:cNvSpPr>
+          <p:nvPr>
+            <p:ph idx="1"/>
+          </p:nvPr>
+        </p:nvSpPr>
+        <p:spPr/>
+        <p:txBody>
+          <a:bodyPr/>
+          <a:lstStyle/>
+          <a:p>
+            <a:endParaRPr lang="zh-TW" altLang="en-US"/>
+          </a:p>
+        </p:txBody>
+      </p:sp>
+    </p:spTree>
+    <p:extLst>
+      <p:ext uri="{BB962C8B-B14F-4D97-AF65-F5344CB8AC3E}">
+        <p14:creationId xmlns:p14="http://schemas.microsoft.com/office/powerpoint/2010/main" val="1061223121"/>
+      </p:ext>
+    </p:extLst>
+  </p:cSld>
+  <p:clrMapOvr>
+    <a:masterClrMapping/>
+  </p:clrMapOvr>
+</p:sld>
+</file>
+
+<file path=ppt/slides/slide3.xml><?xml version="1.0" encoding="utf-8"?>
+<p:sld xmlns:a="http://schemas.openxmlformats.org/drawingml/2006/main" xmlns:r="http://schemas.openxmlformats.org/officeDocument/2006/relationships" xmlns:p="http://schemas.openxmlformats.org/presentationml/2006/main">
+  <p:cSld>
+    <p:spTree>
+      <p:nvGrpSpPr>
+        <p:cNvPr id="1" name=""/>
+        <p:cNvGrpSpPr/>
+        <p:nvPr/>
+      </p:nvGrpSpPr>
+      <p:grpSpPr>
+        <a:xfrm>
+          <a:off x="0" y="0"/>
+          <a:ext cx="0" cy="0"/>
+          <a:chOff x="0" y="0"/>
+          <a:chExt cx="0" cy="0"/>
+        </a:xfrm>
+      </p:grpSpPr>
+      <p:sp>
+        <p:nvSpPr>
+          <p:cNvPr id="2" name="Title 1">
+            <a:extLst>
+              <a:ext uri="{FF2B5EF4-FFF2-40B4-BE49-F238E27FC236}">
+                <a16:creationId xmlns:a16="http://schemas.microsoft.com/office/drawing/2014/main" id="{C9AC89F0-CFF3-4797-A19D-79F5B3ECD672}"/>
+              </a:ext>
+            </a:extLst>
+          </p:cNvPr>
+          <p:cNvSpPr>
+            <a:spLocks noGrp="1"/>
+          </p:cNvSpPr>
+          <p:nvPr>
+            <p:ph type="title"/>
+          </p:nvPr>
+        </p:nvSpPr>
+        <p:spPr/>
+        <p:txBody>
+          <a:bodyPr/>
+          <a:lstStyle/>
+          <a:p>
+            <a:r>
+              <a:rPr lang="en-GB" altLang="zh-TW" dirty="0"/>
+              <a:t>How to shuffle an array randomly?</a:t>
+            </a:r>
+            <a:endParaRPr lang="zh-TW" altLang="en-US" dirty="0"/>
+          </a:p>
+        </p:txBody>
+      </p:sp>
+      <mc:AlternateContent xmlns:mc="http://schemas.openxmlformats.org/markup-compatibility/2006">
+        <mc:Choice xmlns:a14="http://schemas.microsoft.com/office/drawing/2010/main" Requires="a14">
+          <p:sp>
+            <p:nvSpPr>
+              <p:cNvPr id="3" name="Content Placeholder 2">
+                <a:extLst>
+                  <a:ext uri="{FF2B5EF4-FFF2-40B4-BE49-F238E27FC236}">
+                    <a16:creationId xmlns:a16="http://schemas.microsoft.com/office/drawing/2014/main" id="{64BF9E24-C045-4129-AA07-AEDF8DB3E35D}"/>
+                  </a:ext>
+                </a:extLst>
+              </p:cNvPr>
+              <p:cNvSpPr>
+                <a:spLocks noGrp="1"/>
+              </p:cNvSpPr>
+              <p:nvPr>
+                <p:ph idx="1"/>
+              </p:nvPr>
+            </p:nvSpPr>
+            <p:spPr/>
+            <p:txBody>
+              <a:bodyPr/>
+              <a:lstStyle/>
+              <a:p>
+                <a:r>
+                  <a:rPr lang="en-US" altLang="zh-TW" dirty="0"/>
+                  <a:t>K</a:t>
+                </a:r>
+                <a:r>
+                  <a:rPr lang="en-GB" altLang="zh-TW" dirty="0" err="1"/>
+                  <a:t>nuth</a:t>
+                </a:r>
+                <a:r>
+                  <a:rPr lang="en-GB" altLang="zh-TW" dirty="0"/>
+                  <a:t> shuffle:</a:t>
+                </a:r>
+              </a:p>
+              <a:p>
+                <a:r>
+                  <a:rPr lang="en-GB" altLang="zh-TW" dirty="0"/>
+                  <a:t>Exchange each element </a:t>
+                </a:r>
+                <a:r>
+                  <a:rPr lang="en-GB" altLang="zh-TW" dirty="0" err="1"/>
+                  <a:t>i</a:t>
+                </a:r>
+                <a:r>
+                  <a:rPr lang="en-GB" altLang="zh-TW" dirty="0"/>
+                  <a:t> with element j</a:t>
+                </a:r>
+                <a14:m>
+                  <m:oMath xmlns:m="http://schemas.openxmlformats.org/officeDocument/2006/math">
+                    <m:r>
+                      <a:rPr lang="en-GB" altLang="zh-TW" i="1" smtClean="0">
+                        <a:latin typeface="Cambria Math" panose="02040503050406030204" pitchFamily="18" charset="0"/>
+                        <a:ea typeface="Cambria Math" panose="02040503050406030204" pitchFamily="18" charset="0"/>
+                      </a:rPr>
+                      <m:t>∈</m:t>
+                    </m:r>
+                    <m:r>
+                      <a:rPr lang="en-GB" altLang="zh-TW" b="0" i="1" smtClean="0">
+                        <a:latin typeface="Cambria Math" panose="02040503050406030204" pitchFamily="18" charset="0"/>
+                        <a:ea typeface="Cambria Math" panose="02040503050406030204" pitchFamily="18" charset="0"/>
+                      </a:rPr>
+                      <m:t>[0..</m:t>
+                    </m:r>
+                    <m:r>
+                      <a:rPr lang="en-GB" altLang="zh-TW" b="0" i="1" smtClean="0">
+                        <a:latin typeface="Cambria Math" panose="02040503050406030204" pitchFamily="18" charset="0"/>
+                        <a:ea typeface="Cambria Math" panose="02040503050406030204" pitchFamily="18" charset="0"/>
+                      </a:rPr>
+                      <m:t>𝑖</m:t>
+                    </m:r>
+                    <m:r>
+                      <a:rPr lang="en-GB" altLang="zh-TW" b="0" i="1" smtClean="0">
+                        <a:latin typeface="Cambria Math" panose="02040503050406030204" pitchFamily="18" charset="0"/>
+                        <a:ea typeface="Cambria Math" panose="02040503050406030204" pitchFamily="18" charset="0"/>
+                      </a:rPr>
+                      <m:t>]</m:t>
+                    </m:r>
+                  </m:oMath>
+                </a14:m>
+                <a:endParaRPr lang="en-GB" altLang="zh-TW" dirty="0"/>
+              </a:p>
+              <a:p>
+                <a:endParaRPr lang="en-GB" altLang="zh-TW" dirty="0"/>
+              </a:p>
+              <a:p>
+                <a:endParaRPr lang="zh-TW" altLang="en-US" dirty="0"/>
+              </a:p>
+            </p:txBody>
+          </p:sp>
+        </mc:Choice>
+        <mc:Fallback>
+          <p:sp>
+            <p:nvSpPr>
+              <p:cNvPr id="3" name="Content Placeholder 2">
+                <a:extLst>
+                  <a:ext uri="{FF2B5EF4-FFF2-40B4-BE49-F238E27FC236}">
+                    <a16:creationId xmlns:a16="http://schemas.microsoft.com/office/drawing/2014/main" id="{64BF9E24-C045-4129-AA07-AEDF8DB3E35D}"/>
+                  </a:ext>
+                </a:extLst>
+              </p:cNvPr>
+              <p:cNvSpPr>
+                <a:spLocks noGrp="1" noRot="1" noChangeAspect="1" noMove="1" noResize="1" noEditPoints="1" noAdjustHandles="1" noChangeArrowheads="1" noChangeShapeType="1" noTextEdit="1"/>
+              </p:cNvSpPr>
+              <p:nvPr>
+                <p:ph idx="1"/>
+              </p:nvPr>
+            </p:nvSpPr>
+            <p:spPr>
+              <a:blipFill>
+                <a:blip r:embed="rId2"/>
+                <a:stretch>
+                  <a:fillRect l="-1043" t="-2241"/>
+                </a:stretch>
+              </a:blipFill>
+            </p:spPr>
+            <p:txBody>
+              <a:bodyPr/>
+              <a:lstStyle/>
+              <a:p>
+                <a:r>
+                  <a:rPr lang="zh-TW" altLang="en-US">
+                    <a:noFill/>
+                  </a:rPr>
+                  <a:t> </a:t>
+                </a:r>
+              </a:p>
+            </p:txBody>
+          </p:sp>
+        </mc:Fallback>
+      </mc:AlternateContent>
+      <p:pic>
+        <p:nvPicPr>
+          <p:cNvPr id="4" name="Picture 3">
+            <a:extLst>
+              <a:ext uri="{FF2B5EF4-FFF2-40B4-BE49-F238E27FC236}">
+                <a16:creationId xmlns:a16="http://schemas.microsoft.com/office/drawing/2014/main" id="{4B926D01-6306-4FD4-863A-FA6D01831962}"/>
+              </a:ext>
+            </a:extLst>
+          </p:cNvPr>
+          <p:cNvPicPr>
+            <a:picLocks noChangeAspect="1"/>
+          </p:cNvPicPr>
+          <p:nvPr/>
+        </p:nvPicPr>
+        <p:blipFill>
+          <a:blip r:embed="rId3"/>
+          <a:stretch>
+            <a:fillRect/>
+          </a:stretch>
+        </p:blipFill>
+        <p:spPr>
+          <a:xfrm>
+            <a:off x="3561600" y="3196677"/>
+            <a:ext cx="4248573" cy="2772608"/>
+          </a:xfrm>
+          <a:prstGeom prst="rect">
+            <a:avLst/>
+          </a:prstGeom>
+        </p:spPr>
+      </p:pic>
+    </p:spTree>
+    <p:extLst>
+      <p:ext uri="{BB962C8B-B14F-4D97-AF65-F5344CB8AC3E}">
+        <p14:creationId xmlns:p14="http://schemas.microsoft.com/office/powerpoint/2010/main" val="3111767732"/>
+      </p:ext>
+    </p:extLst>
+  </p:cSld>
+  <p:clrMapOvr>
+    <a:masterClrMapping/>
+  </p:clrMapOvr>
+</p:sld>
+</file>
+
+<file path=ppt/slides/slide30.xml><?xml version="1.0" encoding="utf-8"?>
+<p:sld xmlns:a="http://schemas.openxmlformats.org/drawingml/2006/main" xmlns:r="http://schemas.openxmlformats.org/officeDocument/2006/relationships" xmlns:p="http://schemas.openxmlformats.org/presentationml/2006/main">
+  <p:cSld>
+    <p:spTree>
+      <p:nvGrpSpPr>
+        <p:cNvPr id="1" name=""/>
+        <p:cNvGrpSpPr/>
+        <p:nvPr/>
+      </p:nvGrpSpPr>
+      <p:grpSpPr>
+        <a:xfrm>
+          <a:off x="0" y="0"/>
+          <a:ext cx="0" cy="0"/>
+          <a:chOff x="0" y="0"/>
+          <a:chExt cx="0" cy="0"/>
+        </a:xfrm>
+      </p:grpSpPr>
+      <p:sp>
+        <p:nvSpPr>
+          <p:cNvPr id="2" name="Title 1">
+            <a:extLst>
+              <a:ext uri="{FF2B5EF4-FFF2-40B4-BE49-F238E27FC236}">
+                <a16:creationId xmlns:a16="http://schemas.microsoft.com/office/drawing/2014/main" id="{58903215-0FAB-496A-842A-8C6E55C30A03}"/>
+              </a:ext>
+            </a:extLst>
+          </p:cNvPr>
+          <p:cNvSpPr>
+            <a:spLocks noGrp="1"/>
+          </p:cNvSpPr>
+          <p:nvPr>
+            <p:ph type="title"/>
+          </p:nvPr>
+        </p:nvSpPr>
+        <p:spPr/>
+        <p:txBody>
+          <a:bodyPr/>
+          <a:lstStyle/>
+          <a:p>
+            <a:r>
+              <a:rPr lang="en-GB" altLang="zh-TW" dirty="0"/>
+              <a:t>Complexity </a:t>
+            </a:r>
+            <a:endParaRPr lang="zh-TW" altLang="en-US" dirty="0"/>
+          </a:p>
+        </p:txBody>
+      </p:sp>
+      <mc:AlternateContent xmlns:mc="http://schemas.openxmlformats.org/markup-compatibility/2006">
+        <mc:Choice xmlns:a14="http://schemas.microsoft.com/office/drawing/2010/main" Requires="a14">
+          <p:sp>
+            <p:nvSpPr>
+              <p:cNvPr id="3" name="Content Placeholder 2">
+                <a:extLst>
+                  <a:ext uri="{FF2B5EF4-FFF2-40B4-BE49-F238E27FC236}">
+                    <a16:creationId xmlns:a16="http://schemas.microsoft.com/office/drawing/2014/main" id="{E63A3924-E1DF-499A-9F78-CAF4156F368A}"/>
+                  </a:ext>
+                </a:extLst>
+              </p:cNvPr>
+              <p:cNvSpPr>
+                <a:spLocks noGrp="1"/>
+              </p:cNvSpPr>
+              <p:nvPr>
+                <p:ph idx="1"/>
+              </p:nvPr>
+            </p:nvSpPr>
+            <p:spPr/>
+            <p:txBody>
+              <a:bodyPr/>
+              <a:lstStyle/>
+              <a:p>
+                <a:r>
+                  <a:rPr lang="en-GB" altLang="zh-TW" dirty="0"/>
+                  <a:t>Let </a:t>
+                </a:r>
+                <a14:m>
+                  <m:oMath xmlns:m="http://schemas.openxmlformats.org/officeDocument/2006/math">
+                    <m:sSub>
+                      <m:sSubPr>
+                        <m:ctrlPr>
+                          <a:rPr lang="en-GB" altLang="zh-TW" i="1" smtClean="0">
+                            <a:latin typeface="Cambria Math" panose="02040503050406030204" pitchFamily="18" charset="0"/>
+                          </a:rPr>
+                        </m:ctrlPr>
+                      </m:sSubPr>
+                      <m:e>
+                        <m:r>
+                          <a:rPr lang="en-GB" altLang="zh-TW" b="0" i="1" smtClean="0">
+                            <a:latin typeface="Cambria Math" panose="02040503050406030204" pitchFamily="18" charset="0"/>
+                          </a:rPr>
+                          <m:t>𝐶</m:t>
+                        </m:r>
+                      </m:e>
+                      <m:sub>
+                        <m:r>
+                          <a:rPr lang="en-GB" altLang="zh-TW" b="0" i="1" smtClean="0">
+                            <a:latin typeface="Cambria Math" panose="02040503050406030204" pitchFamily="18" charset="0"/>
+                          </a:rPr>
+                          <m:t>𝑁</m:t>
+                        </m:r>
+                      </m:sub>
+                    </m:sSub>
+                  </m:oMath>
+                </a14:m>
+                <a:r>
+                  <a:rPr lang="zh-TW" altLang="en-US" dirty="0"/>
+                  <a:t> </a:t>
+                </a:r>
+                <a:r>
+                  <a:rPr lang="en-GB" altLang="zh-TW" dirty="0"/>
+                  <a:t>be the number of comparisons to sort N elements</a:t>
+                </a:r>
+              </a:p>
+              <a:p>
+                <a:endParaRPr lang="en-GB" altLang="zh-TW" dirty="0"/>
+              </a:p>
+              <a:p>
+                <a:endParaRPr lang="en-GB" altLang="zh-TW" dirty="0"/>
+              </a:p>
+              <a:p>
+                <a:endParaRPr lang="en-GB" altLang="zh-TW" dirty="0"/>
+              </a:p>
+              <a:p>
+                <a:endParaRPr lang="en-GB" altLang="zh-TW" dirty="0"/>
+              </a:p>
+              <a:p>
+                <a:r>
+                  <a:rPr lang="en-GB" altLang="zh-TW" dirty="0"/>
+                  <a:t>If the array is already sorted, K=0 (because we chose the leftmost element to be the pivot)</a:t>
+                </a:r>
+                <a:endParaRPr lang="zh-TW" altLang="en-US" dirty="0"/>
+              </a:p>
+            </p:txBody>
+          </p:sp>
+        </mc:Choice>
+        <mc:Fallback>
+          <p:sp>
+            <p:nvSpPr>
+              <p:cNvPr id="3" name="Content Placeholder 2">
+                <a:extLst>
+                  <a:ext uri="{FF2B5EF4-FFF2-40B4-BE49-F238E27FC236}">
+                    <a16:creationId xmlns:a16="http://schemas.microsoft.com/office/drawing/2014/main" id="{E63A3924-E1DF-499A-9F78-CAF4156F368A}"/>
+                  </a:ext>
+                </a:extLst>
+              </p:cNvPr>
+              <p:cNvSpPr>
+                <a:spLocks noGrp="1" noRot="1" noChangeAspect="1" noMove="1" noResize="1" noEditPoints="1" noAdjustHandles="1" noChangeArrowheads="1" noChangeShapeType="1" noTextEdit="1"/>
+              </p:cNvSpPr>
+              <p:nvPr>
+                <p:ph idx="1"/>
+              </p:nvPr>
+            </p:nvSpPr>
+            <p:spPr>
+              <a:blipFill>
+                <a:blip r:embed="rId2"/>
+                <a:stretch>
+                  <a:fillRect l="-1043" t="-2241"/>
+                </a:stretch>
+              </a:blipFill>
+            </p:spPr>
+            <p:txBody>
+              <a:bodyPr/>
+              <a:lstStyle/>
+              <a:p>
+                <a:r>
+                  <a:rPr lang="zh-TW" altLang="en-US">
+                    <a:noFill/>
+                  </a:rPr>
+                  <a:t> </a:t>
+                </a:r>
+              </a:p>
+            </p:txBody>
+          </p:sp>
+        </mc:Fallback>
+      </mc:AlternateContent>
+      <p:pic>
+        <p:nvPicPr>
+          <p:cNvPr id="5" name="Picture 4">
+            <a:extLst>
+              <a:ext uri="{FF2B5EF4-FFF2-40B4-BE49-F238E27FC236}">
+                <a16:creationId xmlns:a16="http://schemas.microsoft.com/office/drawing/2014/main" id="{B10E0DCB-5019-4F2E-AD1B-12A624FFC301}"/>
+              </a:ext>
+            </a:extLst>
+          </p:cNvPr>
+          <p:cNvPicPr>
+            <a:picLocks noChangeAspect="1"/>
+          </p:cNvPicPr>
+          <p:nvPr/>
+        </p:nvPicPr>
+        <p:blipFill>
+          <a:blip r:embed="rId3"/>
+          <a:stretch>
+            <a:fillRect/>
+          </a:stretch>
+        </p:blipFill>
+        <p:spPr>
+          <a:xfrm>
+            <a:off x="3740249" y="2713857"/>
+            <a:ext cx="3858329" cy="1430285"/>
+          </a:xfrm>
+          <a:prstGeom prst="rect">
+            <a:avLst/>
+          </a:prstGeom>
+        </p:spPr>
+      </p:pic>
+      <p:pic>
+        <p:nvPicPr>
+          <p:cNvPr id="6" name="Picture 5">
+            <a:extLst>
+              <a:ext uri="{FF2B5EF4-FFF2-40B4-BE49-F238E27FC236}">
+                <a16:creationId xmlns:a16="http://schemas.microsoft.com/office/drawing/2014/main" id="{7B5B9879-E83B-477E-A6BA-E0185FFCBB13}"/>
+              </a:ext>
+            </a:extLst>
+          </p:cNvPr>
+          <p:cNvPicPr>
+            <a:picLocks noChangeAspect="1"/>
+          </p:cNvPicPr>
+          <p:nvPr/>
+        </p:nvPicPr>
+        <p:blipFill>
+          <a:blip r:embed="rId4"/>
+          <a:stretch>
+            <a:fillRect/>
+          </a:stretch>
+        </p:blipFill>
+        <p:spPr>
+          <a:xfrm>
+            <a:off x="3657896" y="5307073"/>
+            <a:ext cx="4023033" cy="927859"/>
+          </a:xfrm>
+          <a:prstGeom prst="rect">
+            <a:avLst/>
+          </a:prstGeom>
+        </p:spPr>
+      </p:pic>
+    </p:spTree>
+    <p:extLst>
+      <p:ext uri="{BB962C8B-B14F-4D97-AF65-F5344CB8AC3E}">
+        <p14:creationId xmlns:p14="http://schemas.microsoft.com/office/powerpoint/2010/main" val="4120674511"/>
+      </p:ext>
+    </p:extLst>
+  </p:cSld>
+  <p:clrMapOvr>
+    <a:masterClrMapping/>
+  </p:clrMapOvr>
+</p:sld>
+</file>
+
+<file path=ppt/slides/slide31.xml><?xml version="1.0" encoding="utf-8"?>
+<p:sld xmlns:a="http://schemas.openxmlformats.org/drawingml/2006/main" xmlns:r="http://schemas.openxmlformats.org/officeDocument/2006/relationships" xmlns:p="http://schemas.openxmlformats.org/presentationml/2006/main">
+  <p:cSld>
+    <p:spTree>
+      <p:nvGrpSpPr>
+        <p:cNvPr id="1" name=""/>
+        <p:cNvGrpSpPr/>
+        <p:nvPr/>
+      </p:nvGrpSpPr>
+      <p:grpSpPr>
+        <a:xfrm>
+          <a:off x="0" y="0"/>
+          <a:ext cx="0" cy="0"/>
+          <a:chOff x="0" y="0"/>
+          <a:chExt cx="0" cy="0"/>
+        </a:xfrm>
+      </p:grpSpPr>
+      <p:sp>
+        <p:nvSpPr>
+          <p:cNvPr id="2" name="Title 1">
+            <a:extLst>
+              <a:ext uri="{FF2B5EF4-FFF2-40B4-BE49-F238E27FC236}">
+                <a16:creationId xmlns:a16="http://schemas.microsoft.com/office/drawing/2014/main" id="{B4404D42-F2DE-4337-AA65-998AE848DE17}"/>
+              </a:ext>
+            </a:extLst>
+          </p:cNvPr>
+          <p:cNvSpPr>
+            <a:spLocks noGrp="1"/>
+          </p:cNvSpPr>
+          <p:nvPr>
+            <p:ph type="title"/>
+          </p:nvPr>
+        </p:nvSpPr>
+        <p:spPr/>
+        <p:txBody>
+          <a:bodyPr/>
+          <a:lstStyle/>
+          <a:p>
+            <a:endParaRPr lang="zh-TW" altLang="en-US"/>
+          </a:p>
+        </p:txBody>
+      </p:sp>
+      <p:sp>
+        <p:nvSpPr>
+          <p:cNvPr id="3" name="Content Placeholder 2">
+            <a:extLst>
+              <a:ext uri="{FF2B5EF4-FFF2-40B4-BE49-F238E27FC236}">
+                <a16:creationId xmlns:a16="http://schemas.microsoft.com/office/drawing/2014/main" id="{694C0DF3-8DFC-465E-9F79-A1D3A50FF09E}"/>
+              </a:ext>
+            </a:extLst>
+          </p:cNvPr>
+          <p:cNvSpPr>
+            <a:spLocks noGrp="1"/>
+          </p:cNvSpPr>
+          <p:nvPr>
+            <p:ph idx="1"/>
+          </p:nvPr>
+        </p:nvSpPr>
+        <p:spPr/>
+        <p:txBody>
+          <a:bodyPr/>
+          <a:lstStyle/>
+          <a:p>
+            <a:r>
+              <a:rPr lang="en-GB" altLang="zh-TW" dirty="0"/>
+              <a:t>What’s the optimal case?</a:t>
+            </a:r>
+          </a:p>
+          <a:p>
+            <a:endParaRPr lang="en-GB" altLang="zh-TW" dirty="0"/>
+          </a:p>
+          <a:p>
+            <a:r>
+              <a:rPr lang="en-GB" altLang="zh-TW" dirty="0"/>
+              <a:t>We can also show that </a:t>
+            </a:r>
+            <a:r>
+              <a:rPr lang="en-GB" altLang="zh-TW" dirty="0">
+                <a:solidFill>
+                  <a:srgbClr val="FF0000"/>
+                </a:solidFill>
+              </a:rPr>
+              <a:t>in average</a:t>
+            </a:r>
+            <a:r>
+              <a:rPr lang="en-GB" altLang="zh-TW" dirty="0"/>
+              <a:t>, quick sort is </a:t>
+            </a:r>
+            <a:r>
+              <a:rPr lang="en-GB" altLang="zh-TW" dirty="0">
+                <a:solidFill>
+                  <a:srgbClr val="FF0000"/>
+                </a:solidFill>
+              </a:rPr>
+              <a:t>optimal</a:t>
+            </a:r>
+            <a:r>
+              <a:rPr lang="en-GB" altLang="zh-TW" dirty="0"/>
+              <a:t>!</a:t>
+            </a:r>
+          </a:p>
+          <a:p>
+            <a:endParaRPr lang="en-GB" altLang="zh-TW" dirty="0"/>
+          </a:p>
+          <a:p>
+            <a:r>
+              <a:rPr lang="en-GB" altLang="zh-TW" dirty="0"/>
+              <a:t>Homework : Show the optimality of the average case</a:t>
+            </a:r>
+          </a:p>
+          <a:p>
+            <a:r>
+              <a:rPr lang="en-GB" altLang="zh-TW" dirty="0"/>
+              <a:t>Hint : start with</a:t>
+            </a:r>
+          </a:p>
+        </p:txBody>
+      </p:sp>
+      <p:pic>
+        <p:nvPicPr>
+          <p:cNvPr id="4" name="Picture 3">
+            <a:extLst>
+              <a:ext uri="{FF2B5EF4-FFF2-40B4-BE49-F238E27FC236}">
+                <a16:creationId xmlns:a16="http://schemas.microsoft.com/office/drawing/2014/main" id="{80E073A8-45B3-4E26-B067-563DE799CACC}"/>
+              </a:ext>
+            </a:extLst>
+          </p:cNvPr>
+          <p:cNvPicPr>
+            <a:picLocks noChangeAspect="1"/>
+          </p:cNvPicPr>
+          <p:nvPr/>
+        </p:nvPicPr>
+        <p:blipFill>
+          <a:blip r:embed="rId2"/>
+          <a:stretch>
+            <a:fillRect/>
+          </a:stretch>
+        </p:blipFill>
+        <p:spPr>
+          <a:xfrm>
+            <a:off x="3746392" y="4437204"/>
+            <a:ext cx="5589794" cy="1496119"/>
+          </a:xfrm>
+          <a:prstGeom prst="rect">
+            <a:avLst/>
+          </a:prstGeom>
+        </p:spPr>
+      </p:pic>
+    </p:spTree>
+    <p:extLst>
+      <p:ext uri="{BB962C8B-B14F-4D97-AF65-F5344CB8AC3E}">
+        <p14:creationId xmlns:p14="http://schemas.microsoft.com/office/powerpoint/2010/main" val="1817656000"/>
+      </p:ext>
+    </p:extLst>
+  </p:cSld>
+  <p:clrMapOvr>
+    <a:masterClrMapping/>
+  </p:clrMapOvr>
+</p:sld>
+</file>
+
+<file path=ppt/slides/slide32.xml><?xml version="1.0" encoding="utf-8"?>
+<p:sld xmlns:a="http://schemas.openxmlformats.org/drawingml/2006/main" xmlns:r="http://schemas.openxmlformats.org/officeDocument/2006/relationships" xmlns:p="http://schemas.openxmlformats.org/presentationml/2006/main">
+  <p:cSld>
+    <p:spTree>
+      <p:nvGrpSpPr>
+        <p:cNvPr id="1" name=""/>
+        <p:cNvGrpSpPr/>
+        <p:nvPr/>
+      </p:nvGrpSpPr>
+      <p:grpSpPr>
+        <a:xfrm>
+          <a:off x="0" y="0"/>
+          <a:ext cx="0" cy="0"/>
+          <a:chOff x="0" y="0"/>
+          <a:chExt cx="0" cy="0"/>
+        </a:xfrm>
+      </p:grpSpPr>
+      <p:sp>
+        <p:nvSpPr>
+          <p:cNvPr id="2" name="Title 1">
+            <a:extLst>
+              <a:ext uri="{FF2B5EF4-FFF2-40B4-BE49-F238E27FC236}">
+                <a16:creationId xmlns:a16="http://schemas.microsoft.com/office/drawing/2014/main" id="{E22A4C78-9A9A-4CA1-8D9C-22BE7054E94D}"/>
+              </a:ext>
+            </a:extLst>
+          </p:cNvPr>
+          <p:cNvSpPr>
+            <a:spLocks noGrp="1"/>
+          </p:cNvSpPr>
+          <p:nvPr>
+            <p:ph type="title"/>
+          </p:nvPr>
+        </p:nvSpPr>
+        <p:spPr/>
+        <p:txBody>
+          <a:bodyPr/>
+          <a:lstStyle/>
+          <a:p>
+            <a:r>
+              <a:rPr lang="en-GB" altLang="zh-TW" dirty="0"/>
+              <a:t>To avoid the worst case</a:t>
+            </a:r>
+            <a:endParaRPr lang="zh-TW" altLang="en-US" dirty="0"/>
+          </a:p>
+        </p:txBody>
+      </p:sp>
+      <p:sp>
+        <p:nvSpPr>
+          <p:cNvPr id="3" name="Content Placeholder 2">
+            <a:extLst>
+              <a:ext uri="{FF2B5EF4-FFF2-40B4-BE49-F238E27FC236}">
+                <a16:creationId xmlns:a16="http://schemas.microsoft.com/office/drawing/2014/main" id="{29CB7A35-A5EE-40A7-BAFF-2D93FE2845DA}"/>
+              </a:ext>
+            </a:extLst>
+          </p:cNvPr>
+          <p:cNvSpPr>
+            <a:spLocks noGrp="1"/>
+          </p:cNvSpPr>
+          <p:nvPr>
+            <p:ph idx="1"/>
+          </p:nvPr>
+        </p:nvSpPr>
+        <p:spPr/>
+        <p:txBody>
+          <a:bodyPr/>
+          <a:lstStyle/>
+          <a:p>
+            <a:r>
+              <a:rPr lang="en-GB" altLang="zh-TW" dirty="0"/>
+              <a:t>We can randomly pick a pivot</a:t>
+            </a:r>
+          </a:p>
+          <a:p>
+            <a:r>
+              <a:rPr lang="en-GB" altLang="zh-TW" dirty="0"/>
+              <a:t>Or we can shuffle the array before sorting</a:t>
+            </a:r>
+            <a:endParaRPr lang="zh-TW" altLang="en-US" dirty="0"/>
+          </a:p>
+        </p:txBody>
+      </p:sp>
+    </p:spTree>
+    <p:extLst>
+      <p:ext uri="{BB962C8B-B14F-4D97-AF65-F5344CB8AC3E}">
+        <p14:creationId xmlns:p14="http://schemas.microsoft.com/office/powerpoint/2010/main" val="1063299822"/>
+      </p:ext>
+    </p:extLst>
+  </p:cSld>
+  <p:clrMapOvr>
+    <a:masterClrMapping/>
+  </p:clrMapOvr>
+</p:sld>
+</file>
+
+<file path=ppt/slides/slide33.xml><?xml version="1.0" encoding="utf-8"?>
+<p:sld xmlns:a="http://schemas.openxmlformats.org/drawingml/2006/main" xmlns:r="http://schemas.openxmlformats.org/officeDocument/2006/relationships" xmlns:p="http://schemas.openxmlformats.org/presentationml/2006/main">
+  <p:cSld>
+    <p:spTree>
+      <p:nvGrpSpPr>
+        <p:cNvPr id="1" name=""/>
+        <p:cNvGrpSpPr/>
+        <p:nvPr/>
+      </p:nvGrpSpPr>
+      <p:grpSpPr>
+        <a:xfrm>
+          <a:off x="0" y="0"/>
+          <a:ext cx="0" cy="0"/>
+          <a:chOff x="0" y="0"/>
+          <a:chExt cx="0" cy="0"/>
+        </a:xfrm>
+      </p:grpSpPr>
+      <p:sp>
+        <p:nvSpPr>
+          <p:cNvPr id="2" name="Title 1">
+            <a:extLst>
+              <a:ext uri="{FF2B5EF4-FFF2-40B4-BE49-F238E27FC236}">
+                <a16:creationId xmlns:a16="http://schemas.microsoft.com/office/drawing/2014/main" id="{B9E729D3-35E3-401A-9E23-564371A9E335}"/>
+              </a:ext>
+            </a:extLst>
+          </p:cNvPr>
+          <p:cNvSpPr>
+            <a:spLocks noGrp="1"/>
+          </p:cNvSpPr>
+          <p:nvPr>
+            <p:ph type="title"/>
+          </p:nvPr>
+        </p:nvSpPr>
+        <p:spPr/>
+        <p:txBody>
+          <a:bodyPr/>
+          <a:lstStyle/>
+          <a:p>
+            <a:r>
+              <a:rPr lang="en-GB" altLang="zh-TW" dirty="0"/>
+              <a:t>Is it enough?</a:t>
+            </a:r>
+            <a:endParaRPr lang="zh-TW" altLang="en-US" dirty="0"/>
+          </a:p>
+        </p:txBody>
+      </p:sp>
+      <p:sp>
+        <p:nvSpPr>
+          <p:cNvPr id="3" name="Content Placeholder 2">
+            <a:extLst>
+              <a:ext uri="{FF2B5EF4-FFF2-40B4-BE49-F238E27FC236}">
+                <a16:creationId xmlns:a16="http://schemas.microsoft.com/office/drawing/2014/main" id="{55A49210-AD97-46E3-9331-07DD88E21D5A}"/>
+              </a:ext>
+            </a:extLst>
+          </p:cNvPr>
+          <p:cNvSpPr>
+            <a:spLocks noGrp="1"/>
+          </p:cNvSpPr>
+          <p:nvPr>
+            <p:ph idx="1"/>
+          </p:nvPr>
+        </p:nvSpPr>
+        <p:spPr/>
+        <p:txBody>
+          <a:bodyPr/>
+          <a:lstStyle/>
+          <a:p>
+            <a:r>
+              <a:rPr lang="en-GB" altLang="zh-TW" dirty="0"/>
+              <a:t>It’s not enough when the array has multiple same values…</a:t>
+            </a:r>
+          </a:p>
+          <a:p>
+            <a:r>
+              <a:rPr lang="en-GB" altLang="zh-TW" dirty="0"/>
+              <a:t>Every element is equal = pivot is leftmost or rightmost</a:t>
+            </a:r>
+          </a:p>
+          <a:p>
+            <a:endParaRPr lang="en-GB" altLang="zh-TW" dirty="0"/>
+          </a:p>
+          <a:p>
+            <a:r>
+              <a:rPr lang="en-GB" altLang="zh-TW" dirty="0"/>
+              <a:t>We need to perform a 3-way partition:</a:t>
+            </a:r>
+          </a:p>
+          <a:p>
+            <a:r>
+              <a:rPr lang="en-GB" altLang="zh-TW" dirty="0"/>
+              <a:t>And sort a[</a:t>
+            </a:r>
+            <a:r>
+              <a:rPr lang="en-GB" altLang="zh-TW" dirty="0" err="1"/>
+              <a:t>l..m</a:t>
+            </a:r>
+            <a:r>
+              <a:rPr lang="en-GB" altLang="zh-TW" dirty="0"/>
+              <a:t>[, a[</a:t>
+            </a:r>
+            <a:r>
+              <a:rPr lang="en-GB" altLang="zh-TW" dirty="0" err="1"/>
+              <a:t>n..r</a:t>
+            </a:r>
+            <a:r>
+              <a:rPr lang="en-GB" altLang="zh-TW" dirty="0"/>
+              <a:t>[</a:t>
+            </a:r>
+            <a:endParaRPr lang="zh-TW" altLang="en-US" dirty="0"/>
+          </a:p>
+        </p:txBody>
+      </p:sp>
+      <p:pic>
+        <p:nvPicPr>
+          <p:cNvPr id="4" name="Picture 3">
+            <a:extLst>
+              <a:ext uri="{FF2B5EF4-FFF2-40B4-BE49-F238E27FC236}">
+                <a16:creationId xmlns:a16="http://schemas.microsoft.com/office/drawing/2014/main" id="{DB070CD2-2377-46DE-85E8-9CE0E0EF8662}"/>
+              </a:ext>
+            </a:extLst>
+          </p:cNvPr>
+          <p:cNvPicPr>
+            <a:picLocks noChangeAspect="1"/>
+          </p:cNvPicPr>
+          <p:nvPr/>
+        </p:nvPicPr>
+        <p:blipFill>
+          <a:blip r:embed="rId2"/>
+          <a:stretch>
+            <a:fillRect/>
+          </a:stretch>
+        </p:blipFill>
+        <p:spPr>
+          <a:xfrm>
+            <a:off x="3249557" y="4552496"/>
+            <a:ext cx="4798051" cy="897945"/>
+          </a:xfrm>
+          <a:prstGeom prst="rect">
+            <a:avLst/>
+          </a:prstGeom>
+        </p:spPr>
+      </p:pic>
+    </p:spTree>
+    <p:extLst>
+      <p:ext uri="{BB962C8B-B14F-4D97-AF65-F5344CB8AC3E}">
+        <p14:creationId xmlns:p14="http://schemas.microsoft.com/office/powerpoint/2010/main" val="3102779473"/>
+      </p:ext>
+    </p:extLst>
+  </p:cSld>
+  <p:clrMapOvr>
+    <a:masterClrMapping/>
+  </p:clrMapOvr>
+</p:sld>
+</file>
+
+<file path=ppt/slides/slide34.xml><?xml version="1.0" encoding="utf-8"?>
+<p:sld xmlns:a="http://schemas.openxmlformats.org/drawingml/2006/main" xmlns:r="http://schemas.openxmlformats.org/officeDocument/2006/relationships" xmlns:p="http://schemas.openxmlformats.org/presentationml/2006/main">
+  <p:cSld>
+    <p:spTree>
+      <p:nvGrpSpPr>
+        <p:cNvPr id="1" name=""/>
+        <p:cNvGrpSpPr/>
+        <p:nvPr/>
+      </p:nvGrpSpPr>
+      <p:grpSpPr>
+        <a:xfrm>
+          <a:off x="0" y="0"/>
+          <a:ext cx="0" cy="0"/>
+          <a:chOff x="0" y="0"/>
+          <a:chExt cx="0" cy="0"/>
+        </a:xfrm>
+      </p:grpSpPr>
+      <p:sp>
+        <p:nvSpPr>
+          <p:cNvPr id="2" name="Title 1">
+            <a:extLst>
+              <a:ext uri="{FF2B5EF4-FFF2-40B4-BE49-F238E27FC236}">
+                <a16:creationId xmlns:a16="http://schemas.microsoft.com/office/drawing/2014/main" id="{C64D703F-CF71-47ED-833A-D2304F24FD0C}"/>
+              </a:ext>
+            </a:extLst>
+          </p:cNvPr>
+          <p:cNvSpPr>
+            <a:spLocks noGrp="1"/>
+          </p:cNvSpPr>
+          <p:nvPr>
+            <p:ph type="title"/>
+          </p:nvPr>
+        </p:nvSpPr>
+        <p:spPr/>
+        <p:txBody>
+          <a:bodyPr/>
+          <a:lstStyle/>
+          <a:p>
+            <a:r>
+              <a:rPr lang="en-GB" altLang="zh-TW" dirty="0"/>
+              <a:t>Comparison</a:t>
+            </a:r>
+            <a:endParaRPr lang="zh-TW" altLang="en-US" dirty="0"/>
+          </a:p>
+        </p:txBody>
+      </p:sp>
+      <p:sp>
+        <p:nvSpPr>
+          <p:cNvPr id="3" name="Content Placeholder 2">
+            <a:extLst>
+              <a:ext uri="{FF2B5EF4-FFF2-40B4-BE49-F238E27FC236}">
+                <a16:creationId xmlns:a16="http://schemas.microsoft.com/office/drawing/2014/main" id="{9758054E-4D87-4103-BD3C-3002AD0B6DC6}"/>
+              </a:ext>
+            </a:extLst>
+          </p:cNvPr>
+          <p:cNvSpPr>
+            <a:spLocks noGrp="1"/>
+          </p:cNvSpPr>
+          <p:nvPr>
+            <p:ph idx="1"/>
+          </p:nvPr>
+        </p:nvSpPr>
+        <p:spPr/>
+        <p:txBody>
+          <a:bodyPr/>
+          <a:lstStyle/>
+          <a:p>
+            <a:endParaRPr lang="zh-TW" altLang="en-US"/>
+          </a:p>
+        </p:txBody>
+      </p:sp>
+      <p:pic>
+        <p:nvPicPr>
+          <p:cNvPr id="5" name="Picture 4">
+            <a:extLst>
+              <a:ext uri="{FF2B5EF4-FFF2-40B4-BE49-F238E27FC236}">
+                <a16:creationId xmlns:a16="http://schemas.microsoft.com/office/drawing/2014/main" id="{8891C771-65B3-4614-8794-DC351538F3E0}"/>
+              </a:ext>
+            </a:extLst>
+          </p:cNvPr>
+          <p:cNvPicPr>
+            <a:picLocks noChangeAspect="1"/>
+          </p:cNvPicPr>
+          <p:nvPr/>
+        </p:nvPicPr>
+        <p:blipFill>
+          <a:blip r:embed="rId2"/>
+          <a:stretch>
+            <a:fillRect/>
+          </a:stretch>
+        </p:blipFill>
+        <p:spPr>
+          <a:xfrm>
+            <a:off x="2310351" y="2734783"/>
+            <a:ext cx="7027005" cy="2392022"/>
+          </a:xfrm>
+          <a:prstGeom prst="rect">
+            <a:avLst/>
+          </a:prstGeom>
+        </p:spPr>
+      </p:pic>
+    </p:spTree>
+    <p:extLst>
+      <p:ext uri="{BB962C8B-B14F-4D97-AF65-F5344CB8AC3E}">
+        <p14:creationId xmlns:p14="http://schemas.microsoft.com/office/powerpoint/2010/main" val="2428985863"/>
+      </p:ext>
+    </p:extLst>
+  </p:cSld>
+  <p:clrMapOvr>
+    <a:masterClrMapping/>
+  </p:clrMapOvr>
+</p:sld>
+</file>
+
+<file path=ppt/slides/slide35.xml><?xml version="1.0" encoding="utf-8"?>
+<p:sld xmlns:a="http://schemas.openxmlformats.org/drawingml/2006/main" xmlns:r="http://schemas.openxmlformats.org/officeDocument/2006/relationships" xmlns:p="http://schemas.openxmlformats.org/presentationml/2006/main">
+  <p:cSld>
+    <p:spTree>
+      <p:nvGrpSpPr>
+        <p:cNvPr id="1" name=""/>
+        <p:cNvGrpSpPr/>
+        <p:nvPr/>
+      </p:nvGrpSpPr>
+      <p:grpSpPr>
+        <a:xfrm>
+          <a:off x="0" y="0"/>
+          <a:ext cx="0" cy="0"/>
+          <a:chOff x="0" y="0"/>
+          <a:chExt cx="0" cy="0"/>
+        </a:xfrm>
+      </p:grpSpPr>
+      <p:sp>
+        <p:nvSpPr>
+          <p:cNvPr id="2" name="Title 1">
+            <a:extLst>
+              <a:ext uri="{FF2B5EF4-FFF2-40B4-BE49-F238E27FC236}">
+                <a16:creationId xmlns:a16="http://schemas.microsoft.com/office/drawing/2014/main" id="{0F9F4196-FDAD-41A4-8CBB-069E1B305C38}"/>
+              </a:ext>
+            </a:extLst>
+          </p:cNvPr>
+          <p:cNvSpPr>
+            <a:spLocks noGrp="1"/>
+          </p:cNvSpPr>
+          <p:nvPr>
+            <p:ph type="title"/>
+          </p:nvPr>
+        </p:nvSpPr>
+        <p:spPr/>
+        <p:txBody>
+          <a:bodyPr/>
+          <a:lstStyle/>
+          <a:p>
+            <a:r>
+              <a:rPr lang="en-GB" altLang="zh-TW" dirty="0"/>
+              <a:t>C++ library</a:t>
+            </a:r>
+            <a:endParaRPr lang="zh-TW" altLang="en-US" dirty="0"/>
+          </a:p>
+        </p:txBody>
+      </p:sp>
+      <p:sp>
+        <p:nvSpPr>
+          <p:cNvPr id="3" name="Content Placeholder 2">
+            <a:extLst>
+              <a:ext uri="{FF2B5EF4-FFF2-40B4-BE49-F238E27FC236}">
+                <a16:creationId xmlns:a16="http://schemas.microsoft.com/office/drawing/2014/main" id="{CDA3F923-CC46-4577-9FE5-3FD9C6243297}"/>
+              </a:ext>
+            </a:extLst>
+          </p:cNvPr>
+          <p:cNvSpPr>
+            <a:spLocks noGrp="1"/>
+          </p:cNvSpPr>
+          <p:nvPr>
+            <p:ph idx="1"/>
+          </p:nvPr>
+        </p:nvSpPr>
+        <p:spPr/>
+        <p:txBody>
+          <a:bodyPr/>
+          <a:lstStyle/>
+          <a:p>
+            <a:r>
+              <a:rPr lang="en-GB" altLang="zh-TW" dirty="0"/>
+              <a:t>#include &lt;algorithm&gt;</a:t>
+            </a:r>
+          </a:p>
+          <a:p>
+            <a:r>
+              <a:rPr lang="en-GB" altLang="zh-TW" dirty="0"/>
+              <a:t>sort(a, </a:t>
+            </a:r>
+            <a:r>
+              <a:rPr lang="en-GB" altLang="zh-TW" dirty="0" err="1"/>
+              <a:t>a+n</a:t>
+            </a:r>
+            <a:r>
+              <a:rPr lang="en-GB" altLang="zh-TW" dirty="0"/>
+              <a:t>)</a:t>
+            </a:r>
+          </a:p>
+          <a:p>
+            <a:r>
+              <a:rPr lang="en-GB" altLang="zh-TW" dirty="0" err="1"/>
+              <a:t>l.sort</a:t>
+            </a:r>
+            <a:r>
+              <a:rPr lang="en-GB" altLang="zh-TW" dirty="0"/>
+              <a:t>()</a:t>
+            </a:r>
+          </a:p>
+          <a:p>
+            <a:r>
+              <a:rPr lang="en-GB" altLang="zh-TW" dirty="0"/>
+              <a:t>sort(</a:t>
+            </a:r>
+            <a:r>
+              <a:rPr lang="en-GB" altLang="zh-TW" dirty="0" err="1"/>
+              <a:t>v.begin</a:t>
+            </a:r>
+            <a:r>
+              <a:rPr lang="en-GB" altLang="zh-TW" dirty="0"/>
+              <a:t>(), </a:t>
+            </a:r>
+            <a:r>
+              <a:rPr lang="en-GB" altLang="zh-TW" dirty="0" err="1"/>
+              <a:t>v.end</a:t>
+            </a:r>
+            <a:r>
+              <a:rPr lang="en-GB" altLang="zh-TW" dirty="0"/>
+              <a:t>())</a:t>
+            </a:r>
+            <a:endParaRPr lang="zh-TW" altLang="en-US" dirty="0"/>
+          </a:p>
+        </p:txBody>
+      </p:sp>
+    </p:spTree>
+    <p:extLst>
+      <p:ext uri="{BB962C8B-B14F-4D97-AF65-F5344CB8AC3E}">
+        <p14:creationId xmlns:p14="http://schemas.microsoft.com/office/powerpoint/2010/main" val="3364062859"/>
+      </p:ext>
+    </p:extLst>
+  </p:cSld>
+  <p:clrMapOvr>
+    <a:masterClrMapping/>
+  </p:clrMapOvr>
+</p:sld>
+</file>
+
+<file path=ppt/slides/slide36.xml><?xml version="1.0" encoding="utf-8"?>
+<p:sld xmlns:a="http://schemas.openxmlformats.org/drawingml/2006/main" xmlns:r="http://schemas.openxmlformats.org/officeDocument/2006/relationships" xmlns:p="http://schemas.openxmlformats.org/presentationml/2006/main">
+  <p:cSld>
+    <p:spTree>
+      <p:nvGrpSpPr>
+        <p:cNvPr id="1" name=""/>
+        <p:cNvGrpSpPr/>
+        <p:nvPr/>
+      </p:nvGrpSpPr>
+      <p:grpSpPr>
+        <a:xfrm>
+          <a:off x="0" y="0"/>
+          <a:ext cx="0" cy="0"/>
+          <a:chOff x="0" y="0"/>
+          <a:chExt cx="0" cy="0"/>
+        </a:xfrm>
+      </p:grpSpPr>
+      <p:sp>
+        <p:nvSpPr>
+          <p:cNvPr id="2" name="Title 1">
+            <a:extLst>
+              <a:ext uri="{FF2B5EF4-FFF2-40B4-BE49-F238E27FC236}">
+                <a16:creationId xmlns:a16="http://schemas.microsoft.com/office/drawing/2014/main" id="{D54D79B6-2D57-465D-AD18-EAC091B2B4B9}"/>
+              </a:ext>
+            </a:extLst>
+          </p:cNvPr>
+          <p:cNvSpPr>
+            <a:spLocks noGrp="1"/>
+          </p:cNvSpPr>
+          <p:nvPr>
+            <p:ph type="title"/>
+          </p:nvPr>
+        </p:nvSpPr>
+        <p:spPr/>
+        <p:txBody>
+          <a:bodyPr/>
+          <a:lstStyle/>
+          <a:p>
+            <a:r>
+              <a:rPr lang="en-GB" altLang="zh-TW" dirty="0"/>
+              <a:t>Application : finding convex hull</a:t>
+            </a:r>
+            <a:endParaRPr lang="zh-TW" altLang="en-US" dirty="0"/>
+          </a:p>
+        </p:txBody>
+      </p:sp>
+      <p:pic>
+        <p:nvPicPr>
+          <p:cNvPr id="4" name="Content Placeholder 3">
+            <a:extLst>
+              <a:ext uri="{FF2B5EF4-FFF2-40B4-BE49-F238E27FC236}">
+                <a16:creationId xmlns:a16="http://schemas.microsoft.com/office/drawing/2014/main" id="{D5D0E2D5-247F-4847-96A8-3724E273FD62}"/>
+              </a:ext>
+            </a:extLst>
+          </p:cNvPr>
+          <p:cNvPicPr>
+            <a:picLocks noGrp="1" noChangeAspect="1"/>
+          </p:cNvPicPr>
+          <p:nvPr>
+            <p:ph idx="1"/>
+          </p:nvPr>
+        </p:nvPicPr>
+        <p:blipFill>
+          <a:blip r:embed="rId2"/>
+          <a:stretch>
+            <a:fillRect/>
+          </a:stretch>
+        </p:blipFill>
+        <p:spPr>
+          <a:xfrm>
+            <a:off x="2084951" y="1690688"/>
+            <a:ext cx="8250851" cy="4415949"/>
+          </a:xfrm>
+          <a:prstGeom prst="rect">
+            <a:avLst/>
+          </a:prstGeom>
+        </p:spPr>
+      </p:pic>
+    </p:spTree>
+    <p:extLst>
+      <p:ext uri="{BB962C8B-B14F-4D97-AF65-F5344CB8AC3E}">
+        <p14:creationId xmlns:p14="http://schemas.microsoft.com/office/powerpoint/2010/main" val="1889014687"/>
+      </p:ext>
+    </p:extLst>
+  </p:cSld>
+  <p:clrMapOvr>
+    <a:masterClrMapping/>
+  </p:clrMapOvr>
+</p:sld>
+</file>
+
+<file path=ppt/slides/slide37.xml><?xml version="1.0" encoding="utf-8"?>
+<p:sld xmlns:a="http://schemas.openxmlformats.org/drawingml/2006/main" xmlns:r="http://schemas.openxmlformats.org/officeDocument/2006/relationships" xmlns:p="http://schemas.openxmlformats.org/presentationml/2006/main">
+  <p:cSld>
+    <p:spTree>
+      <p:nvGrpSpPr>
+        <p:cNvPr id="1" name=""/>
+        <p:cNvGrpSpPr/>
+        <p:nvPr/>
+      </p:nvGrpSpPr>
+      <p:grpSpPr>
+        <a:xfrm>
+          <a:off x="0" y="0"/>
+          <a:ext cx="0" cy="0"/>
+          <a:chOff x="0" y="0"/>
+          <a:chExt cx="0" cy="0"/>
+        </a:xfrm>
+      </p:grpSpPr>
+      <p:sp>
+        <p:nvSpPr>
+          <p:cNvPr id="2" name="Title 1">
+            <a:extLst>
+              <a:ext uri="{FF2B5EF4-FFF2-40B4-BE49-F238E27FC236}">
+                <a16:creationId xmlns:a16="http://schemas.microsoft.com/office/drawing/2014/main" id="{CC491102-FEEA-47E0-82C7-1B6A6550C8DE}"/>
+              </a:ext>
+            </a:extLst>
+          </p:cNvPr>
+          <p:cNvSpPr>
+            <a:spLocks noGrp="1"/>
+          </p:cNvSpPr>
+          <p:nvPr>
+            <p:ph type="title"/>
+          </p:nvPr>
+        </p:nvSpPr>
+        <p:spPr/>
+        <p:txBody>
+          <a:bodyPr/>
+          <a:lstStyle/>
+          <a:p>
+            <a:r>
+              <a:rPr lang="en-GB" altLang="zh-TW" dirty="0"/>
+              <a:t>Andrew's Monotone Chain</a:t>
+            </a:r>
+            <a:endParaRPr lang="zh-TW" altLang="en-US" dirty="0"/>
+          </a:p>
+        </p:txBody>
+      </p:sp>
+      <p:sp>
+        <p:nvSpPr>
+          <p:cNvPr id="3" name="Content Placeholder 2">
+            <a:extLst>
+              <a:ext uri="{FF2B5EF4-FFF2-40B4-BE49-F238E27FC236}">
+                <a16:creationId xmlns:a16="http://schemas.microsoft.com/office/drawing/2014/main" id="{2DCD55EF-D1D1-46B3-A56D-023D4391FF6A}"/>
+              </a:ext>
+            </a:extLst>
+          </p:cNvPr>
+          <p:cNvSpPr>
+            <a:spLocks noGrp="1"/>
+          </p:cNvSpPr>
+          <p:nvPr>
+            <p:ph idx="1"/>
+          </p:nvPr>
+        </p:nvSpPr>
+        <p:spPr/>
+        <p:txBody>
+          <a:bodyPr/>
+          <a:lstStyle/>
+          <a:p>
+            <a:r>
+              <a:rPr lang="en-GB" altLang="zh-TW" dirty="0"/>
+              <a:t>Sort the points according to x coordinate O(</a:t>
+            </a:r>
+            <a:r>
+              <a:rPr lang="en-GB" altLang="zh-TW" dirty="0" err="1"/>
+              <a:t>NlogN</a:t>
+            </a:r>
+            <a:r>
+              <a:rPr lang="en-GB" altLang="zh-TW" dirty="0"/>
+              <a:t>)</a:t>
+            </a:r>
+          </a:p>
+          <a:p>
+            <a:r>
+              <a:rPr lang="en-GB" altLang="zh-TW" dirty="0"/>
+              <a:t>Find the lower hull O(N)</a:t>
+            </a:r>
+          </a:p>
+          <a:p>
+            <a:r>
+              <a:rPr lang="en-GB" altLang="zh-TW" dirty="0"/>
+              <a:t>Find the upper hull O(N)</a:t>
+            </a:r>
+            <a:endParaRPr lang="zh-TW" altLang="en-US" dirty="0"/>
+          </a:p>
+        </p:txBody>
+      </p:sp>
+      <p:pic>
+        <p:nvPicPr>
+          <p:cNvPr id="5" name="Picture 4">
+            <a:extLst>
+              <a:ext uri="{FF2B5EF4-FFF2-40B4-BE49-F238E27FC236}">
+                <a16:creationId xmlns:a16="http://schemas.microsoft.com/office/drawing/2014/main" id="{D7EB5241-3FF6-4078-9D91-E822097D4D8E}"/>
+              </a:ext>
+            </a:extLst>
+          </p:cNvPr>
+          <p:cNvPicPr>
+            <a:picLocks noChangeAspect="1"/>
+          </p:cNvPicPr>
+          <p:nvPr/>
+        </p:nvPicPr>
+        <p:blipFill>
+          <a:blip r:embed="rId2"/>
+          <a:stretch>
+            <a:fillRect/>
+          </a:stretch>
+        </p:blipFill>
+        <p:spPr>
+          <a:xfrm>
+            <a:off x="5334251" y="2301086"/>
+            <a:ext cx="4924244" cy="4670253"/>
+          </a:xfrm>
+          <a:prstGeom prst="rect">
+            <a:avLst/>
+          </a:prstGeom>
+        </p:spPr>
+      </p:pic>
+    </p:spTree>
+    <p:extLst>
+      <p:ext uri="{BB962C8B-B14F-4D97-AF65-F5344CB8AC3E}">
+        <p14:creationId xmlns:p14="http://schemas.microsoft.com/office/powerpoint/2010/main" val="3887047148"/>
+      </p:ext>
+    </p:extLst>
+  </p:cSld>
+  <p:clrMapOvr>
+    <a:masterClrMapping/>
+  </p:clrMapOvr>
+</p:sld>
+</file>
+
+<file path=ppt/slides/slide38.xml><?xml version="1.0" encoding="utf-8"?>
+<p:sld xmlns:a="http://schemas.openxmlformats.org/drawingml/2006/main" xmlns:r="http://schemas.openxmlformats.org/officeDocument/2006/relationships" xmlns:p="http://schemas.openxmlformats.org/presentationml/2006/main">
+  <p:cSld>
+    <p:spTree>
+      <p:nvGrpSpPr>
+        <p:cNvPr id="1" name=""/>
+        <p:cNvGrpSpPr/>
+        <p:nvPr/>
+      </p:nvGrpSpPr>
+      <p:grpSpPr>
+        <a:xfrm>
+          <a:off x="0" y="0"/>
+          <a:ext cx="0" cy="0"/>
+          <a:chOff x="0" y="0"/>
+          <a:chExt cx="0" cy="0"/>
+        </a:xfrm>
+      </p:grpSpPr>
+      <p:sp>
+        <p:nvSpPr>
+          <p:cNvPr id="2" name="Title 1">
+            <a:extLst>
+              <a:ext uri="{FF2B5EF4-FFF2-40B4-BE49-F238E27FC236}">
+                <a16:creationId xmlns:a16="http://schemas.microsoft.com/office/drawing/2014/main" id="{A4FA78F2-4225-408E-B8D0-E95D4A59227A}"/>
+              </a:ext>
+            </a:extLst>
+          </p:cNvPr>
+          <p:cNvSpPr>
+            <a:spLocks noGrp="1"/>
+          </p:cNvSpPr>
+          <p:nvPr>
+            <p:ph type="title"/>
+          </p:nvPr>
+        </p:nvSpPr>
+        <p:spPr/>
+        <p:txBody>
+          <a:bodyPr/>
+          <a:lstStyle/>
+          <a:p>
+            <a:r>
+              <a:rPr lang="en-GB" altLang="zh-TW" dirty="0"/>
+              <a:t>Homework</a:t>
+            </a:r>
+            <a:endParaRPr lang="zh-TW" altLang="en-US" dirty="0"/>
+          </a:p>
+        </p:txBody>
+      </p:sp>
+      <p:sp>
+        <p:nvSpPr>
+          <p:cNvPr id="3" name="Content Placeholder 2">
+            <a:extLst>
+              <a:ext uri="{FF2B5EF4-FFF2-40B4-BE49-F238E27FC236}">
+                <a16:creationId xmlns:a16="http://schemas.microsoft.com/office/drawing/2014/main" id="{2A9AEB61-4F44-4698-B7CD-9C0EAE39B13C}"/>
+              </a:ext>
+            </a:extLst>
+          </p:cNvPr>
+          <p:cNvSpPr>
+            <a:spLocks noGrp="1"/>
+          </p:cNvSpPr>
+          <p:nvPr>
+            <p:ph idx="1"/>
+          </p:nvPr>
+        </p:nvSpPr>
+        <p:spPr/>
+        <p:txBody>
+          <a:bodyPr/>
+          <a:lstStyle/>
+          <a:p>
+            <a:r>
+              <a:rPr lang="en-GB" altLang="zh-TW" dirty="0"/>
+              <a:t>Implement Andrew's Monotone Chain in </a:t>
+            </a:r>
+            <a:r>
+              <a:rPr lang="en-GB" altLang="zh-TW" dirty="0" err="1"/>
+              <a:t>c++</a:t>
+            </a:r>
+            <a:r>
+              <a:rPr lang="en-GB" altLang="zh-TW" dirty="0"/>
+              <a:t>. </a:t>
+            </a:r>
+            <a:endParaRPr lang="zh-TW" altLang="en-US" dirty="0"/>
+          </a:p>
+        </p:txBody>
+      </p:sp>
+    </p:spTree>
+    <p:extLst>
+      <p:ext uri="{BB962C8B-B14F-4D97-AF65-F5344CB8AC3E}">
+        <p14:creationId xmlns:p14="http://schemas.microsoft.com/office/powerpoint/2010/main" val="1112574056"/>
+      </p:ext>
+    </p:extLst>
+  </p:cSld>
+  <p:clrMapOvr>
+    <a:masterClrMapping/>
+  </p:clrMapOvr>
+</p:sld>
+</file>
+
+<file path=ppt/slides/slide39.xml><?xml version="1.0" encoding="utf-8"?>
+<p:sld xmlns:a="http://schemas.openxmlformats.org/drawingml/2006/main" xmlns:r="http://schemas.openxmlformats.org/officeDocument/2006/relationships" xmlns:p="http://schemas.openxmlformats.org/presentationml/2006/main">
+  <p:cSld>
+    <p:spTree>
+      <p:nvGrpSpPr>
+        <p:cNvPr id="1" name=""/>
+        <p:cNvGrpSpPr/>
+        <p:nvPr/>
+      </p:nvGrpSpPr>
+      <p:grpSpPr>
+        <a:xfrm>
+          <a:off x="0" y="0"/>
+          <a:ext cx="0" cy="0"/>
+          <a:chOff x="0" y="0"/>
+          <a:chExt cx="0" cy="0"/>
+        </a:xfrm>
+      </p:grpSpPr>
+      <p:sp>
+        <p:nvSpPr>
+          <p:cNvPr id="2" name="Title 1">
+            <a:extLst>
+              <a:ext uri="{FF2B5EF4-FFF2-40B4-BE49-F238E27FC236}">
+                <a16:creationId xmlns:a16="http://schemas.microsoft.com/office/drawing/2014/main" id="{614C5C03-833A-477F-9F3A-9D0FC3304408}"/>
+              </a:ext>
+            </a:extLst>
+          </p:cNvPr>
+          <p:cNvSpPr>
+            <a:spLocks noGrp="1"/>
+          </p:cNvSpPr>
+          <p:nvPr>
+            <p:ph type="title"/>
+          </p:nvPr>
+        </p:nvSpPr>
+        <p:spPr/>
+        <p:txBody>
+          <a:bodyPr/>
+          <a:lstStyle/>
+          <a:p>
+            <a:r>
+              <a:rPr lang="en-GB" altLang="zh-TW" dirty="0"/>
+              <a:t>Advanced reading</a:t>
+            </a:r>
+            <a:endParaRPr lang="zh-TW" altLang="en-US" dirty="0"/>
+          </a:p>
+        </p:txBody>
+      </p:sp>
+      <p:sp>
+        <p:nvSpPr>
+          <p:cNvPr id="3" name="Content Placeholder 2">
+            <a:extLst>
+              <a:ext uri="{FF2B5EF4-FFF2-40B4-BE49-F238E27FC236}">
+                <a16:creationId xmlns:a16="http://schemas.microsoft.com/office/drawing/2014/main" id="{BA3F7865-8817-45BA-9309-BD2E6A0E30A8}"/>
+              </a:ext>
+            </a:extLst>
+          </p:cNvPr>
+          <p:cNvSpPr>
+            <a:spLocks noGrp="1"/>
+          </p:cNvSpPr>
+          <p:nvPr>
+            <p:ph idx="1"/>
+          </p:nvPr>
+        </p:nvSpPr>
+        <p:spPr/>
+        <p:txBody>
+          <a:bodyPr/>
+          <a:lstStyle/>
+          <a:p>
+            <a:r>
+              <a:rPr lang="en-GB" altLang="zh-TW" dirty="0"/>
+              <a:t>http://www.csie.ntnu.edu.tw/~u91029/ConvexHull.html#4</a:t>
+            </a:r>
+            <a:endParaRPr lang="zh-TW" altLang="en-US" dirty="0"/>
+          </a:p>
+        </p:txBody>
+      </p:sp>
+    </p:spTree>
+    <p:extLst>
+      <p:ext uri="{BB962C8B-B14F-4D97-AF65-F5344CB8AC3E}">
+        <p14:creationId xmlns:p14="http://schemas.microsoft.com/office/powerpoint/2010/main" val="1392446435"/>
+      </p:ext>
+    </p:extLst>
+  </p:cSld>
+  <p:clrMapOvr>
+    <a:masterClrMapping/>
+  </p:clrMapOvr>
+</p:sld>
+</file>
+
+<file path=ppt/slides/slide4.xml><?xml version="1.0" encoding="utf-8"?>
+<p:sld xmlns:a="http://schemas.openxmlformats.org/drawingml/2006/main" xmlns:r="http://schemas.openxmlformats.org/officeDocument/2006/relationships" xmlns:p="http://schemas.openxmlformats.org/presentationml/2006/main">
+  <p:cSld>
+    <p:spTree>
+      <p:nvGrpSpPr>
+        <p:cNvPr id="1" name=""/>
+        <p:cNvGrpSpPr/>
+        <p:nvPr/>
+      </p:nvGrpSpPr>
+      <p:grpSpPr>
+        <a:xfrm>
+          <a:off x="0" y="0"/>
+          <a:ext cx="0" cy="0"/>
+          <a:chOff x="0" y="0"/>
+          <a:chExt cx="0" cy="0"/>
+        </a:xfrm>
+      </p:grpSpPr>
+      <p:sp>
+        <p:nvSpPr>
+          <p:cNvPr id="2" name="Title 1">
+            <a:extLst>
+              <a:ext uri="{FF2B5EF4-FFF2-40B4-BE49-F238E27FC236}">
+                <a16:creationId xmlns:a16="http://schemas.microsoft.com/office/drawing/2014/main" id="{9AA755CF-39C8-440E-9A5F-429B7A5BF0EA}"/>
+              </a:ext>
+            </a:extLst>
+          </p:cNvPr>
+          <p:cNvSpPr>
+            <a:spLocks noGrp="1"/>
+          </p:cNvSpPr>
+          <p:nvPr>
+            <p:ph type="title"/>
+          </p:nvPr>
+        </p:nvSpPr>
+        <p:spPr/>
+        <p:txBody>
+          <a:bodyPr/>
+          <a:lstStyle/>
+          <a:p>
+            <a:r>
+              <a:rPr lang="en-GB" altLang="zh-TW" dirty="0"/>
+              <a:t>Exercise</a:t>
+            </a:r>
+            <a:endParaRPr lang="zh-TW" altLang="en-US" dirty="0"/>
+          </a:p>
+        </p:txBody>
+      </p:sp>
+      <p:sp>
+        <p:nvSpPr>
+          <p:cNvPr id="3" name="Content Placeholder 2">
+            <a:extLst>
+              <a:ext uri="{FF2B5EF4-FFF2-40B4-BE49-F238E27FC236}">
+                <a16:creationId xmlns:a16="http://schemas.microsoft.com/office/drawing/2014/main" id="{3329E899-5108-4D62-8154-CF62ED1004C4}"/>
+              </a:ext>
+            </a:extLst>
+          </p:cNvPr>
+          <p:cNvSpPr>
+            <a:spLocks noGrp="1"/>
+          </p:cNvSpPr>
+          <p:nvPr>
+            <p:ph idx="1"/>
+          </p:nvPr>
+        </p:nvSpPr>
+        <p:spPr/>
+        <p:txBody>
+          <a:bodyPr/>
+          <a:lstStyle/>
+          <a:p>
+            <a:r>
+              <a:rPr lang="en-GB" altLang="zh-TW" dirty="0"/>
+              <a:t>Implement Knuth shuffle in </a:t>
+            </a:r>
+            <a:r>
+              <a:rPr lang="en-GB" altLang="zh-TW" dirty="0" err="1"/>
+              <a:t>c++</a:t>
+            </a:r>
+            <a:endParaRPr lang="zh-TW" altLang="en-US" dirty="0"/>
+          </a:p>
+        </p:txBody>
+      </p:sp>
+    </p:spTree>
+    <p:extLst>
+      <p:ext uri="{BB962C8B-B14F-4D97-AF65-F5344CB8AC3E}">
+        <p14:creationId xmlns:p14="http://schemas.microsoft.com/office/powerpoint/2010/main" val="487751594"/>
+      </p:ext>
+    </p:extLst>
+  </p:cSld>
+  <p:clrMapOvr>
+    <a:masterClrMapping/>
+  </p:clrMapOvr>
+</p:sld>
+</file>
+
+<file path=ppt/slides/slide5.xml><?xml version="1.0" encoding="utf-8"?>
+<p:sld xmlns:a="http://schemas.openxmlformats.org/drawingml/2006/main" xmlns:r="http://schemas.openxmlformats.org/officeDocument/2006/relationships" xmlns:p="http://schemas.openxmlformats.org/presentationml/2006/main">
+  <p:cSld>
+    <p:spTree>
+      <p:nvGrpSpPr>
+        <p:cNvPr id="1" name=""/>
+        <p:cNvGrpSpPr/>
+        <p:nvPr/>
+      </p:nvGrpSpPr>
+      <p:grpSpPr>
+        <a:xfrm>
+          <a:off x="0" y="0"/>
+          <a:ext cx="0" cy="0"/>
+          <a:chOff x="0" y="0"/>
+          <a:chExt cx="0" cy="0"/>
+        </a:xfrm>
+      </p:grpSpPr>
+      <p:sp>
+        <p:nvSpPr>
+          <p:cNvPr id="2" name="Title 1">
+            <a:extLst>
+              <a:ext uri="{FF2B5EF4-FFF2-40B4-BE49-F238E27FC236}">
+                <a16:creationId xmlns:a16="http://schemas.microsoft.com/office/drawing/2014/main" id="{90BF7B58-04CB-478E-81B5-57DEA3227F4A}"/>
+              </a:ext>
+            </a:extLst>
+          </p:cNvPr>
+          <p:cNvSpPr>
+            <a:spLocks noGrp="1"/>
+          </p:cNvSpPr>
+          <p:nvPr>
+            <p:ph type="title"/>
+          </p:nvPr>
+        </p:nvSpPr>
+        <p:spPr/>
+        <p:txBody>
+          <a:bodyPr/>
+          <a:lstStyle/>
+          <a:p>
+            <a:r>
+              <a:rPr lang="en-GB" altLang="zh-TW" dirty="0"/>
+              <a:t>Homework</a:t>
+            </a:r>
+            <a:endParaRPr lang="zh-TW" altLang="en-US" dirty="0"/>
+          </a:p>
+        </p:txBody>
+      </p:sp>
+      <p:sp>
+        <p:nvSpPr>
+          <p:cNvPr id="3" name="Content Placeholder 2">
+            <a:extLst>
+              <a:ext uri="{FF2B5EF4-FFF2-40B4-BE49-F238E27FC236}">
+                <a16:creationId xmlns:a16="http://schemas.microsoft.com/office/drawing/2014/main" id="{FE23F029-8991-4014-96B2-2E3B73E11105}"/>
+              </a:ext>
+            </a:extLst>
+          </p:cNvPr>
+          <p:cNvSpPr>
+            <a:spLocks noGrp="1"/>
+          </p:cNvSpPr>
+          <p:nvPr>
+            <p:ph idx="1"/>
+          </p:nvPr>
+        </p:nvSpPr>
+        <p:spPr/>
+        <p:txBody>
+          <a:bodyPr/>
+          <a:lstStyle/>
+          <a:p>
+            <a:r>
+              <a:rPr lang="en-GB" altLang="zh-TW" dirty="0"/>
+              <a:t>Proof the correctness of Knuth shuffle. i.e. all possible permutations appear with same probability.</a:t>
+            </a:r>
+            <a:endParaRPr lang="zh-TW" altLang="en-US" dirty="0"/>
+          </a:p>
+        </p:txBody>
+      </p:sp>
+    </p:spTree>
+    <p:extLst>
+      <p:ext uri="{BB962C8B-B14F-4D97-AF65-F5344CB8AC3E}">
+        <p14:creationId xmlns:p14="http://schemas.microsoft.com/office/powerpoint/2010/main" val="1729132236"/>
+      </p:ext>
+    </p:extLst>
+  </p:cSld>
+  <p:clrMapOvr>
+    <a:masterClrMapping/>
+  </p:clrMapOvr>
+</p:sld>
+</file>
+
+<file path=ppt/slides/slide6.xml><?xml version="1.0" encoding="utf-8"?>
+<p:sld xmlns:a="http://schemas.openxmlformats.org/drawingml/2006/main" xmlns:r="http://schemas.openxmlformats.org/officeDocument/2006/relationships" xmlns:p="http://schemas.openxmlformats.org/presentationml/2006/main">
+  <p:cSld>
+    <p:spTree>
+      <p:nvGrpSpPr>
+        <p:cNvPr id="1" name=""/>
+        <p:cNvGrpSpPr/>
+        <p:nvPr/>
+      </p:nvGrpSpPr>
+      <p:grpSpPr>
+        <a:xfrm>
+          <a:off x="0" y="0"/>
+          <a:ext cx="0" cy="0"/>
+          <a:chOff x="0" y="0"/>
+          <a:chExt cx="0" cy="0"/>
+        </a:xfrm>
+      </p:grpSpPr>
+      <p:sp>
+        <p:nvSpPr>
+          <p:cNvPr id="2" name="Title 1">
+            <a:extLst>
+              <a:ext uri="{FF2B5EF4-FFF2-40B4-BE49-F238E27FC236}">
+                <a16:creationId xmlns:a16="http://schemas.microsoft.com/office/drawing/2014/main" id="{A747A391-B6FF-47A3-A5FD-8F5ABFC65D9C}"/>
+              </a:ext>
+            </a:extLst>
+          </p:cNvPr>
+          <p:cNvSpPr>
+            <a:spLocks noGrp="1"/>
+          </p:cNvSpPr>
+          <p:nvPr>
+            <p:ph type="title"/>
+          </p:nvPr>
+        </p:nvSpPr>
+        <p:spPr/>
+        <p:txBody>
+          <a:bodyPr/>
+          <a:lstStyle/>
+          <a:p>
+            <a:r>
+              <a:rPr lang="en-GB" altLang="zh-TW" dirty="0"/>
+              <a:t>Knuth shuffle</a:t>
+            </a:r>
+            <a:endParaRPr lang="zh-TW" altLang="en-US" dirty="0"/>
+          </a:p>
+        </p:txBody>
+      </p:sp>
+      <p:sp>
+        <p:nvSpPr>
+          <p:cNvPr id="3" name="Content Placeholder 2">
+            <a:extLst>
+              <a:ext uri="{FF2B5EF4-FFF2-40B4-BE49-F238E27FC236}">
+                <a16:creationId xmlns:a16="http://schemas.microsoft.com/office/drawing/2014/main" id="{A3113F7F-026C-4E33-83FE-74215AAC2CBA}"/>
+              </a:ext>
+            </a:extLst>
+          </p:cNvPr>
+          <p:cNvSpPr>
+            <a:spLocks noGrp="1"/>
+          </p:cNvSpPr>
+          <p:nvPr>
+            <p:ph idx="1"/>
+          </p:nvPr>
+        </p:nvSpPr>
+        <p:spPr/>
+        <p:txBody>
+          <a:bodyPr/>
+          <a:lstStyle/>
+          <a:p>
+            <a:r>
+              <a:rPr lang="en-GB" altLang="zh-TW" dirty="0"/>
+              <a:t>Easy to implement</a:t>
+            </a:r>
+          </a:p>
+          <a:p>
+            <a:r>
+              <a:rPr lang="en-GB" altLang="zh-TW" dirty="0"/>
+              <a:t>Time complexity : O(N)</a:t>
+            </a:r>
+          </a:p>
+          <a:p>
+            <a:endParaRPr lang="zh-TW" altLang="en-US" dirty="0"/>
+          </a:p>
+        </p:txBody>
+      </p:sp>
+    </p:spTree>
+    <p:extLst>
+      <p:ext uri="{BB962C8B-B14F-4D97-AF65-F5344CB8AC3E}">
+        <p14:creationId xmlns:p14="http://schemas.microsoft.com/office/powerpoint/2010/main" val="2697325974"/>
+      </p:ext>
+    </p:extLst>
+  </p:cSld>
+  <p:clrMapOvr>
+    <a:masterClrMapping/>
+  </p:clrMapOvr>
+</p:sld>
+</file>
+
+<file path=ppt/slides/slide7.xml><?xml version="1.0" encoding="utf-8"?>
+<p:sld xmlns:a="http://schemas.openxmlformats.org/drawingml/2006/main" xmlns:r="http://schemas.openxmlformats.org/officeDocument/2006/relationships" xmlns:p="http://schemas.openxmlformats.org/presentationml/2006/main">
+  <p:cSld>
+    <p:spTree>
+      <p:nvGrpSpPr>
+        <p:cNvPr id="1" name=""/>
+        <p:cNvGrpSpPr/>
+        <p:nvPr/>
+      </p:nvGrpSpPr>
+      <p:grpSpPr>
+        <a:xfrm>
+          <a:off x="0" y="0"/>
+          <a:ext cx="0" cy="0"/>
+          <a:chOff x="0" y="0"/>
+          <a:chExt cx="0" cy="0"/>
+        </a:xfrm>
+      </p:grpSpPr>
+      <p:sp>
+        <p:nvSpPr>
+          <p:cNvPr id="2" name="Title 1">
+            <a:extLst>
+              <a:ext uri="{FF2B5EF4-FFF2-40B4-BE49-F238E27FC236}">
+                <a16:creationId xmlns:a16="http://schemas.microsoft.com/office/drawing/2014/main" id="{D65B051E-F689-4835-A3A8-85B95D2DB5EB}"/>
+              </a:ext>
+            </a:extLst>
+          </p:cNvPr>
+          <p:cNvSpPr>
+            <a:spLocks noGrp="1"/>
+          </p:cNvSpPr>
+          <p:nvPr>
+            <p:ph type="title"/>
+          </p:nvPr>
+        </p:nvSpPr>
+        <p:spPr/>
+        <p:txBody>
+          <a:bodyPr/>
+          <a:lstStyle/>
+          <a:p>
+            <a:r>
+              <a:rPr lang="en-GB" altLang="zh-TW" dirty="0"/>
+              <a:t>Sorting</a:t>
+            </a:r>
+            <a:endParaRPr lang="zh-TW" altLang="en-US" dirty="0"/>
+          </a:p>
+        </p:txBody>
+      </p:sp>
+      <p:sp>
+        <p:nvSpPr>
+          <p:cNvPr id="3" name="Content Placeholder 2">
+            <a:extLst>
+              <a:ext uri="{FF2B5EF4-FFF2-40B4-BE49-F238E27FC236}">
+                <a16:creationId xmlns:a16="http://schemas.microsoft.com/office/drawing/2014/main" id="{8E649E55-F9E9-419C-885D-1AAE3E5E9625}"/>
+              </a:ext>
+            </a:extLst>
+          </p:cNvPr>
+          <p:cNvSpPr>
+            <a:spLocks noGrp="1"/>
+          </p:cNvSpPr>
+          <p:nvPr>
+            <p:ph idx="1"/>
+          </p:nvPr>
+        </p:nvSpPr>
+        <p:spPr/>
+        <p:txBody>
+          <a:bodyPr/>
+          <a:lstStyle/>
+          <a:p>
+            <a:r>
+              <a:rPr lang="en-GB" altLang="zh-TW" dirty="0"/>
+              <a:t>What is the optimal solution for sorting?</a:t>
+            </a:r>
+          </a:p>
+          <a:p>
+            <a:endParaRPr lang="en-GB" altLang="zh-TW" dirty="0"/>
+          </a:p>
+          <a:p>
+            <a:r>
+              <a:rPr lang="en-GB" altLang="zh-TW" dirty="0"/>
+              <a:t>Hypotheses:</a:t>
+            </a:r>
+          </a:p>
+          <a:p>
+            <a:r>
+              <a:rPr lang="en-GB" altLang="zh-TW" dirty="0"/>
+              <a:t>We only do comparisons between elements</a:t>
+            </a:r>
+          </a:p>
+          <a:p>
+            <a:r>
+              <a:rPr lang="en-GB" altLang="zh-TW" dirty="0"/>
+              <a:t>We don’t assume any distribution of the elements</a:t>
+            </a:r>
+            <a:endParaRPr lang="zh-TW" altLang="en-US" dirty="0"/>
+          </a:p>
+        </p:txBody>
+      </p:sp>
+    </p:spTree>
+    <p:extLst>
+      <p:ext uri="{BB962C8B-B14F-4D97-AF65-F5344CB8AC3E}">
+        <p14:creationId xmlns:p14="http://schemas.microsoft.com/office/powerpoint/2010/main" val="781532143"/>
+      </p:ext>
+    </p:extLst>
+  </p:cSld>
+  <p:clrMapOvr>
+    <a:masterClrMapping/>
+  </p:clrMapOvr>
+</p:sld>
+</file>
+
+<file path=ppt/slides/slide8.xml><?xml version="1.0" encoding="utf-8"?>
+<p:sld xmlns:a="http://schemas.openxmlformats.org/drawingml/2006/main" xmlns:r="http://schemas.openxmlformats.org/officeDocument/2006/relationships" xmlns:p="http://schemas.openxmlformats.org/presentationml/2006/main">
+  <p:cSld>
+    <p:spTree>
+      <p:nvGrpSpPr>
+        <p:cNvPr id="1" name=""/>
+        <p:cNvGrpSpPr/>
+        <p:nvPr/>
+      </p:nvGrpSpPr>
+      <p:grpSpPr>
+        <a:xfrm>
+          <a:off x="0" y="0"/>
+          <a:ext cx="0" cy="0"/>
+          <a:chOff x="0" y="0"/>
+          <a:chExt cx="0" cy="0"/>
+        </a:xfrm>
+      </p:grpSpPr>
+      <p:sp>
+        <p:nvSpPr>
+          <p:cNvPr id="2" name="Title 1">
+            <a:extLst>
+              <a:ext uri="{FF2B5EF4-FFF2-40B4-BE49-F238E27FC236}">
+                <a16:creationId xmlns:a16="http://schemas.microsoft.com/office/drawing/2014/main" id="{9CCEA3FF-5A1F-45BC-BC13-5D5702524201}"/>
+              </a:ext>
+            </a:extLst>
+          </p:cNvPr>
+          <p:cNvSpPr>
+            <a:spLocks noGrp="1"/>
+          </p:cNvSpPr>
+          <p:nvPr>
+            <p:ph type="title"/>
+          </p:nvPr>
+        </p:nvSpPr>
+        <p:spPr/>
+        <p:txBody>
+          <a:bodyPr/>
+          <a:lstStyle/>
+          <a:p>
+            <a:endParaRPr lang="zh-TW" altLang="en-US"/>
+          </a:p>
+        </p:txBody>
+      </p:sp>
+      <p:sp>
+        <p:nvSpPr>
+          <p:cNvPr id="3" name="Content Placeholder 2">
+            <a:extLst>
+              <a:ext uri="{FF2B5EF4-FFF2-40B4-BE49-F238E27FC236}">
+                <a16:creationId xmlns:a16="http://schemas.microsoft.com/office/drawing/2014/main" id="{83C3E8E7-B6C3-4660-8F25-2972F7D16B52}"/>
+              </a:ext>
+            </a:extLst>
+          </p:cNvPr>
+          <p:cNvSpPr>
+            <a:spLocks noGrp="1"/>
+          </p:cNvSpPr>
+          <p:nvPr>
+            <p:ph idx="1"/>
+          </p:nvPr>
+        </p:nvSpPr>
+        <p:spPr/>
+        <p:txBody>
+          <a:bodyPr/>
+          <a:lstStyle/>
+          <a:p>
+            <a:r>
+              <a:rPr lang="en-GB" altLang="zh-TW" dirty="0"/>
+              <a:t>Example : we can sort </a:t>
+            </a:r>
+            <a:r>
+              <a:rPr lang="en-GB" altLang="zh-TW" dirty="0" err="1"/>
+              <a:t>a,b,c</a:t>
+            </a:r>
+            <a:r>
+              <a:rPr lang="en-GB" altLang="zh-TW" dirty="0"/>
+              <a:t> with the following </a:t>
+            </a:r>
+            <a:r>
+              <a:rPr lang="en-GB" altLang="zh-TW" dirty="0">
+                <a:solidFill>
+                  <a:srgbClr val="FF0000"/>
+                </a:solidFill>
+              </a:rPr>
+              <a:t>decision tree</a:t>
+            </a:r>
+            <a:endParaRPr lang="zh-TW" altLang="en-US" dirty="0">
+              <a:solidFill>
+                <a:srgbClr val="FF0000"/>
+              </a:solidFill>
+            </a:endParaRPr>
+          </a:p>
+        </p:txBody>
+      </p:sp>
+      <p:pic>
+        <p:nvPicPr>
+          <p:cNvPr id="5" name="Picture 4">
+            <a:extLst>
+              <a:ext uri="{FF2B5EF4-FFF2-40B4-BE49-F238E27FC236}">
+                <a16:creationId xmlns:a16="http://schemas.microsoft.com/office/drawing/2014/main" id="{5A14A89E-BD8A-403F-897D-6CEEE126F4D8}"/>
+              </a:ext>
+            </a:extLst>
+          </p:cNvPr>
+          <p:cNvPicPr>
+            <a:picLocks noChangeAspect="1"/>
+          </p:cNvPicPr>
+          <p:nvPr/>
+        </p:nvPicPr>
+        <p:blipFill>
+          <a:blip r:embed="rId2"/>
+          <a:stretch>
+            <a:fillRect/>
+          </a:stretch>
+        </p:blipFill>
+        <p:spPr>
+          <a:xfrm>
+            <a:off x="3730260" y="2984027"/>
+            <a:ext cx="4423584" cy="2584566"/>
+          </a:xfrm>
+          <a:prstGeom prst="rect">
+            <a:avLst/>
+          </a:prstGeom>
+        </p:spPr>
+      </p:pic>
+    </p:spTree>
+    <p:extLst>
+      <p:ext uri="{BB962C8B-B14F-4D97-AF65-F5344CB8AC3E}">
+        <p14:creationId xmlns:p14="http://schemas.microsoft.com/office/powerpoint/2010/main" val="3553627360"/>
+      </p:ext>
+    </p:extLst>
+  </p:cSld>
+  <p:clrMapOvr>
+    <a:masterClrMapping/>
+  </p:clrMapOvr>
+</p:sld>
+</file>
+
+<file path=ppt/slides/slide9.xml><?xml version="1.0" encoding="utf-8"?>
+<p:sld xmlns:a="http://schemas.openxmlformats.org/drawingml/2006/main" xmlns:r="http://schemas.openxmlformats.org/officeDocument/2006/relationships" xmlns:p="http://schemas.openxmlformats.org/presentationml/2006/main">
+  <p:cSld>
+    <p:spTree>
+      <p:nvGrpSpPr>
+        <p:cNvPr id="1" name=""/>
+        <p:cNvGrpSpPr/>
+        <p:nvPr/>
+      </p:nvGrpSpPr>
+      <p:grpSpPr>
+        <a:xfrm>
+          <a:off x="0" y="0"/>
+          <a:ext cx="0" cy="0"/>
+          <a:chOff x="0" y="0"/>
+          <a:chExt cx="0" cy="0"/>
+        </a:xfrm>
+      </p:grpSpPr>
+      <p:sp>
+        <p:nvSpPr>
+          <p:cNvPr id="2" name="Title 1">
+            <a:extLst>
+              <a:ext uri="{FF2B5EF4-FFF2-40B4-BE49-F238E27FC236}">
+                <a16:creationId xmlns:a16="http://schemas.microsoft.com/office/drawing/2014/main" id="{2E4E1844-617E-4F97-9D16-EE61161AA2F7}"/>
+              </a:ext>
+            </a:extLst>
+          </p:cNvPr>
+          <p:cNvSpPr>
+            <a:spLocks noGrp="1"/>
+          </p:cNvSpPr>
+          <p:nvPr>
+            <p:ph type="title"/>
+          </p:nvPr>
+        </p:nvSpPr>
+        <p:spPr/>
+        <p:txBody>
+          <a:bodyPr/>
+          <a:lstStyle/>
+          <a:p>
+            <a:endParaRPr lang="zh-TW" altLang="en-US"/>
+          </a:p>
+        </p:txBody>
+      </p:sp>
+      <p:sp>
+        <p:nvSpPr>
+          <p:cNvPr id="3" name="Content Placeholder 2">
+            <a:extLst>
+              <a:ext uri="{FF2B5EF4-FFF2-40B4-BE49-F238E27FC236}">
+                <a16:creationId xmlns:a16="http://schemas.microsoft.com/office/drawing/2014/main" id="{27E6F426-2EEE-41A5-9FE8-B3FEFC52F2A6}"/>
+              </a:ext>
+            </a:extLst>
+          </p:cNvPr>
+          <p:cNvSpPr>
+            <a:spLocks noGrp="1"/>
+          </p:cNvSpPr>
+          <p:nvPr>
+            <p:ph idx="1"/>
+          </p:nvPr>
+        </p:nvSpPr>
+        <p:spPr/>
+        <p:txBody>
+          <a:bodyPr/>
+          <a:lstStyle/>
+          <a:p>
+            <a:r>
+              <a:rPr lang="en-GB" altLang="zh-TW" dirty="0"/>
+              <a:t>Here, we do 2 or 3 comparisons depending on the values</a:t>
+            </a:r>
+          </a:p>
+          <a:p>
+            <a:r>
+              <a:rPr lang="en-GB" altLang="zh-TW" dirty="0"/>
+              <a:t>So at most 3 comparisons</a:t>
+            </a:r>
+            <a:endParaRPr lang="zh-TW" altLang="en-US" dirty="0"/>
+          </a:p>
+        </p:txBody>
+      </p:sp>
+    </p:spTree>
+    <p:extLst>
+      <p:ext uri="{BB962C8B-B14F-4D97-AF65-F5344CB8AC3E}">
+        <p14:creationId xmlns:p14="http://schemas.microsoft.com/office/powerpoint/2010/main" val="1831659129"/>
+      </p:ext>
+    </p:extLst>
+  </p:cSld>
+  <p:clrMapOvr>
+    <a:masterClrMapping/>
+  </p:clrMapOvr>
+</p:sld>
+</file>
+
 <file path=ppt/theme/theme1.xml><?xml version="1.0" encoding="utf-8"?>
 <a:theme xmlns:a="http://schemas.openxmlformats.org/drawingml/2006/main" name="Office Theme">
   <a:themeElements>
